--- a/Q/XCHU-Builds_Part.pptx
+++ b/Q/XCHU-Builds_Part.pptx
@@ -3,10 +3,17 @@
 <p:presentation xmlns:a="http://schemas.openxmlformats.org/drawingml/2006/main" xmlns:r="http://schemas.openxmlformats.org/officeDocument/2006/relationships" xmlns:p="http://schemas.openxmlformats.org/presentationml/2006/main" saveSubsetFonts="1">
   <p:sldMasterIdLst>
     <p:sldMasterId id="2147483648" r:id="rId1"/>
+    <p:sldMasterId id="2147483660" r:id="rId2"/>
   </p:sldMasterIdLst>
+  <p:notesMasterIdLst>
+    <p:notesMasterId r:id="rId8"/>
+  </p:notesMasterIdLst>
   <p:sldIdLst>
-    <p:sldId id="256" r:id="rId2"/>
-    <p:sldId id="257" r:id="rId3"/>
+    <p:sldId id="264" r:id="rId3"/>
+    <p:sldId id="261" r:id="rId4"/>
+    <p:sldId id="257" r:id="rId5"/>
+    <p:sldId id="267" r:id="rId6"/>
+    <p:sldId id="268" r:id="rId7"/>
   </p:sldIdLst>
   <p:sldSz cx="9144000" cy="6858000" type="screen4x3"/>
   <p:notesSz cx="6858000" cy="9144000"/>
@@ -108,6 +115,444 @@
 </p:presentation>
 </file>
 
+<file path=ppt/notesMasters/notesMaster1.xml><?xml version="1.0" encoding="utf-8"?>
+<p:notesMaster xmlns:a="http://schemas.openxmlformats.org/drawingml/2006/main" xmlns:r="http://schemas.openxmlformats.org/officeDocument/2006/relationships" xmlns:p="http://schemas.openxmlformats.org/presentationml/2006/main">
+  <p:cSld>
+    <p:bg>
+      <p:bgRef idx="1001">
+        <a:schemeClr val="bg1"/>
+      </p:bgRef>
+    </p:bg>
+    <p:spTree>
+      <p:nvGrpSpPr>
+        <p:cNvPr id="1" name=""/>
+        <p:cNvGrpSpPr/>
+        <p:nvPr/>
+      </p:nvGrpSpPr>
+      <p:grpSpPr>
+        <a:xfrm>
+          <a:off x="0" y="0"/>
+          <a:ext cx="0" cy="0"/>
+          <a:chOff x="0" y="0"/>
+          <a:chExt cx="0" cy="0"/>
+        </a:xfrm>
+      </p:grpSpPr>
+      <p:sp>
+        <p:nvSpPr>
+          <p:cNvPr id="2" name="Header Placeholder 1"/>
+          <p:cNvSpPr>
+            <a:spLocks noGrp="1"/>
+          </p:cNvSpPr>
+          <p:nvPr>
+            <p:ph type="hdr" sz="quarter"/>
+          </p:nvPr>
+        </p:nvSpPr>
+        <p:spPr>
+          <a:xfrm>
+            <a:off x="0" y="0"/>
+            <a:ext cx="2971800" cy="457200"/>
+          </a:xfrm>
+          <a:prstGeom prst="rect">
+            <a:avLst/>
+          </a:prstGeom>
+        </p:spPr>
+        <p:txBody>
+          <a:bodyPr vert="horz" lIns="91440" tIns="45720" rIns="91440" bIns="45720" rtlCol="0"/>
+          <a:lstStyle>
+            <a:lvl1pPr algn="l">
+              <a:defRPr sz="1200"/>
+            </a:lvl1pPr>
+          </a:lstStyle>
+          <a:p>
+            <a:endParaRPr lang="en-US"/>
+          </a:p>
+        </p:txBody>
+      </p:sp>
+      <p:sp>
+        <p:nvSpPr>
+          <p:cNvPr id="3" name="Date Placeholder 2"/>
+          <p:cNvSpPr>
+            <a:spLocks noGrp="1"/>
+          </p:cNvSpPr>
+          <p:nvPr>
+            <p:ph type="dt" idx="1"/>
+          </p:nvPr>
+        </p:nvSpPr>
+        <p:spPr>
+          <a:xfrm>
+            <a:off x="3884613" y="0"/>
+            <a:ext cx="2971800" cy="457200"/>
+          </a:xfrm>
+          <a:prstGeom prst="rect">
+            <a:avLst/>
+          </a:prstGeom>
+        </p:spPr>
+        <p:txBody>
+          <a:bodyPr vert="horz" lIns="91440" tIns="45720" rIns="91440" bIns="45720" rtlCol="0"/>
+          <a:lstStyle>
+            <a:lvl1pPr algn="r">
+              <a:defRPr sz="1200"/>
+            </a:lvl1pPr>
+          </a:lstStyle>
+          <a:p>
+            <a:fld id="{EB810EDD-F655-4B59-B2BE-F3C2FDC7AFF5}" type="datetimeFigureOut">
+              <a:rPr lang="en-US" smtClean="0"/>
+              <a:t>10/10/2013</a:t>
+            </a:fld>
+            <a:endParaRPr lang="en-US"/>
+          </a:p>
+        </p:txBody>
+      </p:sp>
+      <p:sp>
+        <p:nvSpPr>
+          <p:cNvPr id="4" name="Slide Image Placeholder 3"/>
+          <p:cNvSpPr>
+            <a:spLocks noGrp="1" noRot="1" noChangeAspect="1"/>
+          </p:cNvSpPr>
+          <p:nvPr>
+            <p:ph type="sldImg" idx="2"/>
+          </p:nvPr>
+        </p:nvSpPr>
+        <p:spPr>
+          <a:xfrm>
+            <a:off x="1143000" y="685800"/>
+            <a:ext cx="4572000" cy="3429000"/>
+          </a:xfrm>
+          <a:prstGeom prst="rect">
+            <a:avLst/>
+          </a:prstGeom>
+          <a:noFill/>
+          <a:ln w="12700">
+            <a:solidFill>
+              <a:prstClr val="black"/>
+            </a:solidFill>
+          </a:ln>
+        </p:spPr>
+        <p:txBody>
+          <a:bodyPr vert="horz" lIns="91440" tIns="45720" rIns="91440" bIns="45720" rtlCol="0" anchor="ctr"/>
+          <a:lstStyle/>
+          <a:p>
+            <a:endParaRPr lang="en-US"/>
+          </a:p>
+        </p:txBody>
+      </p:sp>
+      <p:sp>
+        <p:nvSpPr>
+          <p:cNvPr id="5" name="Notes Placeholder 4"/>
+          <p:cNvSpPr>
+            <a:spLocks noGrp="1"/>
+          </p:cNvSpPr>
+          <p:nvPr>
+            <p:ph type="body" sz="quarter" idx="3"/>
+          </p:nvPr>
+        </p:nvSpPr>
+        <p:spPr>
+          <a:xfrm>
+            <a:off x="685800" y="4343400"/>
+            <a:ext cx="5486400" cy="4114800"/>
+          </a:xfrm>
+          <a:prstGeom prst="rect">
+            <a:avLst/>
+          </a:prstGeom>
+        </p:spPr>
+        <p:txBody>
+          <a:bodyPr vert="horz" lIns="91440" tIns="45720" rIns="91440" bIns="45720" rtlCol="0"/>
+          <a:lstStyle/>
+          <a:p>
+            <a:pPr lvl="0"/>
+            <a:r>
+              <a:rPr lang="en-US" smtClean="0"/>
+              <a:t>Click to edit Master text styles</a:t>
+            </a:r>
+          </a:p>
+          <a:p>
+            <a:pPr lvl="1"/>
+            <a:r>
+              <a:rPr lang="en-US" smtClean="0"/>
+              <a:t>Second level</a:t>
+            </a:r>
+          </a:p>
+          <a:p>
+            <a:pPr lvl="2"/>
+            <a:r>
+              <a:rPr lang="en-US" smtClean="0"/>
+              <a:t>Third level</a:t>
+            </a:r>
+          </a:p>
+          <a:p>
+            <a:pPr lvl="3"/>
+            <a:r>
+              <a:rPr lang="en-US" smtClean="0"/>
+              <a:t>Fourth level</a:t>
+            </a:r>
+          </a:p>
+          <a:p>
+            <a:pPr lvl="4"/>
+            <a:r>
+              <a:rPr lang="en-US" smtClean="0"/>
+              <a:t>Fifth level</a:t>
+            </a:r>
+            <a:endParaRPr lang="en-US"/>
+          </a:p>
+        </p:txBody>
+      </p:sp>
+      <p:sp>
+        <p:nvSpPr>
+          <p:cNvPr id="6" name="Footer Placeholder 5"/>
+          <p:cNvSpPr>
+            <a:spLocks noGrp="1"/>
+          </p:cNvSpPr>
+          <p:nvPr>
+            <p:ph type="ftr" sz="quarter" idx="4"/>
+          </p:nvPr>
+        </p:nvSpPr>
+        <p:spPr>
+          <a:xfrm>
+            <a:off x="0" y="8685213"/>
+            <a:ext cx="2971800" cy="457200"/>
+          </a:xfrm>
+          <a:prstGeom prst="rect">
+            <a:avLst/>
+          </a:prstGeom>
+        </p:spPr>
+        <p:txBody>
+          <a:bodyPr vert="horz" lIns="91440" tIns="45720" rIns="91440" bIns="45720" rtlCol="0" anchor="b"/>
+          <a:lstStyle>
+            <a:lvl1pPr algn="l">
+              <a:defRPr sz="1200"/>
+            </a:lvl1pPr>
+          </a:lstStyle>
+          <a:p>
+            <a:endParaRPr lang="en-US"/>
+          </a:p>
+        </p:txBody>
+      </p:sp>
+      <p:sp>
+        <p:nvSpPr>
+          <p:cNvPr id="7" name="Slide Number Placeholder 6"/>
+          <p:cNvSpPr>
+            <a:spLocks noGrp="1"/>
+          </p:cNvSpPr>
+          <p:nvPr>
+            <p:ph type="sldNum" sz="quarter" idx="5"/>
+          </p:nvPr>
+        </p:nvSpPr>
+        <p:spPr>
+          <a:xfrm>
+            <a:off x="3884613" y="8685213"/>
+            <a:ext cx="2971800" cy="457200"/>
+          </a:xfrm>
+          <a:prstGeom prst="rect">
+            <a:avLst/>
+          </a:prstGeom>
+        </p:spPr>
+        <p:txBody>
+          <a:bodyPr vert="horz" lIns="91440" tIns="45720" rIns="91440" bIns="45720" rtlCol="0" anchor="b"/>
+          <a:lstStyle>
+            <a:lvl1pPr algn="r">
+              <a:defRPr sz="1200"/>
+            </a:lvl1pPr>
+          </a:lstStyle>
+          <a:p>
+            <a:fld id="{402ED9AD-3F59-474A-A25F-9AF07A5C5148}" type="slidenum">
+              <a:rPr lang="en-US" smtClean="0"/>
+              <a:t>‹#›</a:t>
+            </a:fld>
+            <a:endParaRPr lang="en-US"/>
+          </a:p>
+        </p:txBody>
+      </p:sp>
+    </p:spTree>
+    <p:extLst>
+      <p:ext uri="{BB962C8B-B14F-4D97-AF65-F5344CB8AC3E}">
+        <p14:creationId xmlns:p14="http://schemas.microsoft.com/office/powerpoint/2010/main" val="802074000"/>
+      </p:ext>
+    </p:extLst>
+  </p:cSld>
+  <p:clrMap bg1="lt1" tx1="dk1" bg2="lt2" tx2="dk2" accent1="accent1" accent2="accent2" accent3="accent3" accent4="accent4" accent5="accent5" accent6="accent6" hlink="hlink" folHlink="folHlink"/>
+  <p:notesStyle>
+    <a:lvl1pPr marL="0" algn="l" defTabSz="914400" rtl="0" eaLnBrk="1" latinLnBrk="0" hangingPunct="1">
+      <a:defRPr sz="1200" kern="1200">
+        <a:solidFill>
+          <a:schemeClr val="tx1"/>
+        </a:solidFill>
+        <a:latin typeface="+mn-lt"/>
+        <a:ea typeface="+mn-ea"/>
+        <a:cs typeface="+mn-cs"/>
+      </a:defRPr>
+    </a:lvl1pPr>
+    <a:lvl2pPr marL="457200" algn="l" defTabSz="914400" rtl="0" eaLnBrk="1" latinLnBrk="0" hangingPunct="1">
+      <a:defRPr sz="1200" kern="1200">
+        <a:solidFill>
+          <a:schemeClr val="tx1"/>
+        </a:solidFill>
+        <a:latin typeface="+mn-lt"/>
+        <a:ea typeface="+mn-ea"/>
+        <a:cs typeface="+mn-cs"/>
+      </a:defRPr>
+    </a:lvl2pPr>
+    <a:lvl3pPr marL="914400" algn="l" defTabSz="914400" rtl="0" eaLnBrk="1" latinLnBrk="0" hangingPunct="1">
+      <a:defRPr sz="1200" kern="1200">
+        <a:solidFill>
+          <a:schemeClr val="tx1"/>
+        </a:solidFill>
+        <a:latin typeface="+mn-lt"/>
+        <a:ea typeface="+mn-ea"/>
+        <a:cs typeface="+mn-cs"/>
+      </a:defRPr>
+    </a:lvl3pPr>
+    <a:lvl4pPr marL="1371600" algn="l" defTabSz="914400" rtl="0" eaLnBrk="1" latinLnBrk="0" hangingPunct="1">
+      <a:defRPr sz="1200" kern="1200">
+        <a:solidFill>
+          <a:schemeClr val="tx1"/>
+        </a:solidFill>
+        <a:latin typeface="+mn-lt"/>
+        <a:ea typeface="+mn-ea"/>
+        <a:cs typeface="+mn-cs"/>
+      </a:defRPr>
+    </a:lvl4pPr>
+    <a:lvl5pPr marL="1828800" algn="l" defTabSz="914400" rtl="0" eaLnBrk="1" latinLnBrk="0" hangingPunct="1">
+      <a:defRPr sz="1200" kern="1200">
+        <a:solidFill>
+          <a:schemeClr val="tx1"/>
+        </a:solidFill>
+        <a:latin typeface="+mn-lt"/>
+        <a:ea typeface="+mn-ea"/>
+        <a:cs typeface="+mn-cs"/>
+      </a:defRPr>
+    </a:lvl5pPr>
+    <a:lvl6pPr marL="2286000" algn="l" defTabSz="914400" rtl="0" eaLnBrk="1" latinLnBrk="0" hangingPunct="1">
+      <a:defRPr sz="1200" kern="1200">
+        <a:solidFill>
+          <a:schemeClr val="tx1"/>
+        </a:solidFill>
+        <a:latin typeface="+mn-lt"/>
+        <a:ea typeface="+mn-ea"/>
+        <a:cs typeface="+mn-cs"/>
+      </a:defRPr>
+    </a:lvl6pPr>
+    <a:lvl7pPr marL="2743200" algn="l" defTabSz="914400" rtl="0" eaLnBrk="1" latinLnBrk="0" hangingPunct="1">
+      <a:defRPr sz="1200" kern="1200">
+        <a:solidFill>
+          <a:schemeClr val="tx1"/>
+        </a:solidFill>
+        <a:latin typeface="+mn-lt"/>
+        <a:ea typeface="+mn-ea"/>
+        <a:cs typeface="+mn-cs"/>
+      </a:defRPr>
+    </a:lvl7pPr>
+    <a:lvl8pPr marL="3200400" algn="l" defTabSz="914400" rtl="0" eaLnBrk="1" latinLnBrk="0" hangingPunct="1">
+      <a:defRPr sz="1200" kern="1200">
+        <a:solidFill>
+          <a:schemeClr val="tx1"/>
+        </a:solidFill>
+        <a:latin typeface="+mn-lt"/>
+        <a:ea typeface="+mn-ea"/>
+        <a:cs typeface="+mn-cs"/>
+      </a:defRPr>
+    </a:lvl8pPr>
+    <a:lvl9pPr marL="3657600" algn="l" defTabSz="914400" rtl="0" eaLnBrk="1" latinLnBrk="0" hangingPunct="1">
+      <a:defRPr sz="1200" kern="1200">
+        <a:solidFill>
+          <a:schemeClr val="tx1"/>
+        </a:solidFill>
+        <a:latin typeface="+mn-lt"/>
+        <a:ea typeface="+mn-ea"/>
+        <a:cs typeface="+mn-cs"/>
+      </a:defRPr>
+    </a:lvl9pPr>
+  </p:notesStyle>
+</p:notesMaster>
+</file>
+
+<file path=ppt/notesSlides/notesSlide1.xml><?xml version="1.0" encoding="utf-8"?>
+<p:notes xmlns:a="http://schemas.openxmlformats.org/drawingml/2006/main" xmlns:r="http://schemas.openxmlformats.org/officeDocument/2006/relationships" xmlns:p="http://schemas.openxmlformats.org/presentationml/2006/main">
+  <p:cSld>
+    <p:spTree>
+      <p:nvGrpSpPr>
+        <p:cNvPr id="1" name=""/>
+        <p:cNvGrpSpPr/>
+        <p:nvPr/>
+      </p:nvGrpSpPr>
+      <p:grpSpPr>
+        <a:xfrm>
+          <a:off x="0" y="0"/>
+          <a:ext cx="0" cy="0"/>
+          <a:chOff x="0" y="0"/>
+          <a:chExt cx="0" cy="0"/>
+        </a:xfrm>
+      </p:grpSpPr>
+      <p:sp>
+        <p:nvSpPr>
+          <p:cNvPr id="2" name="Slide Image Placeholder 1"/>
+          <p:cNvSpPr>
+            <a:spLocks noGrp="1" noRot="1" noChangeAspect="1"/>
+          </p:cNvSpPr>
+          <p:nvPr>
+            <p:ph type="sldImg"/>
+          </p:nvPr>
+        </p:nvSpPr>
+        <p:spPr/>
+      </p:sp>
+      <p:sp>
+        <p:nvSpPr>
+          <p:cNvPr id="3" name="Notes Placeholder 2"/>
+          <p:cNvSpPr>
+            <a:spLocks noGrp="1"/>
+          </p:cNvSpPr>
+          <p:nvPr>
+            <p:ph type="body" idx="1"/>
+          </p:nvPr>
+        </p:nvSpPr>
+        <p:spPr/>
+        <p:txBody>
+          <a:bodyPr/>
+          <a:lstStyle/>
+          <a:p>
+            <a:pPr marL="0" indent="0">
+              <a:buNone/>
+            </a:pPr>
+            <a:endParaRPr lang="en-US" dirty="0"/>
+          </a:p>
+        </p:txBody>
+      </p:sp>
+      <p:sp>
+        <p:nvSpPr>
+          <p:cNvPr id="4" name="Slide Number Placeholder 3"/>
+          <p:cNvSpPr>
+            <a:spLocks noGrp="1"/>
+          </p:cNvSpPr>
+          <p:nvPr>
+            <p:ph type="sldNum" sz="quarter" idx="10"/>
+          </p:nvPr>
+        </p:nvSpPr>
+        <p:spPr/>
+        <p:txBody>
+          <a:bodyPr/>
+          <a:lstStyle/>
+          <a:p>
+            <a:fld id="{26AA3F27-A86F-4023-B44B-04DE8A00A790}" type="slidenum">
+              <a:rPr lang="en-US" smtClean="0"/>
+              <a:pPr/>
+              <a:t>2</a:t>
+            </a:fld>
+            <a:endParaRPr lang="en-US"/>
+          </a:p>
+        </p:txBody>
+      </p:sp>
+    </p:spTree>
+    <p:extLst>
+      <p:ext uri="{BB962C8B-B14F-4D97-AF65-F5344CB8AC3E}">
+        <p14:creationId xmlns:p14="http://schemas.microsoft.com/office/powerpoint/2010/main" val="1246797588"/>
+      </p:ext>
+    </p:extLst>
+  </p:cSld>
+  <p:clrMapOvr>
+    <a:masterClrMapping/>
+  </p:clrMapOvr>
+</p:notes>
+</file>
+
 <file path=ppt/slideLayouts/slideLayout1.xml><?xml version="1.0" encoding="utf-8"?>
 <p:sldLayout xmlns:a="http://schemas.openxmlformats.org/drawingml/2006/main" xmlns:r="http://schemas.openxmlformats.org/officeDocument/2006/relationships" xmlns:p="http://schemas.openxmlformats.org/presentationml/2006/main" type="title" preserve="1">
   <p:cSld name="Title Slide">
@@ -290,7 +735,7 @@
             <a:fld id="{1D8BD707-D9CF-40AE-B4C6-C98DA3205C09}" type="datetimeFigureOut">
               <a:rPr lang="en-US" smtClean="0"/>
               <a:pPr/>
-              <a:t>10/9/2013</a:t>
+              <a:t>10/10/2013</a:t>
             </a:fld>
             <a:endParaRPr lang="en-US"/>
           </a:p>
@@ -457,7 +902,7 @@
             <a:fld id="{1D8BD707-D9CF-40AE-B4C6-C98DA3205C09}" type="datetimeFigureOut">
               <a:rPr lang="en-US" smtClean="0"/>
               <a:pPr/>
-              <a:t>10/9/2013</a:t>
+              <a:t>10/10/2013</a:t>
             </a:fld>
             <a:endParaRPr lang="en-US"/>
           </a:p>
@@ -634,7 +1079,7 @@
             <a:fld id="{1D8BD707-D9CF-40AE-B4C6-C98DA3205C09}" type="datetimeFigureOut">
               <a:rPr lang="en-US" smtClean="0"/>
               <a:pPr/>
-              <a:t>10/9/2013</a:t>
+              <a:t>10/10/2013</a:t>
             </a:fld>
             <a:endParaRPr lang="en-US"/>
           </a:p>
@@ -691,7 +1136,281 @@
 </p:sldLayout>
 </file>
 
-<file path=ppt/slideLayouts/slideLayout2.xml><?xml version="1.0" encoding="utf-8"?>
+<file path=ppt/slideLayouts/slideLayout12.xml><?xml version="1.0" encoding="utf-8"?>
+<p:sldLayout xmlns:a="http://schemas.openxmlformats.org/drawingml/2006/main" xmlns:r="http://schemas.openxmlformats.org/officeDocument/2006/relationships" xmlns:p="http://schemas.openxmlformats.org/presentationml/2006/main" type="title" preserve="1">
+  <p:cSld name="Title Slide">
+    <p:spTree>
+      <p:nvGrpSpPr>
+        <p:cNvPr id="1" name=""/>
+        <p:cNvGrpSpPr/>
+        <p:nvPr/>
+      </p:nvGrpSpPr>
+      <p:grpSpPr>
+        <a:xfrm>
+          <a:off x="0" y="0"/>
+          <a:ext cx="0" cy="0"/>
+          <a:chOff x="0" y="0"/>
+          <a:chExt cx="0" cy="0"/>
+        </a:xfrm>
+      </p:grpSpPr>
+      <p:sp>
+        <p:nvSpPr>
+          <p:cNvPr id="2" name="Title 1"/>
+          <p:cNvSpPr>
+            <a:spLocks noGrp="1"/>
+          </p:cNvSpPr>
+          <p:nvPr>
+            <p:ph type="ctrTitle"/>
+          </p:nvPr>
+        </p:nvSpPr>
+        <p:spPr>
+          <a:xfrm>
+            <a:off x="685800" y="2130425"/>
+            <a:ext cx="7772400" cy="1470025"/>
+          </a:xfrm>
+        </p:spPr>
+        <p:txBody>
+          <a:bodyPr/>
+          <a:lstStyle/>
+          <a:p>
+            <a:r>
+              <a:rPr lang="en-US" smtClean="0"/>
+              <a:t>Click to edit Master title style</a:t>
+            </a:r>
+            <a:endParaRPr lang="en-US"/>
+          </a:p>
+        </p:txBody>
+      </p:sp>
+      <p:sp>
+        <p:nvSpPr>
+          <p:cNvPr id="3" name="Subtitle 2"/>
+          <p:cNvSpPr>
+            <a:spLocks noGrp="1"/>
+          </p:cNvSpPr>
+          <p:nvPr>
+            <p:ph type="subTitle" idx="1"/>
+          </p:nvPr>
+        </p:nvSpPr>
+        <p:spPr>
+          <a:xfrm>
+            <a:off x="1371600" y="3886200"/>
+            <a:ext cx="6400800" cy="1752600"/>
+          </a:xfrm>
+        </p:spPr>
+        <p:txBody>
+          <a:bodyPr/>
+          <a:lstStyle>
+            <a:lvl1pPr marL="0" indent="0" algn="ctr">
+              <a:buNone/>
+              <a:defRPr>
+                <a:solidFill>
+                  <a:schemeClr val="tx1">
+                    <a:tint val="75000"/>
+                  </a:schemeClr>
+                </a:solidFill>
+              </a:defRPr>
+            </a:lvl1pPr>
+            <a:lvl2pPr marL="457200" indent="0" algn="ctr">
+              <a:buNone/>
+              <a:defRPr>
+                <a:solidFill>
+                  <a:schemeClr val="tx1">
+                    <a:tint val="75000"/>
+                  </a:schemeClr>
+                </a:solidFill>
+              </a:defRPr>
+            </a:lvl2pPr>
+            <a:lvl3pPr marL="914400" indent="0" algn="ctr">
+              <a:buNone/>
+              <a:defRPr>
+                <a:solidFill>
+                  <a:schemeClr val="tx1">
+                    <a:tint val="75000"/>
+                  </a:schemeClr>
+                </a:solidFill>
+              </a:defRPr>
+            </a:lvl3pPr>
+            <a:lvl4pPr marL="1371600" indent="0" algn="ctr">
+              <a:buNone/>
+              <a:defRPr>
+                <a:solidFill>
+                  <a:schemeClr val="tx1">
+                    <a:tint val="75000"/>
+                  </a:schemeClr>
+                </a:solidFill>
+              </a:defRPr>
+            </a:lvl4pPr>
+            <a:lvl5pPr marL="1828800" indent="0" algn="ctr">
+              <a:buNone/>
+              <a:defRPr>
+                <a:solidFill>
+                  <a:schemeClr val="tx1">
+                    <a:tint val="75000"/>
+                  </a:schemeClr>
+                </a:solidFill>
+              </a:defRPr>
+            </a:lvl5pPr>
+            <a:lvl6pPr marL="2286000" indent="0" algn="ctr">
+              <a:buNone/>
+              <a:defRPr>
+                <a:solidFill>
+                  <a:schemeClr val="tx1">
+                    <a:tint val="75000"/>
+                  </a:schemeClr>
+                </a:solidFill>
+              </a:defRPr>
+            </a:lvl6pPr>
+            <a:lvl7pPr marL="2743200" indent="0" algn="ctr">
+              <a:buNone/>
+              <a:defRPr>
+                <a:solidFill>
+                  <a:schemeClr val="tx1">
+                    <a:tint val="75000"/>
+                  </a:schemeClr>
+                </a:solidFill>
+              </a:defRPr>
+            </a:lvl7pPr>
+            <a:lvl8pPr marL="3200400" indent="0" algn="ctr">
+              <a:buNone/>
+              <a:defRPr>
+                <a:solidFill>
+                  <a:schemeClr val="tx1">
+                    <a:tint val="75000"/>
+                  </a:schemeClr>
+                </a:solidFill>
+              </a:defRPr>
+            </a:lvl8pPr>
+            <a:lvl9pPr marL="3657600" indent="0" algn="ctr">
+              <a:buNone/>
+              <a:defRPr>
+                <a:solidFill>
+                  <a:schemeClr val="tx1">
+                    <a:tint val="75000"/>
+                  </a:schemeClr>
+                </a:solidFill>
+              </a:defRPr>
+            </a:lvl9pPr>
+          </a:lstStyle>
+          <a:p>
+            <a:r>
+              <a:rPr lang="en-US" smtClean="0"/>
+              <a:t>Click to edit Master subtitle style</a:t>
+            </a:r>
+            <a:endParaRPr lang="en-US"/>
+          </a:p>
+        </p:txBody>
+      </p:sp>
+      <p:sp>
+        <p:nvSpPr>
+          <p:cNvPr id="4" name="Date Placeholder 3"/>
+          <p:cNvSpPr>
+            <a:spLocks noGrp="1"/>
+          </p:cNvSpPr>
+          <p:nvPr>
+            <p:ph type="dt" sz="half" idx="10"/>
+          </p:nvPr>
+        </p:nvSpPr>
+        <p:spPr/>
+        <p:txBody>
+          <a:bodyPr/>
+          <a:lstStyle/>
+          <a:p>
+            <a:fld id="{E0D9B2BB-D8DA-445C-B90C-3FC86C1E58D0}" type="datetimeFigureOut">
+              <a:rPr lang="en-US" smtClean="0">
+                <a:solidFill>
+                  <a:prstClr val="black">
+                    <a:tint val="75000"/>
+                  </a:prstClr>
+                </a:solidFill>
+              </a:rPr>
+              <a:pPr/>
+              <a:t>10/10/2013</a:t>
+            </a:fld>
+            <a:endParaRPr lang="en-US">
+              <a:solidFill>
+                <a:prstClr val="black">
+                  <a:tint val="75000"/>
+                </a:prstClr>
+              </a:solidFill>
+            </a:endParaRPr>
+          </a:p>
+        </p:txBody>
+      </p:sp>
+      <p:sp>
+        <p:nvSpPr>
+          <p:cNvPr id="5" name="Footer Placeholder 4"/>
+          <p:cNvSpPr>
+            <a:spLocks noGrp="1"/>
+          </p:cNvSpPr>
+          <p:nvPr>
+            <p:ph type="ftr" sz="quarter" idx="11"/>
+          </p:nvPr>
+        </p:nvSpPr>
+        <p:spPr/>
+        <p:txBody>
+          <a:bodyPr/>
+          <a:lstStyle/>
+          <a:p>
+            <a:endParaRPr lang="en-US">
+              <a:solidFill>
+                <a:prstClr val="black">
+                  <a:tint val="75000"/>
+                </a:prstClr>
+              </a:solidFill>
+            </a:endParaRPr>
+          </a:p>
+        </p:txBody>
+      </p:sp>
+      <p:sp>
+        <p:nvSpPr>
+          <p:cNvPr id="6" name="Slide Number Placeholder 5"/>
+          <p:cNvSpPr>
+            <a:spLocks noGrp="1"/>
+          </p:cNvSpPr>
+          <p:nvPr>
+            <p:ph type="sldNum" sz="quarter" idx="12"/>
+          </p:nvPr>
+        </p:nvSpPr>
+        <p:spPr/>
+        <p:txBody>
+          <a:bodyPr/>
+          <a:lstStyle/>
+          <a:p>
+            <a:fld id="{95363435-1BF5-4611-9643-A610D193F827}" type="slidenum">
+              <a:rPr lang="en-US" smtClean="0">
+                <a:solidFill>
+                  <a:prstClr val="black">
+                    <a:tint val="75000"/>
+                  </a:prstClr>
+                </a:solidFill>
+              </a:rPr>
+              <a:pPr/>
+              <a:t>‹#›</a:t>
+            </a:fld>
+            <a:endParaRPr lang="en-US">
+              <a:solidFill>
+                <a:prstClr val="black">
+                  <a:tint val="75000"/>
+                </a:prstClr>
+              </a:solidFill>
+            </a:endParaRPr>
+          </a:p>
+        </p:txBody>
+      </p:sp>
+    </p:spTree>
+    <p:extLst>
+      <p:ext uri="{BB962C8B-B14F-4D97-AF65-F5344CB8AC3E}">
+        <p14:creationId xmlns:p14="http://schemas.microsoft.com/office/powerpoint/2010/main" val="345723420"/>
+      </p:ext>
+    </p:extLst>
+  </p:cSld>
+  <p:clrMapOvr>
+    <a:masterClrMapping/>
+  </p:clrMapOvr>
+</p:sldLayout>
+</file>
+
+<file path=ppt/slideLayouts/slideLayout13.xml><?xml version="1.0" encoding="utf-8"?>
 <p:sldLayout xmlns:a="http://schemas.openxmlformats.org/drawingml/2006/main" xmlns:r="http://schemas.openxmlformats.org/officeDocument/2006/relationships" xmlns:p="http://schemas.openxmlformats.org/presentationml/2006/main" type="obj" preserve="1">
   <p:cSld name="Title and Content">
     <p:spTree>
@@ -798,12 +1517,24 @@
           <a:bodyPr/>
           <a:lstStyle/>
           <a:p>
-            <a:fld id="{1D8BD707-D9CF-40AE-B4C6-C98DA3205C09}" type="datetimeFigureOut">
-              <a:rPr lang="en-US" smtClean="0"/>
+            <a:fld id="{E0D9B2BB-D8DA-445C-B90C-3FC86C1E58D0}" type="datetimeFigureOut">
+              <a:rPr lang="en-US" smtClean="0">
+                <a:solidFill>
+                  <a:prstClr val="black">
+                    <a:tint val="75000"/>
+                  </a:prstClr>
+                </a:solidFill>
+              </a:rPr>
               <a:pPr/>
-              <a:t>10/9/2013</a:t>
+              <a:t>10/10/2013</a:t>
             </a:fld>
-            <a:endParaRPr lang="en-US"/>
+            <a:endParaRPr lang="en-US">
+              <a:solidFill>
+                <a:prstClr val="black">
+                  <a:tint val="75000"/>
+                </a:prstClr>
+              </a:solidFill>
+            </a:endParaRPr>
           </a:p>
         </p:txBody>
       </p:sp>
@@ -822,7 +1553,13 @@
           <a:bodyPr/>
           <a:lstStyle/>
           <a:p>
-            <a:endParaRPr lang="en-US"/>
+            <a:endParaRPr lang="en-US">
+              <a:solidFill>
+                <a:prstClr val="black">
+                  <a:tint val="75000"/>
+                </a:prstClr>
+              </a:solidFill>
+            </a:endParaRPr>
           </a:p>
         </p:txBody>
       </p:sp>
@@ -841,16 +1578,33 @@
           <a:bodyPr/>
           <a:lstStyle/>
           <a:p>
-            <a:fld id="{B6F15528-21DE-4FAA-801E-634DDDAF4B2B}" type="slidenum">
-              <a:rPr lang="en-US" smtClean="0"/>
+            <a:fld id="{95363435-1BF5-4611-9643-A610D193F827}" type="slidenum">
+              <a:rPr lang="en-US" smtClean="0">
+                <a:solidFill>
+                  <a:prstClr val="black">
+                    <a:tint val="75000"/>
+                  </a:prstClr>
+                </a:solidFill>
+              </a:rPr>
               <a:pPr/>
               <a:t>‹#›</a:t>
             </a:fld>
-            <a:endParaRPr lang="en-US"/>
+            <a:endParaRPr lang="en-US">
+              <a:solidFill>
+                <a:prstClr val="black">
+                  <a:tint val="75000"/>
+                </a:prstClr>
+              </a:solidFill>
+            </a:endParaRPr>
           </a:p>
         </p:txBody>
       </p:sp>
     </p:spTree>
+    <p:extLst>
+      <p:ext uri="{BB962C8B-B14F-4D97-AF65-F5344CB8AC3E}">
+        <p14:creationId xmlns:p14="http://schemas.microsoft.com/office/powerpoint/2010/main" val="3420330449"/>
+      </p:ext>
+    </p:extLst>
   </p:cSld>
   <p:clrMapOvr>
     <a:masterClrMapping/>
@@ -858,7 +1612,7 @@
 </p:sldLayout>
 </file>
 
-<file path=ppt/slideLayouts/slideLayout3.xml><?xml version="1.0" encoding="utf-8"?>
+<file path=ppt/slideLayouts/slideLayout14.xml><?xml version="1.0" encoding="utf-8"?>
 <p:sldLayout xmlns:a="http://schemas.openxmlformats.org/drawingml/2006/main" xmlns:r="http://schemas.openxmlformats.org/officeDocument/2006/relationships" xmlns:p="http://schemas.openxmlformats.org/presentationml/2006/main" type="secHead" preserve="1">
   <p:cSld name="Section Header">
     <p:spTree>
@@ -1041,12 +1795,24 @@
           <a:bodyPr/>
           <a:lstStyle/>
           <a:p>
-            <a:fld id="{1D8BD707-D9CF-40AE-B4C6-C98DA3205C09}" type="datetimeFigureOut">
-              <a:rPr lang="en-US" smtClean="0"/>
+            <a:fld id="{E0D9B2BB-D8DA-445C-B90C-3FC86C1E58D0}" type="datetimeFigureOut">
+              <a:rPr lang="en-US" smtClean="0">
+                <a:solidFill>
+                  <a:prstClr val="black">
+                    <a:tint val="75000"/>
+                  </a:prstClr>
+                </a:solidFill>
+              </a:rPr>
               <a:pPr/>
-              <a:t>10/9/2013</a:t>
+              <a:t>10/10/2013</a:t>
             </a:fld>
-            <a:endParaRPr lang="en-US"/>
+            <a:endParaRPr lang="en-US">
+              <a:solidFill>
+                <a:prstClr val="black">
+                  <a:tint val="75000"/>
+                </a:prstClr>
+              </a:solidFill>
+            </a:endParaRPr>
           </a:p>
         </p:txBody>
       </p:sp>
@@ -1065,7 +1831,13 @@
           <a:bodyPr/>
           <a:lstStyle/>
           <a:p>
-            <a:endParaRPr lang="en-US"/>
+            <a:endParaRPr lang="en-US">
+              <a:solidFill>
+                <a:prstClr val="black">
+                  <a:tint val="75000"/>
+                </a:prstClr>
+              </a:solidFill>
+            </a:endParaRPr>
           </a:p>
         </p:txBody>
       </p:sp>
@@ -1084,16 +1856,33 @@
           <a:bodyPr/>
           <a:lstStyle/>
           <a:p>
-            <a:fld id="{B6F15528-21DE-4FAA-801E-634DDDAF4B2B}" type="slidenum">
-              <a:rPr lang="en-US" smtClean="0"/>
+            <a:fld id="{95363435-1BF5-4611-9643-A610D193F827}" type="slidenum">
+              <a:rPr lang="en-US" smtClean="0">
+                <a:solidFill>
+                  <a:prstClr val="black">
+                    <a:tint val="75000"/>
+                  </a:prstClr>
+                </a:solidFill>
+              </a:rPr>
               <a:pPr/>
               <a:t>‹#›</a:t>
             </a:fld>
-            <a:endParaRPr lang="en-US"/>
+            <a:endParaRPr lang="en-US">
+              <a:solidFill>
+                <a:prstClr val="black">
+                  <a:tint val="75000"/>
+                </a:prstClr>
+              </a:solidFill>
+            </a:endParaRPr>
           </a:p>
         </p:txBody>
       </p:sp>
     </p:spTree>
+    <p:extLst>
+      <p:ext uri="{BB962C8B-B14F-4D97-AF65-F5344CB8AC3E}">
+        <p14:creationId xmlns:p14="http://schemas.microsoft.com/office/powerpoint/2010/main" val="3257570900"/>
+      </p:ext>
+    </p:extLst>
   </p:cSld>
   <p:clrMapOvr>
     <a:masterClrMapping/>
@@ -1101,7 +1890,7 @@
 </p:sldLayout>
 </file>
 
-<file path=ppt/slideLayouts/slideLayout4.xml><?xml version="1.0" encoding="utf-8"?>
+<file path=ppt/slideLayouts/slideLayout15.xml><?xml version="1.0" encoding="utf-8"?>
 <p:sldLayout xmlns:a="http://schemas.openxmlformats.org/drawingml/2006/main" xmlns:r="http://schemas.openxmlformats.org/officeDocument/2006/relationships" xmlns:p="http://schemas.openxmlformats.org/presentationml/2006/main" type="twoObj" preserve="1">
   <p:cSld name="Two Content">
     <p:spTree>
@@ -1326,12 +2115,24 @@
           <a:bodyPr/>
           <a:lstStyle/>
           <a:p>
-            <a:fld id="{1D8BD707-D9CF-40AE-B4C6-C98DA3205C09}" type="datetimeFigureOut">
-              <a:rPr lang="en-US" smtClean="0"/>
+            <a:fld id="{E0D9B2BB-D8DA-445C-B90C-3FC86C1E58D0}" type="datetimeFigureOut">
+              <a:rPr lang="en-US" smtClean="0">
+                <a:solidFill>
+                  <a:prstClr val="black">
+                    <a:tint val="75000"/>
+                  </a:prstClr>
+                </a:solidFill>
+              </a:rPr>
               <a:pPr/>
-              <a:t>10/9/2013</a:t>
+              <a:t>10/10/2013</a:t>
             </a:fld>
-            <a:endParaRPr lang="en-US"/>
+            <a:endParaRPr lang="en-US">
+              <a:solidFill>
+                <a:prstClr val="black">
+                  <a:tint val="75000"/>
+                </a:prstClr>
+              </a:solidFill>
+            </a:endParaRPr>
           </a:p>
         </p:txBody>
       </p:sp>
@@ -1350,7 +2151,13 @@
           <a:bodyPr/>
           <a:lstStyle/>
           <a:p>
-            <a:endParaRPr lang="en-US"/>
+            <a:endParaRPr lang="en-US">
+              <a:solidFill>
+                <a:prstClr val="black">
+                  <a:tint val="75000"/>
+                </a:prstClr>
+              </a:solidFill>
+            </a:endParaRPr>
           </a:p>
         </p:txBody>
       </p:sp>
@@ -1369,16 +2176,33 @@
           <a:bodyPr/>
           <a:lstStyle/>
           <a:p>
-            <a:fld id="{B6F15528-21DE-4FAA-801E-634DDDAF4B2B}" type="slidenum">
-              <a:rPr lang="en-US" smtClean="0"/>
+            <a:fld id="{95363435-1BF5-4611-9643-A610D193F827}" type="slidenum">
+              <a:rPr lang="en-US" smtClean="0">
+                <a:solidFill>
+                  <a:prstClr val="black">
+                    <a:tint val="75000"/>
+                  </a:prstClr>
+                </a:solidFill>
+              </a:rPr>
               <a:pPr/>
               <a:t>‹#›</a:t>
             </a:fld>
-            <a:endParaRPr lang="en-US"/>
+            <a:endParaRPr lang="en-US">
+              <a:solidFill>
+                <a:prstClr val="black">
+                  <a:tint val="75000"/>
+                </a:prstClr>
+              </a:solidFill>
+            </a:endParaRPr>
           </a:p>
         </p:txBody>
       </p:sp>
     </p:spTree>
+    <p:extLst>
+      <p:ext uri="{BB962C8B-B14F-4D97-AF65-F5344CB8AC3E}">
+        <p14:creationId xmlns:p14="http://schemas.microsoft.com/office/powerpoint/2010/main" val="3387589269"/>
+      </p:ext>
+    </p:extLst>
   </p:cSld>
   <p:clrMapOvr>
     <a:masterClrMapping/>
@@ -1386,7 +2210,7 @@
 </p:sldLayout>
 </file>
 
-<file path=ppt/slideLayouts/slideLayout5.xml><?xml version="1.0" encoding="utf-8"?>
+<file path=ppt/slideLayouts/slideLayout16.xml><?xml version="1.0" encoding="utf-8"?>
 <p:sldLayout xmlns:a="http://schemas.openxmlformats.org/drawingml/2006/main" xmlns:r="http://schemas.openxmlformats.org/officeDocument/2006/relationships" xmlns:p="http://schemas.openxmlformats.org/presentationml/2006/main" type="twoTxTwoObj" preserve="1">
   <p:cSld name="Comparison">
     <p:spTree>
@@ -1745,12 +2569,24 @@
           <a:bodyPr/>
           <a:lstStyle/>
           <a:p>
-            <a:fld id="{1D8BD707-D9CF-40AE-B4C6-C98DA3205C09}" type="datetimeFigureOut">
-              <a:rPr lang="en-US" smtClean="0"/>
+            <a:fld id="{E0D9B2BB-D8DA-445C-B90C-3FC86C1E58D0}" type="datetimeFigureOut">
+              <a:rPr lang="en-US" smtClean="0">
+                <a:solidFill>
+                  <a:prstClr val="black">
+                    <a:tint val="75000"/>
+                  </a:prstClr>
+                </a:solidFill>
+              </a:rPr>
               <a:pPr/>
-              <a:t>10/9/2013</a:t>
+              <a:t>10/10/2013</a:t>
             </a:fld>
-            <a:endParaRPr lang="en-US"/>
+            <a:endParaRPr lang="en-US">
+              <a:solidFill>
+                <a:prstClr val="black">
+                  <a:tint val="75000"/>
+                </a:prstClr>
+              </a:solidFill>
+            </a:endParaRPr>
           </a:p>
         </p:txBody>
       </p:sp>
@@ -1769,7 +2605,13 @@
           <a:bodyPr/>
           <a:lstStyle/>
           <a:p>
-            <a:endParaRPr lang="en-US"/>
+            <a:endParaRPr lang="en-US">
+              <a:solidFill>
+                <a:prstClr val="black">
+                  <a:tint val="75000"/>
+                </a:prstClr>
+              </a:solidFill>
+            </a:endParaRPr>
           </a:p>
         </p:txBody>
       </p:sp>
@@ -1788,16 +2630,33 @@
           <a:bodyPr/>
           <a:lstStyle/>
           <a:p>
-            <a:fld id="{B6F15528-21DE-4FAA-801E-634DDDAF4B2B}" type="slidenum">
-              <a:rPr lang="en-US" smtClean="0"/>
+            <a:fld id="{95363435-1BF5-4611-9643-A610D193F827}" type="slidenum">
+              <a:rPr lang="en-US" smtClean="0">
+                <a:solidFill>
+                  <a:prstClr val="black">
+                    <a:tint val="75000"/>
+                  </a:prstClr>
+                </a:solidFill>
+              </a:rPr>
               <a:pPr/>
               <a:t>‹#›</a:t>
             </a:fld>
-            <a:endParaRPr lang="en-US"/>
+            <a:endParaRPr lang="en-US">
+              <a:solidFill>
+                <a:prstClr val="black">
+                  <a:tint val="75000"/>
+                </a:prstClr>
+              </a:solidFill>
+            </a:endParaRPr>
           </a:p>
         </p:txBody>
       </p:sp>
     </p:spTree>
+    <p:extLst>
+      <p:ext uri="{BB962C8B-B14F-4D97-AF65-F5344CB8AC3E}">
+        <p14:creationId xmlns:p14="http://schemas.microsoft.com/office/powerpoint/2010/main" val="176591907"/>
+      </p:ext>
+    </p:extLst>
   </p:cSld>
   <p:clrMapOvr>
     <a:masterClrMapping/>
@@ -1805,7 +2664,7 @@
 </p:sldLayout>
 </file>
 
-<file path=ppt/slideLayouts/slideLayout6.xml><?xml version="1.0" encoding="utf-8"?>
+<file path=ppt/slideLayouts/slideLayout17.xml><?xml version="1.0" encoding="utf-8"?>
 <p:sldLayout xmlns:a="http://schemas.openxmlformats.org/drawingml/2006/main" xmlns:r="http://schemas.openxmlformats.org/officeDocument/2006/relationships" xmlns:p="http://schemas.openxmlformats.org/presentationml/2006/main" type="titleOnly" preserve="1">
   <p:cSld name="Title Only">
     <p:spTree>
@@ -1860,12 +2719,24 @@
           <a:bodyPr/>
           <a:lstStyle/>
           <a:p>
-            <a:fld id="{1D8BD707-D9CF-40AE-B4C6-C98DA3205C09}" type="datetimeFigureOut">
-              <a:rPr lang="en-US" smtClean="0"/>
+            <a:fld id="{E0D9B2BB-D8DA-445C-B90C-3FC86C1E58D0}" type="datetimeFigureOut">
+              <a:rPr lang="en-US" smtClean="0">
+                <a:solidFill>
+                  <a:prstClr val="black">
+                    <a:tint val="75000"/>
+                  </a:prstClr>
+                </a:solidFill>
+              </a:rPr>
               <a:pPr/>
-              <a:t>10/9/2013</a:t>
+              <a:t>10/10/2013</a:t>
             </a:fld>
-            <a:endParaRPr lang="en-US"/>
+            <a:endParaRPr lang="en-US">
+              <a:solidFill>
+                <a:prstClr val="black">
+                  <a:tint val="75000"/>
+                </a:prstClr>
+              </a:solidFill>
+            </a:endParaRPr>
           </a:p>
         </p:txBody>
       </p:sp>
@@ -1884,7 +2755,13 @@
           <a:bodyPr/>
           <a:lstStyle/>
           <a:p>
-            <a:endParaRPr lang="en-US"/>
+            <a:endParaRPr lang="en-US">
+              <a:solidFill>
+                <a:prstClr val="black">
+                  <a:tint val="75000"/>
+                </a:prstClr>
+              </a:solidFill>
+            </a:endParaRPr>
           </a:p>
         </p:txBody>
       </p:sp>
@@ -1903,16 +2780,33 @@
           <a:bodyPr/>
           <a:lstStyle/>
           <a:p>
-            <a:fld id="{B6F15528-21DE-4FAA-801E-634DDDAF4B2B}" type="slidenum">
-              <a:rPr lang="en-US" smtClean="0"/>
+            <a:fld id="{95363435-1BF5-4611-9643-A610D193F827}" type="slidenum">
+              <a:rPr lang="en-US" smtClean="0">
+                <a:solidFill>
+                  <a:prstClr val="black">
+                    <a:tint val="75000"/>
+                  </a:prstClr>
+                </a:solidFill>
+              </a:rPr>
               <a:pPr/>
               <a:t>‹#›</a:t>
             </a:fld>
-            <a:endParaRPr lang="en-US"/>
+            <a:endParaRPr lang="en-US">
+              <a:solidFill>
+                <a:prstClr val="black">
+                  <a:tint val="75000"/>
+                </a:prstClr>
+              </a:solidFill>
+            </a:endParaRPr>
           </a:p>
         </p:txBody>
       </p:sp>
     </p:spTree>
+    <p:extLst>
+      <p:ext uri="{BB962C8B-B14F-4D97-AF65-F5344CB8AC3E}">
+        <p14:creationId xmlns:p14="http://schemas.microsoft.com/office/powerpoint/2010/main" val="1075050824"/>
+      </p:ext>
+    </p:extLst>
   </p:cSld>
   <p:clrMapOvr>
     <a:masterClrMapping/>
@@ -1920,7 +2814,7 @@
 </p:sldLayout>
 </file>
 
-<file path=ppt/slideLayouts/slideLayout7.xml><?xml version="1.0" encoding="utf-8"?>
+<file path=ppt/slideLayouts/slideLayout18.xml><?xml version="1.0" encoding="utf-8"?>
 <p:sldLayout xmlns:a="http://schemas.openxmlformats.org/drawingml/2006/main" xmlns:r="http://schemas.openxmlformats.org/officeDocument/2006/relationships" xmlns:p="http://schemas.openxmlformats.org/presentationml/2006/main" type="blank" preserve="1">
   <p:cSld name="Blank">
     <p:spTree>
@@ -1952,12 +2846,24 @@
           <a:bodyPr/>
           <a:lstStyle/>
           <a:p>
-            <a:fld id="{1D8BD707-D9CF-40AE-B4C6-C98DA3205C09}" type="datetimeFigureOut">
-              <a:rPr lang="en-US" smtClean="0"/>
+            <a:fld id="{E0D9B2BB-D8DA-445C-B90C-3FC86C1E58D0}" type="datetimeFigureOut">
+              <a:rPr lang="en-US" smtClean="0">
+                <a:solidFill>
+                  <a:prstClr val="black">
+                    <a:tint val="75000"/>
+                  </a:prstClr>
+                </a:solidFill>
+              </a:rPr>
               <a:pPr/>
-              <a:t>10/9/2013</a:t>
+              <a:t>10/10/2013</a:t>
             </a:fld>
-            <a:endParaRPr lang="en-US"/>
+            <a:endParaRPr lang="en-US">
+              <a:solidFill>
+                <a:prstClr val="black">
+                  <a:tint val="75000"/>
+                </a:prstClr>
+              </a:solidFill>
+            </a:endParaRPr>
           </a:p>
         </p:txBody>
       </p:sp>
@@ -1976,7 +2882,13 @@
           <a:bodyPr/>
           <a:lstStyle/>
           <a:p>
-            <a:endParaRPr lang="en-US"/>
+            <a:endParaRPr lang="en-US">
+              <a:solidFill>
+                <a:prstClr val="black">
+                  <a:tint val="75000"/>
+                </a:prstClr>
+              </a:solidFill>
+            </a:endParaRPr>
           </a:p>
         </p:txBody>
       </p:sp>
@@ -1995,16 +2907,33 @@
           <a:bodyPr/>
           <a:lstStyle/>
           <a:p>
-            <a:fld id="{B6F15528-21DE-4FAA-801E-634DDDAF4B2B}" type="slidenum">
-              <a:rPr lang="en-US" smtClean="0"/>
+            <a:fld id="{95363435-1BF5-4611-9643-A610D193F827}" type="slidenum">
+              <a:rPr lang="en-US" smtClean="0">
+                <a:solidFill>
+                  <a:prstClr val="black">
+                    <a:tint val="75000"/>
+                  </a:prstClr>
+                </a:solidFill>
+              </a:rPr>
               <a:pPr/>
               <a:t>‹#›</a:t>
             </a:fld>
-            <a:endParaRPr lang="en-US"/>
+            <a:endParaRPr lang="en-US">
+              <a:solidFill>
+                <a:prstClr val="black">
+                  <a:tint val="75000"/>
+                </a:prstClr>
+              </a:solidFill>
+            </a:endParaRPr>
           </a:p>
         </p:txBody>
       </p:sp>
     </p:spTree>
+    <p:extLst>
+      <p:ext uri="{BB962C8B-B14F-4D97-AF65-F5344CB8AC3E}">
+        <p14:creationId xmlns:p14="http://schemas.microsoft.com/office/powerpoint/2010/main" val="101087253"/>
+      </p:ext>
+    </p:extLst>
   </p:cSld>
   <p:clrMapOvr>
     <a:masterClrMapping/>
@@ -2012,7 +2941,7 @@
 </p:sldLayout>
 </file>
 
-<file path=ppt/slideLayouts/slideLayout8.xml><?xml version="1.0" encoding="utf-8"?>
+<file path=ppt/slideLayouts/slideLayout19.xml><?xml version="1.0" encoding="utf-8"?>
 <p:sldLayout xmlns:a="http://schemas.openxmlformats.org/drawingml/2006/main" xmlns:r="http://schemas.openxmlformats.org/officeDocument/2006/relationships" xmlns:p="http://schemas.openxmlformats.org/presentationml/2006/main" type="objTx" preserve="1">
   <p:cSld name="Content with Caption">
     <p:spTree>
@@ -2226,10 +3155,2339 @@
           <a:bodyPr/>
           <a:lstStyle/>
           <a:p>
+            <a:fld id="{E0D9B2BB-D8DA-445C-B90C-3FC86C1E58D0}" type="datetimeFigureOut">
+              <a:rPr lang="en-US" smtClean="0">
+                <a:solidFill>
+                  <a:prstClr val="black">
+                    <a:tint val="75000"/>
+                  </a:prstClr>
+                </a:solidFill>
+              </a:rPr>
+              <a:pPr/>
+              <a:t>10/10/2013</a:t>
+            </a:fld>
+            <a:endParaRPr lang="en-US">
+              <a:solidFill>
+                <a:prstClr val="black">
+                  <a:tint val="75000"/>
+                </a:prstClr>
+              </a:solidFill>
+            </a:endParaRPr>
+          </a:p>
+        </p:txBody>
+      </p:sp>
+      <p:sp>
+        <p:nvSpPr>
+          <p:cNvPr id="6" name="Footer Placeholder 5"/>
+          <p:cNvSpPr>
+            <a:spLocks noGrp="1"/>
+          </p:cNvSpPr>
+          <p:nvPr>
+            <p:ph type="ftr" sz="quarter" idx="11"/>
+          </p:nvPr>
+        </p:nvSpPr>
+        <p:spPr/>
+        <p:txBody>
+          <a:bodyPr/>
+          <a:lstStyle/>
+          <a:p>
+            <a:endParaRPr lang="en-US">
+              <a:solidFill>
+                <a:prstClr val="black">
+                  <a:tint val="75000"/>
+                </a:prstClr>
+              </a:solidFill>
+            </a:endParaRPr>
+          </a:p>
+        </p:txBody>
+      </p:sp>
+      <p:sp>
+        <p:nvSpPr>
+          <p:cNvPr id="7" name="Slide Number Placeholder 6"/>
+          <p:cNvSpPr>
+            <a:spLocks noGrp="1"/>
+          </p:cNvSpPr>
+          <p:nvPr>
+            <p:ph type="sldNum" sz="quarter" idx="12"/>
+          </p:nvPr>
+        </p:nvSpPr>
+        <p:spPr/>
+        <p:txBody>
+          <a:bodyPr/>
+          <a:lstStyle/>
+          <a:p>
+            <a:fld id="{95363435-1BF5-4611-9643-A610D193F827}" type="slidenum">
+              <a:rPr lang="en-US" smtClean="0">
+                <a:solidFill>
+                  <a:prstClr val="black">
+                    <a:tint val="75000"/>
+                  </a:prstClr>
+                </a:solidFill>
+              </a:rPr>
+              <a:pPr/>
+              <a:t>‹#›</a:t>
+            </a:fld>
+            <a:endParaRPr lang="en-US">
+              <a:solidFill>
+                <a:prstClr val="black">
+                  <a:tint val="75000"/>
+                </a:prstClr>
+              </a:solidFill>
+            </a:endParaRPr>
+          </a:p>
+        </p:txBody>
+      </p:sp>
+    </p:spTree>
+    <p:extLst>
+      <p:ext uri="{BB962C8B-B14F-4D97-AF65-F5344CB8AC3E}">
+        <p14:creationId xmlns:p14="http://schemas.microsoft.com/office/powerpoint/2010/main" val="1354499121"/>
+      </p:ext>
+    </p:extLst>
+  </p:cSld>
+  <p:clrMapOvr>
+    <a:masterClrMapping/>
+  </p:clrMapOvr>
+</p:sldLayout>
+</file>
+
+<file path=ppt/slideLayouts/slideLayout2.xml><?xml version="1.0" encoding="utf-8"?>
+<p:sldLayout xmlns:a="http://schemas.openxmlformats.org/drawingml/2006/main" xmlns:r="http://schemas.openxmlformats.org/officeDocument/2006/relationships" xmlns:p="http://schemas.openxmlformats.org/presentationml/2006/main" type="obj" preserve="1">
+  <p:cSld name="Title and Content">
+    <p:spTree>
+      <p:nvGrpSpPr>
+        <p:cNvPr id="1" name=""/>
+        <p:cNvGrpSpPr/>
+        <p:nvPr/>
+      </p:nvGrpSpPr>
+      <p:grpSpPr>
+        <a:xfrm>
+          <a:off x="0" y="0"/>
+          <a:ext cx="0" cy="0"/>
+          <a:chOff x="0" y="0"/>
+          <a:chExt cx="0" cy="0"/>
+        </a:xfrm>
+      </p:grpSpPr>
+      <p:sp>
+        <p:nvSpPr>
+          <p:cNvPr id="2" name="Title 1"/>
+          <p:cNvSpPr>
+            <a:spLocks noGrp="1"/>
+          </p:cNvSpPr>
+          <p:nvPr>
+            <p:ph type="title"/>
+          </p:nvPr>
+        </p:nvSpPr>
+        <p:spPr/>
+        <p:txBody>
+          <a:bodyPr/>
+          <a:lstStyle/>
+          <a:p>
+            <a:r>
+              <a:rPr lang="en-US" smtClean="0"/>
+              <a:t>Click to edit Master title style</a:t>
+            </a:r>
+            <a:endParaRPr lang="en-US"/>
+          </a:p>
+        </p:txBody>
+      </p:sp>
+      <p:sp>
+        <p:nvSpPr>
+          <p:cNvPr id="3" name="Content Placeholder 2"/>
+          <p:cNvSpPr>
+            <a:spLocks noGrp="1"/>
+          </p:cNvSpPr>
+          <p:nvPr>
+            <p:ph idx="1"/>
+          </p:nvPr>
+        </p:nvSpPr>
+        <p:spPr/>
+        <p:txBody>
+          <a:bodyPr/>
+          <a:lstStyle/>
+          <a:p>
+            <a:pPr lvl="0"/>
+            <a:r>
+              <a:rPr lang="en-US" smtClean="0"/>
+              <a:t>Click to edit Master text styles</a:t>
+            </a:r>
+          </a:p>
+          <a:p>
+            <a:pPr lvl="1"/>
+            <a:r>
+              <a:rPr lang="en-US" smtClean="0"/>
+              <a:t>Second level</a:t>
+            </a:r>
+          </a:p>
+          <a:p>
+            <a:pPr lvl="2"/>
+            <a:r>
+              <a:rPr lang="en-US" smtClean="0"/>
+              <a:t>Third level</a:t>
+            </a:r>
+          </a:p>
+          <a:p>
+            <a:pPr lvl="3"/>
+            <a:r>
+              <a:rPr lang="en-US" smtClean="0"/>
+              <a:t>Fourth level</a:t>
+            </a:r>
+          </a:p>
+          <a:p>
+            <a:pPr lvl="4"/>
+            <a:r>
+              <a:rPr lang="en-US" smtClean="0"/>
+              <a:t>Fifth level</a:t>
+            </a:r>
+            <a:endParaRPr lang="en-US"/>
+          </a:p>
+        </p:txBody>
+      </p:sp>
+      <p:sp>
+        <p:nvSpPr>
+          <p:cNvPr id="4" name="Date Placeholder 3"/>
+          <p:cNvSpPr>
+            <a:spLocks noGrp="1"/>
+          </p:cNvSpPr>
+          <p:nvPr>
+            <p:ph type="dt" sz="half" idx="10"/>
+          </p:nvPr>
+        </p:nvSpPr>
+        <p:spPr/>
+        <p:txBody>
+          <a:bodyPr/>
+          <a:lstStyle/>
+          <a:p>
             <a:fld id="{1D8BD707-D9CF-40AE-B4C6-C98DA3205C09}" type="datetimeFigureOut">
               <a:rPr lang="en-US" smtClean="0"/>
               <a:pPr/>
-              <a:t>10/9/2013</a:t>
+              <a:t>10/10/2013</a:t>
+            </a:fld>
+            <a:endParaRPr lang="en-US"/>
+          </a:p>
+        </p:txBody>
+      </p:sp>
+      <p:sp>
+        <p:nvSpPr>
+          <p:cNvPr id="5" name="Footer Placeholder 4"/>
+          <p:cNvSpPr>
+            <a:spLocks noGrp="1"/>
+          </p:cNvSpPr>
+          <p:nvPr>
+            <p:ph type="ftr" sz="quarter" idx="11"/>
+          </p:nvPr>
+        </p:nvSpPr>
+        <p:spPr/>
+        <p:txBody>
+          <a:bodyPr/>
+          <a:lstStyle/>
+          <a:p>
+            <a:endParaRPr lang="en-US"/>
+          </a:p>
+        </p:txBody>
+      </p:sp>
+      <p:sp>
+        <p:nvSpPr>
+          <p:cNvPr id="6" name="Slide Number Placeholder 5"/>
+          <p:cNvSpPr>
+            <a:spLocks noGrp="1"/>
+          </p:cNvSpPr>
+          <p:nvPr>
+            <p:ph type="sldNum" sz="quarter" idx="12"/>
+          </p:nvPr>
+        </p:nvSpPr>
+        <p:spPr/>
+        <p:txBody>
+          <a:bodyPr/>
+          <a:lstStyle/>
+          <a:p>
+            <a:fld id="{B6F15528-21DE-4FAA-801E-634DDDAF4B2B}" type="slidenum">
+              <a:rPr lang="en-US" smtClean="0"/>
+              <a:pPr/>
+              <a:t>‹#›</a:t>
+            </a:fld>
+            <a:endParaRPr lang="en-US"/>
+          </a:p>
+        </p:txBody>
+      </p:sp>
+    </p:spTree>
+  </p:cSld>
+  <p:clrMapOvr>
+    <a:masterClrMapping/>
+  </p:clrMapOvr>
+</p:sldLayout>
+</file>
+
+<file path=ppt/slideLayouts/slideLayout20.xml><?xml version="1.0" encoding="utf-8"?>
+<p:sldLayout xmlns:a="http://schemas.openxmlformats.org/drawingml/2006/main" xmlns:r="http://schemas.openxmlformats.org/officeDocument/2006/relationships" xmlns:p="http://schemas.openxmlformats.org/presentationml/2006/main" type="picTx" preserve="1">
+  <p:cSld name="Picture with Caption">
+    <p:spTree>
+      <p:nvGrpSpPr>
+        <p:cNvPr id="1" name=""/>
+        <p:cNvGrpSpPr/>
+        <p:nvPr/>
+      </p:nvGrpSpPr>
+      <p:grpSpPr>
+        <a:xfrm>
+          <a:off x="0" y="0"/>
+          <a:ext cx="0" cy="0"/>
+          <a:chOff x="0" y="0"/>
+          <a:chExt cx="0" cy="0"/>
+        </a:xfrm>
+      </p:grpSpPr>
+      <p:sp>
+        <p:nvSpPr>
+          <p:cNvPr id="2" name="Title 1"/>
+          <p:cNvSpPr>
+            <a:spLocks noGrp="1"/>
+          </p:cNvSpPr>
+          <p:nvPr>
+            <p:ph type="title"/>
+          </p:nvPr>
+        </p:nvSpPr>
+        <p:spPr>
+          <a:xfrm>
+            <a:off x="1792288" y="4800600"/>
+            <a:ext cx="5486400" cy="566738"/>
+          </a:xfrm>
+        </p:spPr>
+        <p:txBody>
+          <a:bodyPr anchor="b"/>
+          <a:lstStyle>
+            <a:lvl1pPr algn="l">
+              <a:defRPr sz="2000" b="1"/>
+            </a:lvl1pPr>
+          </a:lstStyle>
+          <a:p>
+            <a:r>
+              <a:rPr lang="en-US" smtClean="0"/>
+              <a:t>Click to edit Master title style</a:t>
+            </a:r>
+            <a:endParaRPr lang="en-US"/>
+          </a:p>
+        </p:txBody>
+      </p:sp>
+      <p:sp>
+        <p:nvSpPr>
+          <p:cNvPr id="3" name="Picture Placeholder 2"/>
+          <p:cNvSpPr>
+            <a:spLocks noGrp="1"/>
+          </p:cNvSpPr>
+          <p:nvPr>
+            <p:ph type="pic" idx="1"/>
+          </p:nvPr>
+        </p:nvSpPr>
+        <p:spPr>
+          <a:xfrm>
+            <a:off x="1792288" y="612775"/>
+            <a:ext cx="5486400" cy="4114800"/>
+          </a:xfrm>
+        </p:spPr>
+        <p:txBody>
+          <a:bodyPr/>
+          <a:lstStyle>
+            <a:lvl1pPr marL="0" indent="0">
+              <a:buNone/>
+              <a:defRPr sz="3200"/>
+            </a:lvl1pPr>
+            <a:lvl2pPr marL="457200" indent="0">
+              <a:buNone/>
+              <a:defRPr sz="2800"/>
+            </a:lvl2pPr>
+            <a:lvl3pPr marL="914400" indent="0">
+              <a:buNone/>
+              <a:defRPr sz="2400"/>
+            </a:lvl3pPr>
+            <a:lvl4pPr marL="1371600" indent="0">
+              <a:buNone/>
+              <a:defRPr sz="2000"/>
+            </a:lvl4pPr>
+            <a:lvl5pPr marL="1828800" indent="0">
+              <a:buNone/>
+              <a:defRPr sz="2000"/>
+            </a:lvl5pPr>
+            <a:lvl6pPr marL="2286000" indent="0">
+              <a:buNone/>
+              <a:defRPr sz="2000"/>
+            </a:lvl6pPr>
+            <a:lvl7pPr marL="2743200" indent="0">
+              <a:buNone/>
+              <a:defRPr sz="2000"/>
+            </a:lvl7pPr>
+            <a:lvl8pPr marL="3200400" indent="0">
+              <a:buNone/>
+              <a:defRPr sz="2000"/>
+            </a:lvl8pPr>
+            <a:lvl9pPr marL="3657600" indent="0">
+              <a:buNone/>
+              <a:defRPr sz="2000"/>
+            </a:lvl9pPr>
+          </a:lstStyle>
+          <a:p>
+            <a:endParaRPr lang="en-US"/>
+          </a:p>
+        </p:txBody>
+      </p:sp>
+      <p:sp>
+        <p:nvSpPr>
+          <p:cNvPr id="4" name="Text Placeholder 3"/>
+          <p:cNvSpPr>
+            <a:spLocks noGrp="1"/>
+          </p:cNvSpPr>
+          <p:nvPr>
+            <p:ph type="body" sz="half" idx="2"/>
+          </p:nvPr>
+        </p:nvSpPr>
+        <p:spPr>
+          <a:xfrm>
+            <a:off x="1792288" y="5367338"/>
+            <a:ext cx="5486400" cy="804862"/>
+          </a:xfrm>
+        </p:spPr>
+        <p:txBody>
+          <a:bodyPr/>
+          <a:lstStyle>
+            <a:lvl1pPr marL="0" indent="0">
+              <a:buNone/>
+              <a:defRPr sz="1400"/>
+            </a:lvl1pPr>
+            <a:lvl2pPr marL="457200" indent="0">
+              <a:buNone/>
+              <a:defRPr sz="1200"/>
+            </a:lvl2pPr>
+            <a:lvl3pPr marL="914400" indent="0">
+              <a:buNone/>
+              <a:defRPr sz="1000"/>
+            </a:lvl3pPr>
+            <a:lvl4pPr marL="1371600" indent="0">
+              <a:buNone/>
+              <a:defRPr sz="900"/>
+            </a:lvl4pPr>
+            <a:lvl5pPr marL="1828800" indent="0">
+              <a:buNone/>
+              <a:defRPr sz="900"/>
+            </a:lvl5pPr>
+            <a:lvl6pPr marL="2286000" indent="0">
+              <a:buNone/>
+              <a:defRPr sz="900"/>
+            </a:lvl6pPr>
+            <a:lvl7pPr marL="2743200" indent="0">
+              <a:buNone/>
+              <a:defRPr sz="900"/>
+            </a:lvl7pPr>
+            <a:lvl8pPr marL="3200400" indent="0">
+              <a:buNone/>
+              <a:defRPr sz="900"/>
+            </a:lvl8pPr>
+            <a:lvl9pPr marL="3657600" indent="0">
+              <a:buNone/>
+              <a:defRPr sz="900"/>
+            </a:lvl9pPr>
+          </a:lstStyle>
+          <a:p>
+            <a:pPr lvl="0"/>
+            <a:r>
+              <a:rPr lang="en-US" smtClean="0"/>
+              <a:t>Click to edit Master text styles</a:t>
+            </a:r>
+          </a:p>
+        </p:txBody>
+      </p:sp>
+      <p:sp>
+        <p:nvSpPr>
+          <p:cNvPr id="5" name="Date Placeholder 4"/>
+          <p:cNvSpPr>
+            <a:spLocks noGrp="1"/>
+          </p:cNvSpPr>
+          <p:nvPr>
+            <p:ph type="dt" sz="half" idx="10"/>
+          </p:nvPr>
+        </p:nvSpPr>
+        <p:spPr/>
+        <p:txBody>
+          <a:bodyPr/>
+          <a:lstStyle/>
+          <a:p>
+            <a:fld id="{E0D9B2BB-D8DA-445C-B90C-3FC86C1E58D0}" type="datetimeFigureOut">
+              <a:rPr lang="en-US" smtClean="0">
+                <a:solidFill>
+                  <a:prstClr val="black">
+                    <a:tint val="75000"/>
+                  </a:prstClr>
+                </a:solidFill>
+              </a:rPr>
+              <a:pPr/>
+              <a:t>10/10/2013</a:t>
+            </a:fld>
+            <a:endParaRPr lang="en-US">
+              <a:solidFill>
+                <a:prstClr val="black">
+                  <a:tint val="75000"/>
+                </a:prstClr>
+              </a:solidFill>
+            </a:endParaRPr>
+          </a:p>
+        </p:txBody>
+      </p:sp>
+      <p:sp>
+        <p:nvSpPr>
+          <p:cNvPr id="6" name="Footer Placeholder 5"/>
+          <p:cNvSpPr>
+            <a:spLocks noGrp="1"/>
+          </p:cNvSpPr>
+          <p:nvPr>
+            <p:ph type="ftr" sz="quarter" idx="11"/>
+          </p:nvPr>
+        </p:nvSpPr>
+        <p:spPr/>
+        <p:txBody>
+          <a:bodyPr/>
+          <a:lstStyle/>
+          <a:p>
+            <a:endParaRPr lang="en-US">
+              <a:solidFill>
+                <a:prstClr val="black">
+                  <a:tint val="75000"/>
+                </a:prstClr>
+              </a:solidFill>
+            </a:endParaRPr>
+          </a:p>
+        </p:txBody>
+      </p:sp>
+      <p:sp>
+        <p:nvSpPr>
+          <p:cNvPr id="7" name="Slide Number Placeholder 6"/>
+          <p:cNvSpPr>
+            <a:spLocks noGrp="1"/>
+          </p:cNvSpPr>
+          <p:nvPr>
+            <p:ph type="sldNum" sz="quarter" idx="12"/>
+          </p:nvPr>
+        </p:nvSpPr>
+        <p:spPr/>
+        <p:txBody>
+          <a:bodyPr/>
+          <a:lstStyle/>
+          <a:p>
+            <a:fld id="{95363435-1BF5-4611-9643-A610D193F827}" type="slidenum">
+              <a:rPr lang="en-US" smtClean="0">
+                <a:solidFill>
+                  <a:prstClr val="black">
+                    <a:tint val="75000"/>
+                  </a:prstClr>
+                </a:solidFill>
+              </a:rPr>
+              <a:pPr/>
+              <a:t>‹#›</a:t>
+            </a:fld>
+            <a:endParaRPr lang="en-US">
+              <a:solidFill>
+                <a:prstClr val="black">
+                  <a:tint val="75000"/>
+                </a:prstClr>
+              </a:solidFill>
+            </a:endParaRPr>
+          </a:p>
+        </p:txBody>
+      </p:sp>
+    </p:spTree>
+    <p:extLst>
+      <p:ext uri="{BB962C8B-B14F-4D97-AF65-F5344CB8AC3E}">
+        <p14:creationId xmlns:p14="http://schemas.microsoft.com/office/powerpoint/2010/main" val="589846133"/>
+      </p:ext>
+    </p:extLst>
+  </p:cSld>
+  <p:clrMapOvr>
+    <a:masterClrMapping/>
+  </p:clrMapOvr>
+</p:sldLayout>
+</file>
+
+<file path=ppt/slideLayouts/slideLayout21.xml><?xml version="1.0" encoding="utf-8"?>
+<p:sldLayout xmlns:a="http://schemas.openxmlformats.org/drawingml/2006/main" xmlns:r="http://schemas.openxmlformats.org/officeDocument/2006/relationships" xmlns:p="http://schemas.openxmlformats.org/presentationml/2006/main" type="vertTx" preserve="1">
+  <p:cSld name="Title and Vertical Text">
+    <p:spTree>
+      <p:nvGrpSpPr>
+        <p:cNvPr id="1" name=""/>
+        <p:cNvGrpSpPr/>
+        <p:nvPr/>
+      </p:nvGrpSpPr>
+      <p:grpSpPr>
+        <a:xfrm>
+          <a:off x="0" y="0"/>
+          <a:ext cx="0" cy="0"/>
+          <a:chOff x="0" y="0"/>
+          <a:chExt cx="0" cy="0"/>
+        </a:xfrm>
+      </p:grpSpPr>
+      <p:sp>
+        <p:nvSpPr>
+          <p:cNvPr id="2" name="Title 1"/>
+          <p:cNvSpPr>
+            <a:spLocks noGrp="1"/>
+          </p:cNvSpPr>
+          <p:nvPr>
+            <p:ph type="title"/>
+          </p:nvPr>
+        </p:nvSpPr>
+        <p:spPr/>
+        <p:txBody>
+          <a:bodyPr/>
+          <a:lstStyle/>
+          <a:p>
+            <a:r>
+              <a:rPr lang="en-US" smtClean="0"/>
+              <a:t>Click to edit Master title style</a:t>
+            </a:r>
+            <a:endParaRPr lang="en-US"/>
+          </a:p>
+        </p:txBody>
+      </p:sp>
+      <p:sp>
+        <p:nvSpPr>
+          <p:cNvPr id="3" name="Vertical Text Placeholder 2"/>
+          <p:cNvSpPr>
+            <a:spLocks noGrp="1"/>
+          </p:cNvSpPr>
+          <p:nvPr>
+            <p:ph type="body" orient="vert" idx="1"/>
+          </p:nvPr>
+        </p:nvSpPr>
+        <p:spPr/>
+        <p:txBody>
+          <a:bodyPr vert="eaVert"/>
+          <a:lstStyle/>
+          <a:p>
+            <a:pPr lvl="0"/>
+            <a:r>
+              <a:rPr lang="en-US" smtClean="0"/>
+              <a:t>Click to edit Master text styles</a:t>
+            </a:r>
+          </a:p>
+          <a:p>
+            <a:pPr lvl="1"/>
+            <a:r>
+              <a:rPr lang="en-US" smtClean="0"/>
+              <a:t>Second level</a:t>
+            </a:r>
+          </a:p>
+          <a:p>
+            <a:pPr lvl="2"/>
+            <a:r>
+              <a:rPr lang="en-US" smtClean="0"/>
+              <a:t>Third level</a:t>
+            </a:r>
+          </a:p>
+          <a:p>
+            <a:pPr lvl="3"/>
+            <a:r>
+              <a:rPr lang="en-US" smtClean="0"/>
+              <a:t>Fourth level</a:t>
+            </a:r>
+          </a:p>
+          <a:p>
+            <a:pPr lvl="4"/>
+            <a:r>
+              <a:rPr lang="en-US" smtClean="0"/>
+              <a:t>Fifth level</a:t>
+            </a:r>
+            <a:endParaRPr lang="en-US"/>
+          </a:p>
+        </p:txBody>
+      </p:sp>
+      <p:sp>
+        <p:nvSpPr>
+          <p:cNvPr id="4" name="Date Placeholder 3"/>
+          <p:cNvSpPr>
+            <a:spLocks noGrp="1"/>
+          </p:cNvSpPr>
+          <p:nvPr>
+            <p:ph type="dt" sz="half" idx="10"/>
+          </p:nvPr>
+        </p:nvSpPr>
+        <p:spPr/>
+        <p:txBody>
+          <a:bodyPr/>
+          <a:lstStyle/>
+          <a:p>
+            <a:fld id="{E0D9B2BB-D8DA-445C-B90C-3FC86C1E58D0}" type="datetimeFigureOut">
+              <a:rPr lang="en-US" smtClean="0">
+                <a:solidFill>
+                  <a:prstClr val="black">
+                    <a:tint val="75000"/>
+                  </a:prstClr>
+                </a:solidFill>
+              </a:rPr>
+              <a:pPr/>
+              <a:t>10/10/2013</a:t>
+            </a:fld>
+            <a:endParaRPr lang="en-US">
+              <a:solidFill>
+                <a:prstClr val="black">
+                  <a:tint val="75000"/>
+                </a:prstClr>
+              </a:solidFill>
+            </a:endParaRPr>
+          </a:p>
+        </p:txBody>
+      </p:sp>
+      <p:sp>
+        <p:nvSpPr>
+          <p:cNvPr id="5" name="Footer Placeholder 4"/>
+          <p:cNvSpPr>
+            <a:spLocks noGrp="1"/>
+          </p:cNvSpPr>
+          <p:nvPr>
+            <p:ph type="ftr" sz="quarter" idx="11"/>
+          </p:nvPr>
+        </p:nvSpPr>
+        <p:spPr/>
+        <p:txBody>
+          <a:bodyPr/>
+          <a:lstStyle/>
+          <a:p>
+            <a:endParaRPr lang="en-US">
+              <a:solidFill>
+                <a:prstClr val="black">
+                  <a:tint val="75000"/>
+                </a:prstClr>
+              </a:solidFill>
+            </a:endParaRPr>
+          </a:p>
+        </p:txBody>
+      </p:sp>
+      <p:sp>
+        <p:nvSpPr>
+          <p:cNvPr id="6" name="Slide Number Placeholder 5"/>
+          <p:cNvSpPr>
+            <a:spLocks noGrp="1"/>
+          </p:cNvSpPr>
+          <p:nvPr>
+            <p:ph type="sldNum" sz="quarter" idx="12"/>
+          </p:nvPr>
+        </p:nvSpPr>
+        <p:spPr/>
+        <p:txBody>
+          <a:bodyPr/>
+          <a:lstStyle/>
+          <a:p>
+            <a:fld id="{95363435-1BF5-4611-9643-A610D193F827}" type="slidenum">
+              <a:rPr lang="en-US" smtClean="0">
+                <a:solidFill>
+                  <a:prstClr val="black">
+                    <a:tint val="75000"/>
+                  </a:prstClr>
+                </a:solidFill>
+              </a:rPr>
+              <a:pPr/>
+              <a:t>‹#›</a:t>
+            </a:fld>
+            <a:endParaRPr lang="en-US">
+              <a:solidFill>
+                <a:prstClr val="black">
+                  <a:tint val="75000"/>
+                </a:prstClr>
+              </a:solidFill>
+            </a:endParaRPr>
+          </a:p>
+        </p:txBody>
+      </p:sp>
+    </p:spTree>
+    <p:extLst>
+      <p:ext uri="{BB962C8B-B14F-4D97-AF65-F5344CB8AC3E}">
+        <p14:creationId xmlns:p14="http://schemas.microsoft.com/office/powerpoint/2010/main" val="4060249216"/>
+      </p:ext>
+    </p:extLst>
+  </p:cSld>
+  <p:clrMapOvr>
+    <a:masterClrMapping/>
+  </p:clrMapOvr>
+</p:sldLayout>
+</file>
+
+<file path=ppt/slideLayouts/slideLayout22.xml><?xml version="1.0" encoding="utf-8"?>
+<p:sldLayout xmlns:a="http://schemas.openxmlformats.org/drawingml/2006/main" xmlns:r="http://schemas.openxmlformats.org/officeDocument/2006/relationships" xmlns:p="http://schemas.openxmlformats.org/presentationml/2006/main" type="vertTitleAndTx" preserve="1">
+  <p:cSld name="Vertical Title and Text">
+    <p:spTree>
+      <p:nvGrpSpPr>
+        <p:cNvPr id="1" name=""/>
+        <p:cNvGrpSpPr/>
+        <p:nvPr/>
+      </p:nvGrpSpPr>
+      <p:grpSpPr>
+        <a:xfrm>
+          <a:off x="0" y="0"/>
+          <a:ext cx="0" cy="0"/>
+          <a:chOff x="0" y="0"/>
+          <a:chExt cx="0" cy="0"/>
+        </a:xfrm>
+      </p:grpSpPr>
+      <p:sp>
+        <p:nvSpPr>
+          <p:cNvPr id="2" name="Vertical Title 1"/>
+          <p:cNvSpPr>
+            <a:spLocks noGrp="1"/>
+          </p:cNvSpPr>
+          <p:nvPr>
+            <p:ph type="title" orient="vert"/>
+          </p:nvPr>
+        </p:nvSpPr>
+        <p:spPr>
+          <a:xfrm>
+            <a:off x="6629400" y="274638"/>
+            <a:ext cx="2057400" cy="5851525"/>
+          </a:xfrm>
+        </p:spPr>
+        <p:txBody>
+          <a:bodyPr vert="eaVert"/>
+          <a:lstStyle/>
+          <a:p>
+            <a:r>
+              <a:rPr lang="en-US" smtClean="0"/>
+              <a:t>Click to edit Master title style</a:t>
+            </a:r>
+            <a:endParaRPr lang="en-US"/>
+          </a:p>
+        </p:txBody>
+      </p:sp>
+      <p:sp>
+        <p:nvSpPr>
+          <p:cNvPr id="3" name="Vertical Text Placeholder 2"/>
+          <p:cNvSpPr>
+            <a:spLocks noGrp="1"/>
+          </p:cNvSpPr>
+          <p:nvPr>
+            <p:ph type="body" orient="vert" idx="1"/>
+          </p:nvPr>
+        </p:nvSpPr>
+        <p:spPr>
+          <a:xfrm>
+            <a:off x="457200" y="274638"/>
+            <a:ext cx="6019800" cy="5851525"/>
+          </a:xfrm>
+        </p:spPr>
+        <p:txBody>
+          <a:bodyPr vert="eaVert"/>
+          <a:lstStyle/>
+          <a:p>
+            <a:pPr lvl="0"/>
+            <a:r>
+              <a:rPr lang="en-US" smtClean="0"/>
+              <a:t>Click to edit Master text styles</a:t>
+            </a:r>
+          </a:p>
+          <a:p>
+            <a:pPr lvl="1"/>
+            <a:r>
+              <a:rPr lang="en-US" smtClean="0"/>
+              <a:t>Second level</a:t>
+            </a:r>
+          </a:p>
+          <a:p>
+            <a:pPr lvl="2"/>
+            <a:r>
+              <a:rPr lang="en-US" smtClean="0"/>
+              <a:t>Third level</a:t>
+            </a:r>
+          </a:p>
+          <a:p>
+            <a:pPr lvl="3"/>
+            <a:r>
+              <a:rPr lang="en-US" smtClean="0"/>
+              <a:t>Fourth level</a:t>
+            </a:r>
+          </a:p>
+          <a:p>
+            <a:pPr lvl="4"/>
+            <a:r>
+              <a:rPr lang="en-US" smtClean="0"/>
+              <a:t>Fifth level</a:t>
+            </a:r>
+            <a:endParaRPr lang="en-US"/>
+          </a:p>
+        </p:txBody>
+      </p:sp>
+      <p:sp>
+        <p:nvSpPr>
+          <p:cNvPr id="4" name="Date Placeholder 3"/>
+          <p:cNvSpPr>
+            <a:spLocks noGrp="1"/>
+          </p:cNvSpPr>
+          <p:nvPr>
+            <p:ph type="dt" sz="half" idx="10"/>
+          </p:nvPr>
+        </p:nvSpPr>
+        <p:spPr/>
+        <p:txBody>
+          <a:bodyPr/>
+          <a:lstStyle/>
+          <a:p>
+            <a:fld id="{E0D9B2BB-D8DA-445C-B90C-3FC86C1E58D0}" type="datetimeFigureOut">
+              <a:rPr lang="en-US" smtClean="0">
+                <a:solidFill>
+                  <a:prstClr val="black">
+                    <a:tint val="75000"/>
+                  </a:prstClr>
+                </a:solidFill>
+              </a:rPr>
+              <a:pPr/>
+              <a:t>10/10/2013</a:t>
+            </a:fld>
+            <a:endParaRPr lang="en-US">
+              <a:solidFill>
+                <a:prstClr val="black">
+                  <a:tint val="75000"/>
+                </a:prstClr>
+              </a:solidFill>
+            </a:endParaRPr>
+          </a:p>
+        </p:txBody>
+      </p:sp>
+      <p:sp>
+        <p:nvSpPr>
+          <p:cNvPr id="5" name="Footer Placeholder 4"/>
+          <p:cNvSpPr>
+            <a:spLocks noGrp="1"/>
+          </p:cNvSpPr>
+          <p:nvPr>
+            <p:ph type="ftr" sz="quarter" idx="11"/>
+          </p:nvPr>
+        </p:nvSpPr>
+        <p:spPr/>
+        <p:txBody>
+          <a:bodyPr/>
+          <a:lstStyle/>
+          <a:p>
+            <a:endParaRPr lang="en-US">
+              <a:solidFill>
+                <a:prstClr val="black">
+                  <a:tint val="75000"/>
+                </a:prstClr>
+              </a:solidFill>
+            </a:endParaRPr>
+          </a:p>
+        </p:txBody>
+      </p:sp>
+      <p:sp>
+        <p:nvSpPr>
+          <p:cNvPr id="6" name="Slide Number Placeholder 5"/>
+          <p:cNvSpPr>
+            <a:spLocks noGrp="1"/>
+          </p:cNvSpPr>
+          <p:nvPr>
+            <p:ph type="sldNum" sz="quarter" idx="12"/>
+          </p:nvPr>
+        </p:nvSpPr>
+        <p:spPr/>
+        <p:txBody>
+          <a:bodyPr/>
+          <a:lstStyle/>
+          <a:p>
+            <a:fld id="{95363435-1BF5-4611-9643-A610D193F827}" type="slidenum">
+              <a:rPr lang="en-US" smtClean="0">
+                <a:solidFill>
+                  <a:prstClr val="black">
+                    <a:tint val="75000"/>
+                  </a:prstClr>
+                </a:solidFill>
+              </a:rPr>
+              <a:pPr/>
+              <a:t>‹#›</a:t>
+            </a:fld>
+            <a:endParaRPr lang="en-US">
+              <a:solidFill>
+                <a:prstClr val="black">
+                  <a:tint val="75000"/>
+                </a:prstClr>
+              </a:solidFill>
+            </a:endParaRPr>
+          </a:p>
+        </p:txBody>
+      </p:sp>
+    </p:spTree>
+    <p:extLst>
+      <p:ext uri="{BB962C8B-B14F-4D97-AF65-F5344CB8AC3E}">
+        <p14:creationId xmlns:p14="http://schemas.microsoft.com/office/powerpoint/2010/main" val="2929536171"/>
+      </p:ext>
+    </p:extLst>
+  </p:cSld>
+  <p:clrMapOvr>
+    <a:masterClrMapping/>
+  </p:clrMapOvr>
+</p:sldLayout>
+</file>
+
+<file path=ppt/slideLayouts/slideLayout3.xml><?xml version="1.0" encoding="utf-8"?>
+<p:sldLayout xmlns:a="http://schemas.openxmlformats.org/drawingml/2006/main" xmlns:r="http://schemas.openxmlformats.org/officeDocument/2006/relationships" xmlns:p="http://schemas.openxmlformats.org/presentationml/2006/main" type="secHead" preserve="1">
+  <p:cSld name="Section Header">
+    <p:spTree>
+      <p:nvGrpSpPr>
+        <p:cNvPr id="1" name=""/>
+        <p:cNvGrpSpPr/>
+        <p:nvPr/>
+      </p:nvGrpSpPr>
+      <p:grpSpPr>
+        <a:xfrm>
+          <a:off x="0" y="0"/>
+          <a:ext cx="0" cy="0"/>
+          <a:chOff x="0" y="0"/>
+          <a:chExt cx="0" cy="0"/>
+        </a:xfrm>
+      </p:grpSpPr>
+      <p:sp>
+        <p:nvSpPr>
+          <p:cNvPr id="2" name="Title 1"/>
+          <p:cNvSpPr>
+            <a:spLocks noGrp="1"/>
+          </p:cNvSpPr>
+          <p:nvPr>
+            <p:ph type="title"/>
+          </p:nvPr>
+        </p:nvSpPr>
+        <p:spPr>
+          <a:xfrm>
+            <a:off x="722313" y="4406900"/>
+            <a:ext cx="7772400" cy="1362075"/>
+          </a:xfrm>
+        </p:spPr>
+        <p:txBody>
+          <a:bodyPr anchor="t"/>
+          <a:lstStyle>
+            <a:lvl1pPr algn="l">
+              <a:defRPr sz="4000" b="1" cap="all"/>
+            </a:lvl1pPr>
+          </a:lstStyle>
+          <a:p>
+            <a:r>
+              <a:rPr lang="en-US" smtClean="0"/>
+              <a:t>Click to edit Master title style</a:t>
+            </a:r>
+            <a:endParaRPr lang="en-US"/>
+          </a:p>
+        </p:txBody>
+      </p:sp>
+      <p:sp>
+        <p:nvSpPr>
+          <p:cNvPr id="3" name="Text Placeholder 2"/>
+          <p:cNvSpPr>
+            <a:spLocks noGrp="1"/>
+          </p:cNvSpPr>
+          <p:nvPr>
+            <p:ph type="body" idx="1"/>
+          </p:nvPr>
+        </p:nvSpPr>
+        <p:spPr>
+          <a:xfrm>
+            <a:off x="722313" y="2906713"/>
+            <a:ext cx="7772400" cy="1500187"/>
+          </a:xfrm>
+        </p:spPr>
+        <p:txBody>
+          <a:bodyPr anchor="b"/>
+          <a:lstStyle>
+            <a:lvl1pPr marL="0" indent="0">
+              <a:buNone/>
+              <a:defRPr sz="2000">
+                <a:solidFill>
+                  <a:schemeClr val="tx1">
+                    <a:tint val="75000"/>
+                  </a:schemeClr>
+                </a:solidFill>
+              </a:defRPr>
+            </a:lvl1pPr>
+            <a:lvl2pPr marL="457200" indent="0">
+              <a:buNone/>
+              <a:defRPr sz="1800">
+                <a:solidFill>
+                  <a:schemeClr val="tx1">
+                    <a:tint val="75000"/>
+                  </a:schemeClr>
+                </a:solidFill>
+              </a:defRPr>
+            </a:lvl2pPr>
+            <a:lvl3pPr marL="914400" indent="0">
+              <a:buNone/>
+              <a:defRPr sz="1600">
+                <a:solidFill>
+                  <a:schemeClr val="tx1">
+                    <a:tint val="75000"/>
+                  </a:schemeClr>
+                </a:solidFill>
+              </a:defRPr>
+            </a:lvl3pPr>
+            <a:lvl4pPr marL="1371600" indent="0">
+              <a:buNone/>
+              <a:defRPr sz="1400">
+                <a:solidFill>
+                  <a:schemeClr val="tx1">
+                    <a:tint val="75000"/>
+                  </a:schemeClr>
+                </a:solidFill>
+              </a:defRPr>
+            </a:lvl4pPr>
+            <a:lvl5pPr marL="1828800" indent="0">
+              <a:buNone/>
+              <a:defRPr sz="1400">
+                <a:solidFill>
+                  <a:schemeClr val="tx1">
+                    <a:tint val="75000"/>
+                  </a:schemeClr>
+                </a:solidFill>
+              </a:defRPr>
+            </a:lvl5pPr>
+            <a:lvl6pPr marL="2286000" indent="0">
+              <a:buNone/>
+              <a:defRPr sz="1400">
+                <a:solidFill>
+                  <a:schemeClr val="tx1">
+                    <a:tint val="75000"/>
+                  </a:schemeClr>
+                </a:solidFill>
+              </a:defRPr>
+            </a:lvl6pPr>
+            <a:lvl7pPr marL="2743200" indent="0">
+              <a:buNone/>
+              <a:defRPr sz="1400">
+                <a:solidFill>
+                  <a:schemeClr val="tx1">
+                    <a:tint val="75000"/>
+                  </a:schemeClr>
+                </a:solidFill>
+              </a:defRPr>
+            </a:lvl7pPr>
+            <a:lvl8pPr marL="3200400" indent="0">
+              <a:buNone/>
+              <a:defRPr sz="1400">
+                <a:solidFill>
+                  <a:schemeClr val="tx1">
+                    <a:tint val="75000"/>
+                  </a:schemeClr>
+                </a:solidFill>
+              </a:defRPr>
+            </a:lvl8pPr>
+            <a:lvl9pPr marL="3657600" indent="0">
+              <a:buNone/>
+              <a:defRPr sz="1400">
+                <a:solidFill>
+                  <a:schemeClr val="tx1">
+                    <a:tint val="75000"/>
+                  </a:schemeClr>
+                </a:solidFill>
+              </a:defRPr>
+            </a:lvl9pPr>
+          </a:lstStyle>
+          <a:p>
+            <a:pPr lvl="0"/>
+            <a:r>
+              <a:rPr lang="en-US" smtClean="0"/>
+              <a:t>Click to edit Master text styles</a:t>
+            </a:r>
+          </a:p>
+        </p:txBody>
+      </p:sp>
+      <p:sp>
+        <p:nvSpPr>
+          <p:cNvPr id="4" name="Date Placeholder 3"/>
+          <p:cNvSpPr>
+            <a:spLocks noGrp="1"/>
+          </p:cNvSpPr>
+          <p:nvPr>
+            <p:ph type="dt" sz="half" idx="10"/>
+          </p:nvPr>
+        </p:nvSpPr>
+        <p:spPr/>
+        <p:txBody>
+          <a:bodyPr/>
+          <a:lstStyle/>
+          <a:p>
+            <a:fld id="{1D8BD707-D9CF-40AE-B4C6-C98DA3205C09}" type="datetimeFigureOut">
+              <a:rPr lang="en-US" smtClean="0"/>
+              <a:pPr/>
+              <a:t>10/10/2013</a:t>
+            </a:fld>
+            <a:endParaRPr lang="en-US"/>
+          </a:p>
+        </p:txBody>
+      </p:sp>
+      <p:sp>
+        <p:nvSpPr>
+          <p:cNvPr id="5" name="Footer Placeholder 4"/>
+          <p:cNvSpPr>
+            <a:spLocks noGrp="1"/>
+          </p:cNvSpPr>
+          <p:nvPr>
+            <p:ph type="ftr" sz="quarter" idx="11"/>
+          </p:nvPr>
+        </p:nvSpPr>
+        <p:spPr/>
+        <p:txBody>
+          <a:bodyPr/>
+          <a:lstStyle/>
+          <a:p>
+            <a:endParaRPr lang="en-US"/>
+          </a:p>
+        </p:txBody>
+      </p:sp>
+      <p:sp>
+        <p:nvSpPr>
+          <p:cNvPr id="6" name="Slide Number Placeholder 5"/>
+          <p:cNvSpPr>
+            <a:spLocks noGrp="1"/>
+          </p:cNvSpPr>
+          <p:nvPr>
+            <p:ph type="sldNum" sz="quarter" idx="12"/>
+          </p:nvPr>
+        </p:nvSpPr>
+        <p:spPr/>
+        <p:txBody>
+          <a:bodyPr/>
+          <a:lstStyle/>
+          <a:p>
+            <a:fld id="{B6F15528-21DE-4FAA-801E-634DDDAF4B2B}" type="slidenum">
+              <a:rPr lang="en-US" smtClean="0"/>
+              <a:pPr/>
+              <a:t>‹#›</a:t>
+            </a:fld>
+            <a:endParaRPr lang="en-US"/>
+          </a:p>
+        </p:txBody>
+      </p:sp>
+    </p:spTree>
+  </p:cSld>
+  <p:clrMapOvr>
+    <a:masterClrMapping/>
+  </p:clrMapOvr>
+</p:sldLayout>
+</file>
+
+<file path=ppt/slideLayouts/slideLayout4.xml><?xml version="1.0" encoding="utf-8"?>
+<p:sldLayout xmlns:a="http://schemas.openxmlformats.org/drawingml/2006/main" xmlns:r="http://schemas.openxmlformats.org/officeDocument/2006/relationships" xmlns:p="http://schemas.openxmlformats.org/presentationml/2006/main" type="twoObj" preserve="1">
+  <p:cSld name="Two Content">
+    <p:spTree>
+      <p:nvGrpSpPr>
+        <p:cNvPr id="1" name=""/>
+        <p:cNvGrpSpPr/>
+        <p:nvPr/>
+      </p:nvGrpSpPr>
+      <p:grpSpPr>
+        <a:xfrm>
+          <a:off x="0" y="0"/>
+          <a:ext cx="0" cy="0"/>
+          <a:chOff x="0" y="0"/>
+          <a:chExt cx="0" cy="0"/>
+        </a:xfrm>
+      </p:grpSpPr>
+      <p:sp>
+        <p:nvSpPr>
+          <p:cNvPr id="2" name="Title 1"/>
+          <p:cNvSpPr>
+            <a:spLocks noGrp="1"/>
+          </p:cNvSpPr>
+          <p:nvPr>
+            <p:ph type="title"/>
+          </p:nvPr>
+        </p:nvSpPr>
+        <p:spPr/>
+        <p:txBody>
+          <a:bodyPr/>
+          <a:lstStyle/>
+          <a:p>
+            <a:r>
+              <a:rPr lang="en-US" smtClean="0"/>
+              <a:t>Click to edit Master title style</a:t>
+            </a:r>
+            <a:endParaRPr lang="en-US"/>
+          </a:p>
+        </p:txBody>
+      </p:sp>
+      <p:sp>
+        <p:nvSpPr>
+          <p:cNvPr id="3" name="Content Placeholder 2"/>
+          <p:cNvSpPr>
+            <a:spLocks noGrp="1"/>
+          </p:cNvSpPr>
+          <p:nvPr>
+            <p:ph sz="half" idx="1"/>
+          </p:nvPr>
+        </p:nvSpPr>
+        <p:spPr>
+          <a:xfrm>
+            <a:off x="457200" y="1600200"/>
+            <a:ext cx="4038600" cy="4525963"/>
+          </a:xfrm>
+        </p:spPr>
+        <p:txBody>
+          <a:bodyPr/>
+          <a:lstStyle>
+            <a:lvl1pPr>
+              <a:defRPr sz="2800"/>
+            </a:lvl1pPr>
+            <a:lvl2pPr>
+              <a:defRPr sz="2400"/>
+            </a:lvl2pPr>
+            <a:lvl3pPr>
+              <a:defRPr sz="2000"/>
+            </a:lvl3pPr>
+            <a:lvl4pPr>
+              <a:defRPr sz="1800"/>
+            </a:lvl4pPr>
+            <a:lvl5pPr>
+              <a:defRPr sz="1800"/>
+            </a:lvl5pPr>
+            <a:lvl6pPr>
+              <a:defRPr sz="1800"/>
+            </a:lvl6pPr>
+            <a:lvl7pPr>
+              <a:defRPr sz="1800"/>
+            </a:lvl7pPr>
+            <a:lvl8pPr>
+              <a:defRPr sz="1800"/>
+            </a:lvl8pPr>
+            <a:lvl9pPr>
+              <a:defRPr sz="1800"/>
+            </a:lvl9pPr>
+          </a:lstStyle>
+          <a:p>
+            <a:pPr lvl="0"/>
+            <a:r>
+              <a:rPr lang="en-US" smtClean="0"/>
+              <a:t>Click to edit Master text styles</a:t>
+            </a:r>
+          </a:p>
+          <a:p>
+            <a:pPr lvl="1"/>
+            <a:r>
+              <a:rPr lang="en-US" smtClean="0"/>
+              <a:t>Second level</a:t>
+            </a:r>
+          </a:p>
+          <a:p>
+            <a:pPr lvl="2"/>
+            <a:r>
+              <a:rPr lang="en-US" smtClean="0"/>
+              <a:t>Third level</a:t>
+            </a:r>
+          </a:p>
+          <a:p>
+            <a:pPr lvl="3"/>
+            <a:r>
+              <a:rPr lang="en-US" smtClean="0"/>
+              <a:t>Fourth level</a:t>
+            </a:r>
+          </a:p>
+          <a:p>
+            <a:pPr lvl="4"/>
+            <a:r>
+              <a:rPr lang="en-US" smtClean="0"/>
+              <a:t>Fifth level</a:t>
+            </a:r>
+            <a:endParaRPr lang="en-US"/>
+          </a:p>
+        </p:txBody>
+      </p:sp>
+      <p:sp>
+        <p:nvSpPr>
+          <p:cNvPr id="4" name="Content Placeholder 3"/>
+          <p:cNvSpPr>
+            <a:spLocks noGrp="1"/>
+          </p:cNvSpPr>
+          <p:nvPr>
+            <p:ph sz="half" idx="2"/>
+          </p:nvPr>
+        </p:nvSpPr>
+        <p:spPr>
+          <a:xfrm>
+            <a:off x="4648200" y="1600200"/>
+            <a:ext cx="4038600" cy="4525963"/>
+          </a:xfrm>
+        </p:spPr>
+        <p:txBody>
+          <a:bodyPr/>
+          <a:lstStyle>
+            <a:lvl1pPr>
+              <a:defRPr sz="2800"/>
+            </a:lvl1pPr>
+            <a:lvl2pPr>
+              <a:defRPr sz="2400"/>
+            </a:lvl2pPr>
+            <a:lvl3pPr>
+              <a:defRPr sz="2000"/>
+            </a:lvl3pPr>
+            <a:lvl4pPr>
+              <a:defRPr sz="1800"/>
+            </a:lvl4pPr>
+            <a:lvl5pPr>
+              <a:defRPr sz="1800"/>
+            </a:lvl5pPr>
+            <a:lvl6pPr>
+              <a:defRPr sz="1800"/>
+            </a:lvl6pPr>
+            <a:lvl7pPr>
+              <a:defRPr sz="1800"/>
+            </a:lvl7pPr>
+            <a:lvl8pPr>
+              <a:defRPr sz="1800"/>
+            </a:lvl8pPr>
+            <a:lvl9pPr>
+              <a:defRPr sz="1800"/>
+            </a:lvl9pPr>
+          </a:lstStyle>
+          <a:p>
+            <a:pPr lvl="0"/>
+            <a:r>
+              <a:rPr lang="en-US" smtClean="0"/>
+              <a:t>Click to edit Master text styles</a:t>
+            </a:r>
+          </a:p>
+          <a:p>
+            <a:pPr lvl="1"/>
+            <a:r>
+              <a:rPr lang="en-US" smtClean="0"/>
+              <a:t>Second level</a:t>
+            </a:r>
+          </a:p>
+          <a:p>
+            <a:pPr lvl="2"/>
+            <a:r>
+              <a:rPr lang="en-US" smtClean="0"/>
+              <a:t>Third level</a:t>
+            </a:r>
+          </a:p>
+          <a:p>
+            <a:pPr lvl="3"/>
+            <a:r>
+              <a:rPr lang="en-US" smtClean="0"/>
+              <a:t>Fourth level</a:t>
+            </a:r>
+          </a:p>
+          <a:p>
+            <a:pPr lvl="4"/>
+            <a:r>
+              <a:rPr lang="en-US" smtClean="0"/>
+              <a:t>Fifth level</a:t>
+            </a:r>
+            <a:endParaRPr lang="en-US"/>
+          </a:p>
+        </p:txBody>
+      </p:sp>
+      <p:sp>
+        <p:nvSpPr>
+          <p:cNvPr id="5" name="Date Placeholder 4"/>
+          <p:cNvSpPr>
+            <a:spLocks noGrp="1"/>
+          </p:cNvSpPr>
+          <p:nvPr>
+            <p:ph type="dt" sz="half" idx="10"/>
+          </p:nvPr>
+        </p:nvSpPr>
+        <p:spPr/>
+        <p:txBody>
+          <a:bodyPr/>
+          <a:lstStyle/>
+          <a:p>
+            <a:fld id="{1D8BD707-D9CF-40AE-B4C6-C98DA3205C09}" type="datetimeFigureOut">
+              <a:rPr lang="en-US" smtClean="0"/>
+              <a:pPr/>
+              <a:t>10/10/2013</a:t>
+            </a:fld>
+            <a:endParaRPr lang="en-US"/>
+          </a:p>
+        </p:txBody>
+      </p:sp>
+      <p:sp>
+        <p:nvSpPr>
+          <p:cNvPr id="6" name="Footer Placeholder 5"/>
+          <p:cNvSpPr>
+            <a:spLocks noGrp="1"/>
+          </p:cNvSpPr>
+          <p:nvPr>
+            <p:ph type="ftr" sz="quarter" idx="11"/>
+          </p:nvPr>
+        </p:nvSpPr>
+        <p:spPr/>
+        <p:txBody>
+          <a:bodyPr/>
+          <a:lstStyle/>
+          <a:p>
+            <a:endParaRPr lang="en-US"/>
+          </a:p>
+        </p:txBody>
+      </p:sp>
+      <p:sp>
+        <p:nvSpPr>
+          <p:cNvPr id="7" name="Slide Number Placeholder 6"/>
+          <p:cNvSpPr>
+            <a:spLocks noGrp="1"/>
+          </p:cNvSpPr>
+          <p:nvPr>
+            <p:ph type="sldNum" sz="quarter" idx="12"/>
+          </p:nvPr>
+        </p:nvSpPr>
+        <p:spPr/>
+        <p:txBody>
+          <a:bodyPr/>
+          <a:lstStyle/>
+          <a:p>
+            <a:fld id="{B6F15528-21DE-4FAA-801E-634DDDAF4B2B}" type="slidenum">
+              <a:rPr lang="en-US" smtClean="0"/>
+              <a:pPr/>
+              <a:t>‹#›</a:t>
+            </a:fld>
+            <a:endParaRPr lang="en-US"/>
+          </a:p>
+        </p:txBody>
+      </p:sp>
+    </p:spTree>
+  </p:cSld>
+  <p:clrMapOvr>
+    <a:masterClrMapping/>
+  </p:clrMapOvr>
+</p:sldLayout>
+</file>
+
+<file path=ppt/slideLayouts/slideLayout5.xml><?xml version="1.0" encoding="utf-8"?>
+<p:sldLayout xmlns:a="http://schemas.openxmlformats.org/drawingml/2006/main" xmlns:r="http://schemas.openxmlformats.org/officeDocument/2006/relationships" xmlns:p="http://schemas.openxmlformats.org/presentationml/2006/main" type="twoTxTwoObj" preserve="1">
+  <p:cSld name="Comparison">
+    <p:spTree>
+      <p:nvGrpSpPr>
+        <p:cNvPr id="1" name=""/>
+        <p:cNvGrpSpPr/>
+        <p:nvPr/>
+      </p:nvGrpSpPr>
+      <p:grpSpPr>
+        <a:xfrm>
+          <a:off x="0" y="0"/>
+          <a:ext cx="0" cy="0"/>
+          <a:chOff x="0" y="0"/>
+          <a:chExt cx="0" cy="0"/>
+        </a:xfrm>
+      </p:grpSpPr>
+      <p:sp>
+        <p:nvSpPr>
+          <p:cNvPr id="2" name="Title 1"/>
+          <p:cNvSpPr>
+            <a:spLocks noGrp="1"/>
+          </p:cNvSpPr>
+          <p:nvPr>
+            <p:ph type="title"/>
+          </p:nvPr>
+        </p:nvSpPr>
+        <p:spPr/>
+        <p:txBody>
+          <a:bodyPr/>
+          <a:lstStyle>
+            <a:lvl1pPr>
+              <a:defRPr/>
+            </a:lvl1pPr>
+          </a:lstStyle>
+          <a:p>
+            <a:r>
+              <a:rPr lang="en-US" smtClean="0"/>
+              <a:t>Click to edit Master title style</a:t>
+            </a:r>
+            <a:endParaRPr lang="en-US"/>
+          </a:p>
+        </p:txBody>
+      </p:sp>
+      <p:sp>
+        <p:nvSpPr>
+          <p:cNvPr id="3" name="Text Placeholder 2"/>
+          <p:cNvSpPr>
+            <a:spLocks noGrp="1"/>
+          </p:cNvSpPr>
+          <p:nvPr>
+            <p:ph type="body" idx="1"/>
+          </p:nvPr>
+        </p:nvSpPr>
+        <p:spPr>
+          <a:xfrm>
+            <a:off x="457200" y="1535113"/>
+            <a:ext cx="4040188" cy="639762"/>
+          </a:xfrm>
+        </p:spPr>
+        <p:txBody>
+          <a:bodyPr anchor="b"/>
+          <a:lstStyle>
+            <a:lvl1pPr marL="0" indent="0">
+              <a:buNone/>
+              <a:defRPr sz="2400" b="1"/>
+            </a:lvl1pPr>
+            <a:lvl2pPr marL="457200" indent="0">
+              <a:buNone/>
+              <a:defRPr sz="2000" b="1"/>
+            </a:lvl2pPr>
+            <a:lvl3pPr marL="914400" indent="0">
+              <a:buNone/>
+              <a:defRPr sz="1800" b="1"/>
+            </a:lvl3pPr>
+            <a:lvl4pPr marL="1371600" indent="0">
+              <a:buNone/>
+              <a:defRPr sz="1600" b="1"/>
+            </a:lvl4pPr>
+            <a:lvl5pPr marL="1828800" indent="0">
+              <a:buNone/>
+              <a:defRPr sz="1600" b="1"/>
+            </a:lvl5pPr>
+            <a:lvl6pPr marL="2286000" indent="0">
+              <a:buNone/>
+              <a:defRPr sz="1600" b="1"/>
+            </a:lvl6pPr>
+            <a:lvl7pPr marL="2743200" indent="0">
+              <a:buNone/>
+              <a:defRPr sz="1600" b="1"/>
+            </a:lvl7pPr>
+            <a:lvl8pPr marL="3200400" indent="0">
+              <a:buNone/>
+              <a:defRPr sz="1600" b="1"/>
+            </a:lvl8pPr>
+            <a:lvl9pPr marL="3657600" indent="0">
+              <a:buNone/>
+              <a:defRPr sz="1600" b="1"/>
+            </a:lvl9pPr>
+          </a:lstStyle>
+          <a:p>
+            <a:pPr lvl="0"/>
+            <a:r>
+              <a:rPr lang="en-US" smtClean="0"/>
+              <a:t>Click to edit Master text styles</a:t>
+            </a:r>
+          </a:p>
+        </p:txBody>
+      </p:sp>
+      <p:sp>
+        <p:nvSpPr>
+          <p:cNvPr id="4" name="Content Placeholder 3"/>
+          <p:cNvSpPr>
+            <a:spLocks noGrp="1"/>
+          </p:cNvSpPr>
+          <p:nvPr>
+            <p:ph sz="half" idx="2"/>
+          </p:nvPr>
+        </p:nvSpPr>
+        <p:spPr>
+          <a:xfrm>
+            <a:off x="457200" y="2174875"/>
+            <a:ext cx="4040188" cy="3951288"/>
+          </a:xfrm>
+        </p:spPr>
+        <p:txBody>
+          <a:bodyPr/>
+          <a:lstStyle>
+            <a:lvl1pPr>
+              <a:defRPr sz="2400"/>
+            </a:lvl1pPr>
+            <a:lvl2pPr>
+              <a:defRPr sz="2000"/>
+            </a:lvl2pPr>
+            <a:lvl3pPr>
+              <a:defRPr sz="1800"/>
+            </a:lvl3pPr>
+            <a:lvl4pPr>
+              <a:defRPr sz="1600"/>
+            </a:lvl4pPr>
+            <a:lvl5pPr>
+              <a:defRPr sz="1600"/>
+            </a:lvl5pPr>
+            <a:lvl6pPr>
+              <a:defRPr sz="1600"/>
+            </a:lvl6pPr>
+            <a:lvl7pPr>
+              <a:defRPr sz="1600"/>
+            </a:lvl7pPr>
+            <a:lvl8pPr>
+              <a:defRPr sz="1600"/>
+            </a:lvl8pPr>
+            <a:lvl9pPr>
+              <a:defRPr sz="1600"/>
+            </a:lvl9pPr>
+          </a:lstStyle>
+          <a:p>
+            <a:pPr lvl="0"/>
+            <a:r>
+              <a:rPr lang="en-US" smtClean="0"/>
+              <a:t>Click to edit Master text styles</a:t>
+            </a:r>
+          </a:p>
+          <a:p>
+            <a:pPr lvl="1"/>
+            <a:r>
+              <a:rPr lang="en-US" smtClean="0"/>
+              <a:t>Second level</a:t>
+            </a:r>
+          </a:p>
+          <a:p>
+            <a:pPr lvl="2"/>
+            <a:r>
+              <a:rPr lang="en-US" smtClean="0"/>
+              <a:t>Third level</a:t>
+            </a:r>
+          </a:p>
+          <a:p>
+            <a:pPr lvl="3"/>
+            <a:r>
+              <a:rPr lang="en-US" smtClean="0"/>
+              <a:t>Fourth level</a:t>
+            </a:r>
+          </a:p>
+          <a:p>
+            <a:pPr lvl="4"/>
+            <a:r>
+              <a:rPr lang="en-US" smtClean="0"/>
+              <a:t>Fifth level</a:t>
+            </a:r>
+            <a:endParaRPr lang="en-US"/>
+          </a:p>
+        </p:txBody>
+      </p:sp>
+      <p:sp>
+        <p:nvSpPr>
+          <p:cNvPr id="5" name="Text Placeholder 4"/>
+          <p:cNvSpPr>
+            <a:spLocks noGrp="1"/>
+          </p:cNvSpPr>
+          <p:nvPr>
+            <p:ph type="body" sz="quarter" idx="3"/>
+          </p:nvPr>
+        </p:nvSpPr>
+        <p:spPr>
+          <a:xfrm>
+            <a:off x="4645025" y="1535113"/>
+            <a:ext cx="4041775" cy="639762"/>
+          </a:xfrm>
+        </p:spPr>
+        <p:txBody>
+          <a:bodyPr anchor="b"/>
+          <a:lstStyle>
+            <a:lvl1pPr marL="0" indent="0">
+              <a:buNone/>
+              <a:defRPr sz="2400" b="1"/>
+            </a:lvl1pPr>
+            <a:lvl2pPr marL="457200" indent="0">
+              <a:buNone/>
+              <a:defRPr sz="2000" b="1"/>
+            </a:lvl2pPr>
+            <a:lvl3pPr marL="914400" indent="0">
+              <a:buNone/>
+              <a:defRPr sz="1800" b="1"/>
+            </a:lvl3pPr>
+            <a:lvl4pPr marL="1371600" indent="0">
+              <a:buNone/>
+              <a:defRPr sz="1600" b="1"/>
+            </a:lvl4pPr>
+            <a:lvl5pPr marL="1828800" indent="0">
+              <a:buNone/>
+              <a:defRPr sz="1600" b="1"/>
+            </a:lvl5pPr>
+            <a:lvl6pPr marL="2286000" indent="0">
+              <a:buNone/>
+              <a:defRPr sz="1600" b="1"/>
+            </a:lvl6pPr>
+            <a:lvl7pPr marL="2743200" indent="0">
+              <a:buNone/>
+              <a:defRPr sz="1600" b="1"/>
+            </a:lvl7pPr>
+            <a:lvl8pPr marL="3200400" indent="0">
+              <a:buNone/>
+              <a:defRPr sz="1600" b="1"/>
+            </a:lvl8pPr>
+            <a:lvl9pPr marL="3657600" indent="0">
+              <a:buNone/>
+              <a:defRPr sz="1600" b="1"/>
+            </a:lvl9pPr>
+          </a:lstStyle>
+          <a:p>
+            <a:pPr lvl="0"/>
+            <a:r>
+              <a:rPr lang="en-US" smtClean="0"/>
+              <a:t>Click to edit Master text styles</a:t>
+            </a:r>
+          </a:p>
+        </p:txBody>
+      </p:sp>
+      <p:sp>
+        <p:nvSpPr>
+          <p:cNvPr id="6" name="Content Placeholder 5"/>
+          <p:cNvSpPr>
+            <a:spLocks noGrp="1"/>
+          </p:cNvSpPr>
+          <p:nvPr>
+            <p:ph sz="quarter" idx="4"/>
+          </p:nvPr>
+        </p:nvSpPr>
+        <p:spPr>
+          <a:xfrm>
+            <a:off x="4645025" y="2174875"/>
+            <a:ext cx="4041775" cy="3951288"/>
+          </a:xfrm>
+        </p:spPr>
+        <p:txBody>
+          <a:bodyPr/>
+          <a:lstStyle>
+            <a:lvl1pPr>
+              <a:defRPr sz="2400"/>
+            </a:lvl1pPr>
+            <a:lvl2pPr>
+              <a:defRPr sz="2000"/>
+            </a:lvl2pPr>
+            <a:lvl3pPr>
+              <a:defRPr sz="1800"/>
+            </a:lvl3pPr>
+            <a:lvl4pPr>
+              <a:defRPr sz="1600"/>
+            </a:lvl4pPr>
+            <a:lvl5pPr>
+              <a:defRPr sz="1600"/>
+            </a:lvl5pPr>
+            <a:lvl6pPr>
+              <a:defRPr sz="1600"/>
+            </a:lvl6pPr>
+            <a:lvl7pPr>
+              <a:defRPr sz="1600"/>
+            </a:lvl7pPr>
+            <a:lvl8pPr>
+              <a:defRPr sz="1600"/>
+            </a:lvl8pPr>
+            <a:lvl9pPr>
+              <a:defRPr sz="1600"/>
+            </a:lvl9pPr>
+          </a:lstStyle>
+          <a:p>
+            <a:pPr lvl="0"/>
+            <a:r>
+              <a:rPr lang="en-US" smtClean="0"/>
+              <a:t>Click to edit Master text styles</a:t>
+            </a:r>
+          </a:p>
+          <a:p>
+            <a:pPr lvl="1"/>
+            <a:r>
+              <a:rPr lang="en-US" smtClean="0"/>
+              <a:t>Second level</a:t>
+            </a:r>
+          </a:p>
+          <a:p>
+            <a:pPr lvl="2"/>
+            <a:r>
+              <a:rPr lang="en-US" smtClean="0"/>
+              <a:t>Third level</a:t>
+            </a:r>
+          </a:p>
+          <a:p>
+            <a:pPr lvl="3"/>
+            <a:r>
+              <a:rPr lang="en-US" smtClean="0"/>
+              <a:t>Fourth level</a:t>
+            </a:r>
+          </a:p>
+          <a:p>
+            <a:pPr lvl="4"/>
+            <a:r>
+              <a:rPr lang="en-US" smtClean="0"/>
+              <a:t>Fifth level</a:t>
+            </a:r>
+            <a:endParaRPr lang="en-US"/>
+          </a:p>
+        </p:txBody>
+      </p:sp>
+      <p:sp>
+        <p:nvSpPr>
+          <p:cNvPr id="7" name="Date Placeholder 6"/>
+          <p:cNvSpPr>
+            <a:spLocks noGrp="1"/>
+          </p:cNvSpPr>
+          <p:nvPr>
+            <p:ph type="dt" sz="half" idx="10"/>
+          </p:nvPr>
+        </p:nvSpPr>
+        <p:spPr/>
+        <p:txBody>
+          <a:bodyPr/>
+          <a:lstStyle/>
+          <a:p>
+            <a:fld id="{1D8BD707-D9CF-40AE-B4C6-C98DA3205C09}" type="datetimeFigureOut">
+              <a:rPr lang="en-US" smtClean="0"/>
+              <a:pPr/>
+              <a:t>10/10/2013</a:t>
+            </a:fld>
+            <a:endParaRPr lang="en-US"/>
+          </a:p>
+        </p:txBody>
+      </p:sp>
+      <p:sp>
+        <p:nvSpPr>
+          <p:cNvPr id="8" name="Footer Placeholder 7"/>
+          <p:cNvSpPr>
+            <a:spLocks noGrp="1"/>
+          </p:cNvSpPr>
+          <p:nvPr>
+            <p:ph type="ftr" sz="quarter" idx="11"/>
+          </p:nvPr>
+        </p:nvSpPr>
+        <p:spPr/>
+        <p:txBody>
+          <a:bodyPr/>
+          <a:lstStyle/>
+          <a:p>
+            <a:endParaRPr lang="en-US"/>
+          </a:p>
+        </p:txBody>
+      </p:sp>
+      <p:sp>
+        <p:nvSpPr>
+          <p:cNvPr id="9" name="Slide Number Placeholder 8"/>
+          <p:cNvSpPr>
+            <a:spLocks noGrp="1"/>
+          </p:cNvSpPr>
+          <p:nvPr>
+            <p:ph type="sldNum" sz="quarter" idx="12"/>
+          </p:nvPr>
+        </p:nvSpPr>
+        <p:spPr/>
+        <p:txBody>
+          <a:bodyPr/>
+          <a:lstStyle/>
+          <a:p>
+            <a:fld id="{B6F15528-21DE-4FAA-801E-634DDDAF4B2B}" type="slidenum">
+              <a:rPr lang="en-US" smtClean="0"/>
+              <a:pPr/>
+              <a:t>‹#›</a:t>
+            </a:fld>
+            <a:endParaRPr lang="en-US"/>
+          </a:p>
+        </p:txBody>
+      </p:sp>
+    </p:spTree>
+  </p:cSld>
+  <p:clrMapOvr>
+    <a:masterClrMapping/>
+  </p:clrMapOvr>
+</p:sldLayout>
+</file>
+
+<file path=ppt/slideLayouts/slideLayout6.xml><?xml version="1.0" encoding="utf-8"?>
+<p:sldLayout xmlns:a="http://schemas.openxmlformats.org/drawingml/2006/main" xmlns:r="http://schemas.openxmlformats.org/officeDocument/2006/relationships" xmlns:p="http://schemas.openxmlformats.org/presentationml/2006/main" type="titleOnly" preserve="1">
+  <p:cSld name="Title Only">
+    <p:spTree>
+      <p:nvGrpSpPr>
+        <p:cNvPr id="1" name=""/>
+        <p:cNvGrpSpPr/>
+        <p:nvPr/>
+      </p:nvGrpSpPr>
+      <p:grpSpPr>
+        <a:xfrm>
+          <a:off x="0" y="0"/>
+          <a:ext cx="0" cy="0"/>
+          <a:chOff x="0" y="0"/>
+          <a:chExt cx="0" cy="0"/>
+        </a:xfrm>
+      </p:grpSpPr>
+      <p:sp>
+        <p:nvSpPr>
+          <p:cNvPr id="2" name="Title 1"/>
+          <p:cNvSpPr>
+            <a:spLocks noGrp="1"/>
+          </p:cNvSpPr>
+          <p:nvPr>
+            <p:ph type="title"/>
+          </p:nvPr>
+        </p:nvSpPr>
+        <p:spPr/>
+        <p:txBody>
+          <a:bodyPr/>
+          <a:lstStyle/>
+          <a:p>
+            <a:r>
+              <a:rPr lang="en-US" smtClean="0"/>
+              <a:t>Click to edit Master title style</a:t>
+            </a:r>
+            <a:endParaRPr lang="en-US"/>
+          </a:p>
+        </p:txBody>
+      </p:sp>
+      <p:sp>
+        <p:nvSpPr>
+          <p:cNvPr id="3" name="Date Placeholder 2"/>
+          <p:cNvSpPr>
+            <a:spLocks noGrp="1"/>
+          </p:cNvSpPr>
+          <p:nvPr>
+            <p:ph type="dt" sz="half" idx="10"/>
+          </p:nvPr>
+        </p:nvSpPr>
+        <p:spPr/>
+        <p:txBody>
+          <a:bodyPr/>
+          <a:lstStyle/>
+          <a:p>
+            <a:fld id="{1D8BD707-D9CF-40AE-B4C6-C98DA3205C09}" type="datetimeFigureOut">
+              <a:rPr lang="en-US" smtClean="0"/>
+              <a:pPr/>
+              <a:t>10/10/2013</a:t>
+            </a:fld>
+            <a:endParaRPr lang="en-US"/>
+          </a:p>
+        </p:txBody>
+      </p:sp>
+      <p:sp>
+        <p:nvSpPr>
+          <p:cNvPr id="4" name="Footer Placeholder 3"/>
+          <p:cNvSpPr>
+            <a:spLocks noGrp="1"/>
+          </p:cNvSpPr>
+          <p:nvPr>
+            <p:ph type="ftr" sz="quarter" idx="11"/>
+          </p:nvPr>
+        </p:nvSpPr>
+        <p:spPr/>
+        <p:txBody>
+          <a:bodyPr/>
+          <a:lstStyle/>
+          <a:p>
+            <a:endParaRPr lang="en-US"/>
+          </a:p>
+        </p:txBody>
+      </p:sp>
+      <p:sp>
+        <p:nvSpPr>
+          <p:cNvPr id="5" name="Slide Number Placeholder 4"/>
+          <p:cNvSpPr>
+            <a:spLocks noGrp="1"/>
+          </p:cNvSpPr>
+          <p:nvPr>
+            <p:ph type="sldNum" sz="quarter" idx="12"/>
+          </p:nvPr>
+        </p:nvSpPr>
+        <p:spPr/>
+        <p:txBody>
+          <a:bodyPr/>
+          <a:lstStyle/>
+          <a:p>
+            <a:fld id="{B6F15528-21DE-4FAA-801E-634DDDAF4B2B}" type="slidenum">
+              <a:rPr lang="en-US" smtClean="0"/>
+              <a:pPr/>
+              <a:t>‹#›</a:t>
+            </a:fld>
+            <a:endParaRPr lang="en-US"/>
+          </a:p>
+        </p:txBody>
+      </p:sp>
+    </p:spTree>
+  </p:cSld>
+  <p:clrMapOvr>
+    <a:masterClrMapping/>
+  </p:clrMapOvr>
+</p:sldLayout>
+</file>
+
+<file path=ppt/slideLayouts/slideLayout7.xml><?xml version="1.0" encoding="utf-8"?>
+<p:sldLayout xmlns:a="http://schemas.openxmlformats.org/drawingml/2006/main" xmlns:r="http://schemas.openxmlformats.org/officeDocument/2006/relationships" xmlns:p="http://schemas.openxmlformats.org/presentationml/2006/main" type="blank" preserve="1">
+  <p:cSld name="Blank">
+    <p:spTree>
+      <p:nvGrpSpPr>
+        <p:cNvPr id="1" name=""/>
+        <p:cNvGrpSpPr/>
+        <p:nvPr/>
+      </p:nvGrpSpPr>
+      <p:grpSpPr>
+        <a:xfrm>
+          <a:off x="0" y="0"/>
+          <a:ext cx="0" cy="0"/>
+          <a:chOff x="0" y="0"/>
+          <a:chExt cx="0" cy="0"/>
+        </a:xfrm>
+      </p:grpSpPr>
+      <p:sp>
+        <p:nvSpPr>
+          <p:cNvPr id="2" name="Date Placeholder 1"/>
+          <p:cNvSpPr>
+            <a:spLocks noGrp="1"/>
+          </p:cNvSpPr>
+          <p:nvPr>
+            <p:ph type="dt" sz="half" idx="10"/>
+          </p:nvPr>
+        </p:nvSpPr>
+        <p:spPr/>
+        <p:txBody>
+          <a:bodyPr/>
+          <a:lstStyle/>
+          <a:p>
+            <a:fld id="{1D8BD707-D9CF-40AE-B4C6-C98DA3205C09}" type="datetimeFigureOut">
+              <a:rPr lang="en-US" smtClean="0"/>
+              <a:pPr/>
+              <a:t>10/10/2013</a:t>
+            </a:fld>
+            <a:endParaRPr lang="en-US"/>
+          </a:p>
+        </p:txBody>
+      </p:sp>
+      <p:sp>
+        <p:nvSpPr>
+          <p:cNvPr id="3" name="Footer Placeholder 2"/>
+          <p:cNvSpPr>
+            <a:spLocks noGrp="1"/>
+          </p:cNvSpPr>
+          <p:nvPr>
+            <p:ph type="ftr" sz="quarter" idx="11"/>
+          </p:nvPr>
+        </p:nvSpPr>
+        <p:spPr/>
+        <p:txBody>
+          <a:bodyPr/>
+          <a:lstStyle/>
+          <a:p>
+            <a:endParaRPr lang="en-US"/>
+          </a:p>
+        </p:txBody>
+      </p:sp>
+      <p:sp>
+        <p:nvSpPr>
+          <p:cNvPr id="4" name="Slide Number Placeholder 3"/>
+          <p:cNvSpPr>
+            <a:spLocks noGrp="1"/>
+          </p:cNvSpPr>
+          <p:nvPr>
+            <p:ph type="sldNum" sz="quarter" idx="12"/>
+          </p:nvPr>
+        </p:nvSpPr>
+        <p:spPr/>
+        <p:txBody>
+          <a:bodyPr/>
+          <a:lstStyle/>
+          <a:p>
+            <a:fld id="{B6F15528-21DE-4FAA-801E-634DDDAF4B2B}" type="slidenum">
+              <a:rPr lang="en-US" smtClean="0"/>
+              <a:pPr/>
+              <a:t>‹#›</a:t>
+            </a:fld>
+            <a:endParaRPr lang="en-US"/>
+          </a:p>
+        </p:txBody>
+      </p:sp>
+    </p:spTree>
+  </p:cSld>
+  <p:clrMapOvr>
+    <a:masterClrMapping/>
+  </p:clrMapOvr>
+</p:sldLayout>
+</file>
+
+<file path=ppt/slideLayouts/slideLayout8.xml><?xml version="1.0" encoding="utf-8"?>
+<p:sldLayout xmlns:a="http://schemas.openxmlformats.org/drawingml/2006/main" xmlns:r="http://schemas.openxmlformats.org/officeDocument/2006/relationships" xmlns:p="http://schemas.openxmlformats.org/presentationml/2006/main" type="objTx" preserve="1">
+  <p:cSld name="Content with Caption">
+    <p:spTree>
+      <p:nvGrpSpPr>
+        <p:cNvPr id="1" name=""/>
+        <p:cNvGrpSpPr/>
+        <p:nvPr/>
+      </p:nvGrpSpPr>
+      <p:grpSpPr>
+        <a:xfrm>
+          <a:off x="0" y="0"/>
+          <a:ext cx="0" cy="0"/>
+          <a:chOff x="0" y="0"/>
+          <a:chExt cx="0" cy="0"/>
+        </a:xfrm>
+      </p:grpSpPr>
+      <p:sp>
+        <p:nvSpPr>
+          <p:cNvPr id="2" name="Title 1"/>
+          <p:cNvSpPr>
+            <a:spLocks noGrp="1"/>
+          </p:cNvSpPr>
+          <p:nvPr>
+            <p:ph type="title"/>
+          </p:nvPr>
+        </p:nvSpPr>
+        <p:spPr>
+          <a:xfrm>
+            <a:off x="457200" y="273050"/>
+            <a:ext cx="3008313" cy="1162050"/>
+          </a:xfrm>
+        </p:spPr>
+        <p:txBody>
+          <a:bodyPr anchor="b"/>
+          <a:lstStyle>
+            <a:lvl1pPr algn="l">
+              <a:defRPr sz="2000" b="1"/>
+            </a:lvl1pPr>
+          </a:lstStyle>
+          <a:p>
+            <a:r>
+              <a:rPr lang="en-US" smtClean="0"/>
+              <a:t>Click to edit Master title style</a:t>
+            </a:r>
+            <a:endParaRPr lang="en-US"/>
+          </a:p>
+        </p:txBody>
+      </p:sp>
+      <p:sp>
+        <p:nvSpPr>
+          <p:cNvPr id="3" name="Content Placeholder 2"/>
+          <p:cNvSpPr>
+            <a:spLocks noGrp="1"/>
+          </p:cNvSpPr>
+          <p:nvPr>
+            <p:ph idx="1"/>
+          </p:nvPr>
+        </p:nvSpPr>
+        <p:spPr>
+          <a:xfrm>
+            <a:off x="3575050" y="273050"/>
+            <a:ext cx="5111750" cy="5853113"/>
+          </a:xfrm>
+        </p:spPr>
+        <p:txBody>
+          <a:bodyPr/>
+          <a:lstStyle>
+            <a:lvl1pPr>
+              <a:defRPr sz="3200"/>
+            </a:lvl1pPr>
+            <a:lvl2pPr>
+              <a:defRPr sz="2800"/>
+            </a:lvl2pPr>
+            <a:lvl3pPr>
+              <a:defRPr sz="2400"/>
+            </a:lvl3pPr>
+            <a:lvl4pPr>
+              <a:defRPr sz="2000"/>
+            </a:lvl4pPr>
+            <a:lvl5pPr>
+              <a:defRPr sz="2000"/>
+            </a:lvl5pPr>
+            <a:lvl6pPr>
+              <a:defRPr sz="2000"/>
+            </a:lvl6pPr>
+            <a:lvl7pPr>
+              <a:defRPr sz="2000"/>
+            </a:lvl7pPr>
+            <a:lvl8pPr>
+              <a:defRPr sz="2000"/>
+            </a:lvl8pPr>
+            <a:lvl9pPr>
+              <a:defRPr sz="2000"/>
+            </a:lvl9pPr>
+          </a:lstStyle>
+          <a:p>
+            <a:pPr lvl="0"/>
+            <a:r>
+              <a:rPr lang="en-US" smtClean="0"/>
+              <a:t>Click to edit Master text styles</a:t>
+            </a:r>
+          </a:p>
+          <a:p>
+            <a:pPr lvl="1"/>
+            <a:r>
+              <a:rPr lang="en-US" smtClean="0"/>
+              <a:t>Second level</a:t>
+            </a:r>
+          </a:p>
+          <a:p>
+            <a:pPr lvl="2"/>
+            <a:r>
+              <a:rPr lang="en-US" smtClean="0"/>
+              <a:t>Third level</a:t>
+            </a:r>
+          </a:p>
+          <a:p>
+            <a:pPr lvl="3"/>
+            <a:r>
+              <a:rPr lang="en-US" smtClean="0"/>
+              <a:t>Fourth level</a:t>
+            </a:r>
+          </a:p>
+          <a:p>
+            <a:pPr lvl="4"/>
+            <a:r>
+              <a:rPr lang="en-US" smtClean="0"/>
+              <a:t>Fifth level</a:t>
+            </a:r>
+            <a:endParaRPr lang="en-US"/>
+          </a:p>
+        </p:txBody>
+      </p:sp>
+      <p:sp>
+        <p:nvSpPr>
+          <p:cNvPr id="4" name="Text Placeholder 3"/>
+          <p:cNvSpPr>
+            <a:spLocks noGrp="1"/>
+          </p:cNvSpPr>
+          <p:nvPr>
+            <p:ph type="body" sz="half" idx="2"/>
+          </p:nvPr>
+        </p:nvSpPr>
+        <p:spPr>
+          <a:xfrm>
+            <a:off x="457200" y="1435100"/>
+            <a:ext cx="3008313" cy="4691063"/>
+          </a:xfrm>
+        </p:spPr>
+        <p:txBody>
+          <a:bodyPr/>
+          <a:lstStyle>
+            <a:lvl1pPr marL="0" indent="0">
+              <a:buNone/>
+              <a:defRPr sz="1400"/>
+            </a:lvl1pPr>
+            <a:lvl2pPr marL="457200" indent="0">
+              <a:buNone/>
+              <a:defRPr sz="1200"/>
+            </a:lvl2pPr>
+            <a:lvl3pPr marL="914400" indent="0">
+              <a:buNone/>
+              <a:defRPr sz="1000"/>
+            </a:lvl3pPr>
+            <a:lvl4pPr marL="1371600" indent="0">
+              <a:buNone/>
+              <a:defRPr sz="900"/>
+            </a:lvl4pPr>
+            <a:lvl5pPr marL="1828800" indent="0">
+              <a:buNone/>
+              <a:defRPr sz="900"/>
+            </a:lvl5pPr>
+            <a:lvl6pPr marL="2286000" indent="0">
+              <a:buNone/>
+              <a:defRPr sz="900"/>
+            </a:lvl6pPr>
+            <a:lvl7pPr marL="2743200" indent="0">
+              <a:buNone/>
+              <a:defRPr sz="900"/>
+            </a:lvl7pPr>
+            <a:lvl8pPr marL="3200400" indent="0">
+              <a:buNone/>
+              <a:defRPr sz="900"/>
+            </a:lvl8pPr>
+            <a:lvl9pPr marL="3657600" indent="0">
+              <a:buNone/>
+              <a:defRPr sz="900"/>
+            </a:lvl9pPr>
+          </a:lstStyle>
+          <a:p>
+            <a:pPr lvl="0"/>
+            <a:r>
+              <a:rPr lang="en-US" smtClean="0"/>
+              <a:t>Click to edit Master text styles</a:t>
+            </a:r>
+          </a:p>
+        </p:txBody>
+      </p:sp>
+      <p:sp>
+        <p:nvSpPr>
+          <p:cNvPr id="5" name="Date Placeholder 4"/>
+          <p:cNvSpPr>
+            <a:spLocks noGrp="1"/>
+          </p:cNvSpPr>
+          <p:nvPr>
+            <p:ph type="dt" sz="half" idx="10"/>
+          </p:nvPr>
+        </p:nvSpPr>
+        <p:spPr/>
+        <p:txBody>
+          <a:bodyPr/>
+          <a:lstStyle/>
+          <a:p>
+            <a:fld id="{1D8BD707-D9CF-40AE-B4C6-C98DA3205C09}" type="datetimeFigureOut">
+              <a:rPr lang="en-US" smtClean="0"/>
+              <a:pPr/>
+              <a:t>10/10/2013</a:t>
             </a:fld>
             <a:endParaRPr lang="en-US"/>
           </a:p>
@@ -2479,7 +5737,7 @@
             <a:fld id="{1D8BD707-D9CF-40AE-B4C6-C98DA3205C09}" type="datetimeFigureOut">
               <a:rPr lang="en-US" smtClean="0"/>
               <a:pPr/>
-              <a:t>10/9/2013</a:t>
+              <a:t>10/10/2013</a:t>
             </a:fld>
             <a:endParaRPr lang="en-US"/>
           </a:p>
@@ -2689,7 +5947,7 @@
             <a:fld id="{1D8BD707-D9CF-40AE-B4C6-C98DA3205C09}" type="datetimeFigureOut">
               <a:rPr lang="en-US" smtClean="0"/>
               <a:pPr/>
-              <a:t>10/9/2013</a:t>
+              <a:t>10/10/2013</a:t>
             </a:fld>
             <a:endParaRPr lang="en-US"/>
           </a:p>
@@ -2789,6 +6047,548 @@
     <p:sldLayoutId id="2147483657" r:id="rId9"/>
     <p:sldLayoutId id="2147483658" r:id="rId10"/>
     <p:sldLayoutId id="2147483659" r:id="rId11"/>
+  </p:sldLayoutIdLst>
+  <p:txStyles>
+    <p:titleStyle>
+      <a:lvl1pPr algn="ctr" defTabSz="914400" rtl="0" eaLnBrk="1" latinLnBrk="0" hangingPunct="1">
+        <a:spcBef>
+          <a:spcPct val="0"/>
+        </a:spcBef>
+        <a:buNone/>
+        <a:defRPr sz="4400" kern="1200">
+          <a:solidFill>
+            <a:schemeClr val="tx1"/>
+          </a:solidFill>
+          <a:latin typeface="+mj-lt"/>
+          <a:ea typeface="+mj-ea"/>
+          <a:cs typeface="+mj-cs"/>
+        </a:defRPr>
+      </a:lvl1pPr>
+    </p:titleStyle>
+    <p:bodyStyle>
+      <a:lvl1pPr marL="342900" indent="-342900" algn="l" defTabSz="914400" rtl="0" eaLnBrk="1" latinLnBrk="0" hangingPunct="1">
+        <a:spcBef>
+          <a:spcPct val="20000"/>
+        </a:spcBef>
+        <a:buFont typeface="Arial" pitchFamily="34" charset="0"/>
+        <a:buChar char="•"/>
+        <a:defRPr sz="3200" kern="1200">
+          <a:solidFill>
+            <a:schemeClr val="tx1"/>
+          </a:solidFill>
+          <a:latin typeface="+mn-lt"/>
+          <a:ea typeface="+mn-ea"/>
+          <a:cs typeface="+mn-cs"/>
+        </a:defRPr>
+      </a:lvl1pPr>
+      <a:lvl2pPr marL="742950" indent="-285750" algn="l" defTabSz="914400" rtl="0" eaLnBrk="1" latinLnBrk="0" hangingPunct="1">
+        <a:spcBef>
+          <a:spcPct val="20000"/>
+        </a:spcBef>
+        <a:buFont typeface="Arial" pitchFamily="34" charset="0"/>
+        <a:buChar char="–"/>
+        <a:defRPr sz="2800" kern="1200">
+          <a:solidFill>
+            <a:schemeClr val="tx1"/>
+          </a:solidFill>
+          <a:latin typeface="+mn-lt"/>
+          <a:ea typeface="+mn-ea"/>
+          <a:cs typeface="+mn-cs"/>
+        </a:defRPr>
+      </a:lvl2pPr>
+      <a:lvl3pPr marL="1143000" indent="-228600" algn="l" defTabSz="914400" rtl="0" eaLnBrk="1" latinLnBrk="0" hangingPunct="1">
+        <a:spcBef>
+          <a:spcPct val="20000"/>
+        </a:spcBef>
+        <a:buFont typeface="Arial" pitchFamily="34" charset="0"/>
+        <a:buChar char="•"/>
+        <a:defRPr sz="2400" kern="1200">
+          <a:solidFill>
+            <a:schemeClr val="tx1"/>
+          </a:solidFill>
+          <a:latin typeface="+mn-lt"/>
+          <a:ea typeface="+mn-ea"/>
+          <a:cs typeface="+mn-cs"/>
+        </a:defRPr>
+      </a:lvl3pPr>
+      <a:lvl4pPr marL="1600200" indent="-228600" algn="l" defTabSz="914400" rtl="0" eaLnBrk="1" latinLnBrk="0" hangingPunct="1">
+        <a:spcBef>
+          <a:spcPct val="20000"/>
+        </a:spcBef>
+        <a:buFont typeface="Arial" pitchFamily="34" charset="0"/>
+        <a:buChar char="–"/>
+        <a:defRPr sz="2000" kern="1200">
+          <a:solidFill>
+            <a:schemeClr val="tx1"/>
+          </a:solidFill>
+          <a:latin typeface="+mn-lt"/>
+          <a:ea typeface="+mn-ea"/>
+          <a:cs typeface="+mn-cs"/>
+        </a:defRPr>
+      </a:lvl4pPr>
+      <a:lvl5pPr marL="2057400" indent="-228600" algn="l" defTabSz="914400" rtl="0" eaLnBrk="1" latinLnBrk="0" hangingPunct="1">
+        <a:spcBef>
+          <a:spcPct val="20000"/>
+        </a:spcBef>
+        <a:buFont typeface="Arial" pitchFamily="34" charset="0"/>
+        <a:buChar char="»"/>
+        <a:defRPr sz="2000" kern="1200">
+          <a:solidFill>
+            <a:schemeClr val="tx1"/>
+          </a:solidFill>
+          <a:latin typeface="+mn-lt"/>
+          <a:ea typeface="+mn-ea"/>
+          <a:cs typeface="+mn-cs"/>
+        </a:defRPr>
+      </a:lvl5pPr>
+      <a:lvl6pPr marL="2514600" indent="-228600" algn="l" defTabSz="914400" rtl="0" eaLnBrk="1" latinLnBrk="0" hangingPunct="1">
+        <a:spcBef>
+          <a:spcPct val="20000"/>
+        </a:spcBef>
+        <a:buFont typeface="Arial" pitchFamily="34" charset="0"/>
+        <a:buChar char="•"/>
+        <a:defRPr sz="2000" kern="1200">
+          <a:solidFill>
+            <a:schemeClr val="tx1"/>
+          </a:solidFill>
+          <a:latin typeface="+mn-lt"/>
+          <a:ea typeface="+mn-ea"/>
+          <a:cs typeface="+mn-cs"/>
+        </a:defRPr>
+      </a:lvl6pPr>
+      <a:lvl7pPr marL="2971800" indent="-228600" algn="l" defTabSz="914400" rtl="0" eaLnBrk="1" latinLnBrk="0" hangingPunct="1">
+        <a:spcBef>
+          <a:spcPct val="20000"/>
+        </a:spcBef>
+        <a:buFont typeface="Arial" pitchFamily="34" charset="0"/>
+        <a:buChar char="•"/>
+        <a:defRPr sz="2000" kern="1200">
+          <a:solidFill>
+            <a:schemeClr val="tx1"/>
+          </a:solidFill>
+          <a:latin typeface="+mn-lt"/>
+          <a:ea typeface="+mn-ea"/>
+          <a:cs typeface="+mn-cs"/>
+        </a:defRPr>
+      </a:lvl7pPr>
+      <a:lvl8pPr marL="3429000" indent="-228600" algn="l" defTabSz="914400" rtl="0" eaLnBrk="1" latinLnBrk="0" hangingPunct="1">
+        <a:spcBef>
+          <a:spcPct val="20000"/>
+        </a:spcBef>
+        <a:buFont typeface="Arial" pitchFamily="34" charset="0"/>
+        <a:buChar char="•"/>
+        <a:defRPr sz="2000" kern="1200">
+          <a:solidFill>
+            <a:schemeClr val="tx1"/>
+          </a:solidFill>
+          <a:latin typeface="+mn-lt"/>
+          <a:ea typeface="+mn-ea"/>
+          <a:cs typeface="+mn-cs"/>
+        </a:defRPr>
+      </a:lvl8pPr>
+      <a:lvl9pPr marL="3886200" indent="-228600" algn="l" defTabSz="914400" rtl="0" eaLnBrk="1" latinLnBrk="0" hangingPunct="1">
+        <a:spcBef>
+          <a:spcPct val="20000"/>
+        </a:spcBef>
+        <a:buFont typeface="Arial" pitchFamily="34" charset="0"/>
+        <a:buChar char="•"/>
+        <a:defRPr sz="2000" kern="1200">
+          <a:solidFill>
+            <a:schemeClr val="tx1"/>
+          </a:solidFill>
+          <a:latin typeface="+mn-lt"/>
+          <a:ea typeface="+mn-ea"/>
+          <a:cs typeface="+mn-cs"/>
+        </a:defRPr>
+      </a:lvl9pPr>
+    </p:bodyStyle>
+    <p:otherStyle>
+      <a:defPPr>
+        <a:defRPr lang="en-US"/>
+      </a:defPPr>
+      <a:lvl1pPr marL="0" algn="l" defTabSz="914400" rtl="0" eaLnBrk="1" latinLnBrk="0" hangingPunct="1">
+        <a:defRPr sz="1800" kern="1200">
+          <a:solidFill>
+            <a:schemeClr val="tx1"/>
+          </a:solidFill>
+          <a:latin typeface="+mn-lt"/>
+          <a:ea typeface="+mn-ea"/>
+          <a:cs typeface="+mn-cs"/>
+        </a:defRPr>
+      </a:lvl1pPr>
+      <a:lvl2pPr marL="457200" algn="l" defTabSz="914400" rtl="0" eaLnBrk="1" latinLnBrk="0" hangingPunct="1">
+        <a:defRPr sz="1800" kern="1200">
+          <a:solidFill>
+            <a:schemeClr val="tx1"/>
+          </a:solidFill>
+          <a:latin typeface="+mn-lt"/>
+          <a:ea typeface="+mn-ea"/>
+          <a:cs typeface="+mn-cs"/>
+        </a:defRPr>
+      </a:lvl2pPr>
+      <a:lvl3pPr marL="914400" algn="l" defTabSz="914400" rtl="0" eaLnBrk="1" latinLnBrk="0" hangingPunct="1">
+        <a:defRPr sz="1800" kern="1200">
+          <a:solidFill>
+            <a:schemeClr val="tx1"/>
+          </a:solidFill>
+          <a:latin typeface="+mn-lt"/>
+          <a:ea typeface="+mn-ea"/>
+          <a:cs typeface="+mn-cs"/>
+        </a:defRPr>
+      </a:lvl3pPr>
+      <a:lvl4pPr marL="1371600" algn="l" defTabSz="914400" rtl="0" eaLnBrk="1" latinLnBrk="0" hangingPunct="1">
+        <a:defRPr sz="1800" kern="1200">
+          <a:solidFill>
+            <a:schemeClr val="tx1"/>
+          </a:solidFill>
+          <a:latin typeface="+mn-lt"/>
+          <a:ea typeface="+mn-ea"/>
+          <a:cs typeface="+mn-cs"/>
+        </a:defRPr>
+      </a:lvl4pPr>
+      <a:lvl5pPr marL="1828800" algn="l" defTabSz="914400" rtl="0" eaLnBrk="1" latinLnBrk="0" hangingPunct="1">
+        <a:defRPr sz="1800" kern="1200">
+          <a:solidFill>
+            <a:schemeClr val="tx1"/>
+          </a:solidFill>
+          <a:latin typeface="+mn-lt"/>
+          <a:ea typeface="+mn-ea"/>
+          <a:cs typeface="+mn-cs"/>
+        </a:defRPr>
+      </a:lvl5pPr>
+      <a:lvl6pPr marL="2286000" algn="l" defTabSz="914400" rtl="0" eaLnBrk="1" latinLnBrk="0" hangingPunct="1">
+        <a:defRPr sz="1800" kern="1200">
+          <a:solidFill>
+            <a:schemeClr val="tx1"/>
+          </a:solidFill>
+          <a:latin typeface="+mn-lt"/>
+          <a:ea typeface="+mn-ea"/>
+          <a:cs typeface="+mn-cs"/>
+        </a:defRPr>
+      </a:lvl6pPr>
+      <a:lvl7pPr marL="2743200" algn="l" defTabSz="914400" rtl="0" eaLnBrk="1" latinLnBrk="0" hangingPunct="1">
+        <a:defRPr sz="1800" kern="1200">
+          <a:solidFill>
+            <a:schemeClr val="tx1"/>
+          </a:solidFill>
+          <a:latin typeface="+mn-lt"/>
+          <a:ea typeface="+mn-ea"/>
+          <a:cs typeface="+mn-cs"/>
+        </a:defRPr>
+      </a:lvl7pPr>
+      <a:lvl8pPr marL="3200400" algn="l" defTabSz="914400" rtl="0" eaLnBrk="1" latinLnBrk="0" hangingPunct="1">
+        <a:defRPr sz="1800" kern="1200">
+          <a:solidFill>
+            <a:schemeClr val="tx1"/>
+          </a:solidFill>
+          <a:latin typeface="+mn-lt"/>
+          <a:ea typeface="+mn-ea"/>
+          <a:cs typeface="+mn-cs"/>
+        </a:defRPr>
+      </a:lvl8pPr>
+      <a:lvl9pPr marL="3657600" algn="l" defTabSz="914400" rtl="0" eaLnBrk="1" latinLnBrk="0" hangingPunct="1">
+        <a:defRPr sz="1800" kern="1200">
+          <a:solidFill>
+            <a:schemeClr val="tx1"/>
+          </a:solidFill>
+          <a:latin typeface="+mn-lt"/>
+          <a:ea typeface="+mn-ea"/>
+          <a:cs typeface="+mn-cs"/>
+        </a:defRPr>
+      </a:lvl9pPr>
+    </p:otherStyle>
+  </p:txStyles>
+</p:sldMaster>
+</file>
+
+<file path=ppt/slideMasters/slideMaster2.xml><?xml version="1.0" encoding="utf-8"?>
+<p:sldMaster xmlns:a="http://schemas.openxmlformats.org/drawingml/2006/main" xmlns:r="http://schemas.openxmlformats.org/officeDocument/2006/relationships" xmlns:p="http://schemas.openxmlformats.org/presentationml/2006/main">
+  <p:cSld>
+    <p:bg>
+      <p:bgRef idx="1001">
+        <a:schemeClr val="bg1"/>
+      </p:bgRef>
+    </p:bg>
+    <p:spTree>
+      <p:nvGrpSpPr>
+        <p:cNvPr id="1" name=""/>
+        <p:cNvGrpSpPr/>
+        <p:nvPr/>
+      </p:nvGrpSpPr>
+      <p:grpSpPr>
+        <a:xfrm>
+          <a:off x="0" y="0"/>
+          <a:ext cx="0" cy="0"/>
+          <a:chOff x="0" y="0"/>
+          <a:chExt cx="0" cy="0"/>
+        </a:xfrm>
+      </p:grpSpPr>
+      <p:sp>
+        <p:nvSpPr>
+          <p:cNvPr id="2" name="Title Placeholder 1"/>
+          <p:cNvSpPr>
+            <a:spLocks noGrp="1"/>
+          </p:cNvSpPr>
+          <p:nvPr>
+            <p:ph type="title"/>
+          </p:nvPr>
+        </p:nvSpPr>
+        <p:spPr>
+          <a:xfrm>
+            <a:off x="457200" y="274638"/>
+            <a:ext cx="8229600" cy="1143000"/>
+          </a:xfrm>
+          <a:prstGeom prst="rect">
+            <a:avLst/>
+          </a:prstGeom>
+        </p:spPr>
+        <p:txBody>
+          <a:bodyPr vert="horz" lIns="91440" tIns="45720" rIns="91440" bIns="45720" rtlCol="0" anchor="ctr">
+            <a:normAutofit/>
+          </a:bodyPr>
+          <a:lstStyle/>
+          <a:p>
+            <a:r>
+              <a:rPr lang="en-US" smtClean="0"/>
+              <a:t>Click to edit Master title style</a:t>
+            </a:r>
+            <a:endParaRPr lang="en-US"/>
+          </a:p>
+        </p:txBody>
+      </p:sp>
+      <p:sp>
+        <p:nvSpPr>
+          <p:cNvPr id="3" name="Text Placeholder 2"/>
+          <p:cNvSpPr>
+            <a:spLocks noGrp="1"/>
+          </p:cNvSpPr>
+          <p:nvPr>
+            <p:ph type="body" idx="1"/>
+          </p:nvPr>
+        </p:nvSpPr>
+        <p:spPr>
+          <a:xfrm>
+            <a:off x="457200" y="1600200"/>
+            <a:ext cx="8229600" cy="4525963"/>
+          </a:xfrm>
+          <a:prstGeom prst="rect">
+            <a:avLst/>
+          </a:prstGeom>
+        </p:spPr>
+        <p:txBody>
+          <a:bodyPr vert="horz" lIns="91440" tIns="45720" rIns="91440" bIns="45720" rtlCol="0">
+            <a:normAutofit/>
+          </a:bodyPr>
+          <a:lstStyle/>
+          <a:p>
+            <a:pPr lvl="0"/>
+            <a:r>
+              <a:rPr lang="en-US" smtClean="0"/>
+              <a:t>Click to edit Master text styles</a:t>
+            </a:r>
+          </a:p>
+          <a:p>
+            <a:pPr lvl="1"/>
+            <a:r>
+              <a:rPr lang="en-US" smtClean="0"/>
+              <a:t>Second level</a:t>
+            </a:r>
+          </a:p>
+          <a:p>
+            <a:pPr lvl="2"/>
+            <a:r>
+              <a:rPr lang="en-US" smtClean="0"/>
+              <a:t>Third level</a:t>
+            </a:r>
+          </a:p>
+          <a:p>
+            <a:pPr lvl="3"/>
+            <a:r>
+              <a:rPr lang="en-US" smtClean="0"/>
+              <a:t>Fourth level</a:t>
+            </a:r>
+          </a:p>
+          <a:p>
+            <a:pPr lvl="4"/>
+            <a:r>
+              <a:rPr lang="en-US" smtClean="0"/>
+              <a:t>Fifth level</a:t>
+            </a:r>
+            <a:endParaRPr lang="en-US"/>
+          </a:p>
+        </p:txBody>
+      </p:sp>
+      <p:sp>
+        <p:nvSpPr>
+          <p:cNvPr id="4" name="Date Placeholder 3"/>
+          <p:cNvSpPr>
+            <a:spLocks noGrp="1"/>
+          </p:cNvSpPr>
+          <p:nvPr>
+            <p:ph type="dt" sz="half" idx="2"/>
+          </p:nvPr>
+        </p:nvSpPr>
+        <p:spPr>
+          <a:xfrm>
+            <a:off x="457200" y="6356350"/>
+            <a:ext cx="2133600" cy="365125"/>
+          </a:xfrm>
+          <a:prstGeom prst="rect">
+            <a:avLst/>
+          </a:prstGeom>
+        </p:spPr>
+        <p:txBody>
+          <a:bodyPr vert="horz" lIns="91440" tIns="45720" rIns="91440" bIns="45720" rtlCol="0" anchor="ctr"/>
+          <a:lstStyle>
+            <a:lvl1pPr algn="l">
+              <a:defRPr sz="1200">
+                <a:solidFill>
+                  <a:schemeClr val="tx1">
+                    <a:tint val="75000"/>
+                  </a:schemeClr>
+                </a:solidFill>
+              </a:defRPr>
+            </a:lvl1pPr>
+          </a:lstStyle>
+          <a:p>
+            <a:fld id="{E0D9B2BB-D8DA-445C-B90C-3FC86C1E58D0}" type="datetimeFigureOut">
+              <a:rPr lang="en-US" smtClean="0">
+                <a:solidFill>
+                  <a:prstClr val="black">
+                    <a:tint val="75000"/>
+                  </a:prstClr>
+                </a:solidFill>
+              </a:rPr>
+              <a:pPr/>
+              <a:t>10/10/2013</a:t>
+            </a:fld>
+            <a:endParaRPr lang="en-US">
+              <a:solidFill>
+                <a:prstClr val="black">
+                  <a:tint val="75000"/>
+                </a:prstClr>
+              </a:solidFill>
+            </a:endParaRPr>
+          </a:p>
+        </p:txBody>
+      </p:sp>
+      <p:sp>
+        <p:nvSpPr>
+          <p:cNvPr id="5" name="Footer Placeholder 4"/>
+          <p:cNvSpPr>
+            <a:spLocks noGrp="1"/>
+          </p:cNvSpPr>
+          <p:nvPr>
+            <p:ph type="ftr" sz="quarter" idx="3"/>
+          </p:nvPr>
+        </p:nvSpPr>
+        <p:spPr>
+          <a:xfrm>
+            <a:off x="3124200" y="6356350"/>
+            <a:ext cx="2895600" cy="365125"/>
+          </a:xfrm>
+          <a:prstGeom prst="rect">
+            <a:avLst/>
+          </a:prstGeom>
+        </p:spPr>
+        <p:txBody>
+          <a:bodyPr vert="horz" lIns="91440" tIns="45720" rIns="91440" bIns="45720" rtlCol="0" anchor="ctr"/>
+          <a:lstStyle>
+            <a:lvl1pPr algn="ctr">
+              <a:defRPr sz="1200">
+                <a:solidFill>
+                  <a:schemeClr val="tx1">
+                    <a:tint val="75000"/>
+                  </a:schemeClr>
+                </a:solidFill>
+              </a:defRPr>
+            </a:lvl1pPr>
+          </a:lstStyle>
+          <a:p>
+            <a:endParaRPr lang="en-US">
+              <a:solidFill>
+                <a:prstClr val="black">
+                  <a:tint val="75000"/>
+                </a:prstClr>
+              </a:solidFill>
+            </a:endParaRPr>
+          </a:p>
+        </p:txBody>
+      </p:sp>
+      <p:sp>
+        <p:nvSpPr>
+          <p:cNvPr id="6" name="Slide Number Placeholder 5"/>
+          <p:cNvSpPr>
+            <a:spLocks noGrp="1"/>
+          </p:cNvSpPr>
+          <p:nvPr>
+            <p:ph type="sldNum" sz="quarter" idx="4"/>
+          </p:nvPr>
+        </p:nvSpPr>
+        <p:spPr>
+          <a:xfrm>
+            <a:off x="6553200" y="6356350"/>
+            <a:ext cx="2133600" cy="365125"/>
+          </a:xfrm>
+          <a:prstGeom prst="rect">
+            <a:avLst/>
+          </a:prstGeom>
+        </p:spPr>
+        <p:txBody>
+          <a:bodyPr vert="horz" lIns="91440" tIns="45720" rIns="91440" bIns="45720" rtlCol="0" anchor="ctr"/>
+          <a:lstStyle>
+            <a:lvl1pPr algn="r">
+              <a:defRPr sz="1200">
+                <a:solidFill>
+                  <a:schemeClr val="tx1">
+                    <a:tint val="75000"/>
+                  </a:schemeClr>
+                </a:solidFill>
+              </a:defRPr>
+            </a:lvl1pPr>
+          </a:lstStyle>
+          <a:p>
+            <a:fld id="{95363435-1BF5-4611-9643-A610D193F827}" type="slidenum">
+              <a:rPr lang="en-US" smtClean="0">
+                <a:solidFill>
+                  <a:prstClr val="black">
+                    <a:tint val="75000"/>
+                  </a:prstClr>
+                </a:solidFill>
+              </a:rPr>
+              <a:pPr/>
+              <a:t>‹#›</a:t>
+            </a:fld>
+            <a:endParaRPr lang="en-US">
+              <a:solidFill>
+                <a:prstClr val="black">
+                  <a:tint val="75000"/>
+                </a:prstClr>
+              </a:solidFill>
+            </a:endParaRPr>
+          </a:p>
+        </p:txBody>
+      </p:sp>
+    </p:spTree>
+    <p:extLst>
+      <p:ext uri="{BB962C8B-B14F-4D97-AF65-F5344CB8AC3E}">
+        <p14:creationId xmlns:p14="http://schemas.microsoft.com/office/powerpoint/2010/main" val="1865918634"/>
+      </p:ext>
+    </p:extLst>
+  </p:cSld>
+  <p:clrMap bg1="lt1" tx1="dk1" bg2="lt2" tx2="dk2" accent1="accent1" accent2="accent2" accent3="accent3" accent4="accent4" accent5="accent5" accent6="accent6" hlink="hlink" folHlink="folHlink"/>
+  <p:sldLayoutIdLst>
+    <p:sldLayoutId id="2147483661" r:id="rId1"/>
+    <p:sldLayoutId id="2147483662" r:id="rId2"/>
+    <p:sldLayoutId id="2147483663" r:id="rId3"/>
+    <p:sldLayoutId id="2147483664" r:id="rId4"/>
+    <p:sldLayoutId id="2147483665" r:id="rId5"/>
+    <p:sldLayoutId id="2147483666" r:id="rId6"/>
+    <p:sldLayoutId id="2147483667" r:id="rId7"/>
+    <p:sldLayoutId id="2147483668" r:id="rId8"/>
+    <p:sldLayoutId id="2147483669" r:id="rId9"/>
+    <p:sldLayoutId id="2147483670" r:id="rId10"/>
+    <p:sldLayoutId id="2147483671" r:id="rId11"/>
   </p:sldLayoutIdLst>
   <p:txStyles>
     <p:titleStyle>
@@ -3062,157 +6862,149 @@
       </p:grpSpPr>
       <p:sp>
         <p:nvSpPr>
-          <p:cNvPr id="4" name="TextBox 3"/>
-          <p:cNvSpPr txBox="1"/>
-          <p:nvPr/>
+          <p:cNvPr id="2" name="Title 1"/>
+          <p:cNvSpPr>
+            <a:spLocks noGrp="1"/>
+          </p:cNvSpPr>
+          <p:nvPr>
+            <p:ph type="title"/>
+          </p:nvPr>
+        </p:nvSpPr>
+        <p:spPr/>
+        <p:txBody>
+          <a:bodyPr/>
+          <a:lstStyle/>
+          <a:p>
+            <a:r>
+              <a:rPr lang="en-US" dirty="0" smtClean="0"/>
+              <a:t>Build Status Page &amp; Builds</a:t>
+            </a:r>
+            <a:endParaRPr lang="en-US" dirty="0"/>
+          </a:p>
+        </p:txBody>
+      </p:sp>
+      <p:sp>
+        <p:nvSpPr>
+          <p:cNvPr id="3" name="Content Placeholder 2"/>
+          <p:cNvSpPr>
+            <a:spLocks noGrp="1"/>
+          </p:cNvSpPr>
+          <p:nvPr>
+            <p:ph idx="1"/>
+          </p:nvPr>
         </p:nvSpPr>
         <p:spPr>
           <a:xfrm>
-            <a:off x="609600" y="1524000"/>
-            <a:ext cx="7848600" cy="3693319"/>
+            <a:off x="685800" y="1371600"/>
+            <a:ext cx="8001000" cy="4525963"/>
           </a:xfrm>
-          <a:prstGeom prst="rect">
-            <a:avLst/>
-          </a:prstGeom>
-          <a:noFill/>
         </p:spPr>
         <p:txBody>
-          <a:bodyPr wrap="square" rtlCol="0">
-            <a:spAutoFit/>
+          <a:bodyPr>
+            <a:normAutofit fontScale="92500" lnSpcReduction="20000"/>
           </a:bodyPr>
           <a:lstStyle/>
           <a:p>
-            <a:pPr marL="742950" lvl="1" indent="-285750">
+            <a:pPr marL="400050">
               <a:lnSpc>
                 <a:spcPct val="150000"/>
               </a:lnSpc>
-              <a:buFont typeface="Wingdings" pitchFamily="2" charset="2"/>
-              <a:buChar char="Ø"/>
             </a:pPr>
             <a:r>
-              <a:rPr lang="en-US" sz="2400" dirty="0" err="1"/>
-              <a:t>Ondemand</a:t>
-            </a:r>
-            <a:r>
-              <a:rPr lang="en-US" sz="2400" dirty="0"/>
-              <a:t> builds</a:t>
-            </a:r>
-          </a:p>
-          <a:p>
-            <a:pPr marL="1257300" lvl="2" indent="-342900">
+              <a:rPr lang="en-US" dirty="0"/>
+              <a:t>Build Status Page</a:t>
+            </a:r>
+          </a:p>
+          <a:p>
+            <a:pPr lvl="1"/>
+            <a:r>
+              <a:rPr lang="en-US" dirty="0" smtClean="0"/>
+              <a:t>Builds status</a:t>
+            </a:r>
+            <a:endParaRPr lang="en-US" dirty="0"/>
+          </a:p>
+          <a:p>
+            <a:pPr lvl="1"/>
+            <a:r>
+              <a:rPr lang="en-US" dirty="0" smtClean="0"/>
+              <a:t>Deploy status</a:t>
+            </a:r>
+          </a:p>
+          <a:p>
+            <a:pPr lvl="1"/>
+            <a:r>
+              <a:rPr lang="en-US" dirty="0" smtClean="0"/>
+              <a:t>Test status</a:t>
+            </a:r>
+            <a:endParaRPr lang="en-US" dirty="0"/>
+          </a:p>
+          <a:p>
+            <a:pPr marL="400050">
               <a:lnSpc>
                 <a:spcPct val="150000"/>
               </a:lnSpc>
-              <a:buFont typeface="Arial" pitchFamily="34" charset="0"/>
-              <a:buChar char="•"/>
             </a:pPr>
             <a:r>
-              <a:rPr lang="en-US" sz="2000" dirty="0" smtClean="0"/>
-              <a:t>Alert backend</a:t>
-            </a:r>
-          </a:p>
-          <a:p>
-            <a:pPr marL="742950" lvl="1" indent="-285750">
+              <a:rPr lang="en-US" dirty="0" smtClean="0"/>
+              <a:t>Ondemand </a:t>
+            </a:r>
+            <a:r>
+              <a:rPr lang="en-US" dirty="0"/>
+              <a:t>builds</a:t>
+            </a:r>
+          </a:p>
+          <a:p>
+            <a:pPr lvl="1"/>
+            <a:r>
+              <a:rPr lang="en-US" dirty="0" smtClean="0"/>
+              <a:t>Alert Backend</a:t>
+            </a:r>
+          </a:p>
+          <a:p>
+            <a:pPr marL="400050">
               <a:lnSpc>
                 <a:spcPct val="150000"/>
               </a:lnSpc>
-              <a:buFont typeface="Wingdings" pitchFamily="2" charset="2"/>
-              <a:buChar char="Ø"/>
             </a:pPr>
             <a:r>
-              <a:rPr lang="en-US" sz="2400" dirty="0" smtClean="0"/>
+              <a:rPr lang="en-US" dirty="0" smtClean="0"/>
               <a:t>Continuous builds</a:t>
             </a:r>
-          </a:p>
-          <a:p>
-            <a:pPr marL="1257300" lvl="2" indent="-342900">
-              <a:lnSpc>
-                <a:spcPct val="150000"/>
-              </a:lnSpc>
-              <a:buFont typeface="Arial" pitchFamily="34" charset="0"/>
-              <a:buChar char="•"/>
-            </a:pPr>
-            <a:r>
-              <a:rPr lang="en-US" sz="2000" dirty="0" smtClean="0"/>
-              <a:t>Alert backend</a:t>
-            </a:r>
-          </a:p>
-          <a:p>
-            <a:pPr marL="1257300" lvl="2" indent="-342900">
-              <a:lnSpc>
-                <a:spcPct val="150000"/>
-              </a:lnSpc>
-              <a:buFont typeface="Arial" pitchFamily="34" charset="0"/>
-              <a:buChar char="•"/>
-            </a:pPr>
-            <a:r>
-              <a:rPr lang="en-US" sz="2000" dirty="0" smtClean="0"/>
-              <a:t>Usher Web </a:t>
-            </a:r>
-          </a:p>
-          <a:p>
-            <a:pPr marL="800100" lvl="1" indent="-342900">
-              <a:lnSpc>
-                <a:spcPct val="150000"/>
-              </a:lnSpc>
-              <a:buFont typeface="Wingdings" pitchFamily="2" charset="2"/>
-              <a:buChar char="Ø"/>
-            </a:pPr>
-            <a:r>
-              <a:rPr lang="en-US" sz="2400" dirty="0" smtClean="0"/>
-              <a:t>Debug builds</a:t>
-            </a:r>
-          </a:p>
-          <a:p>
-            <a:pPr marL="1257300" lvl="2" indent="-342900">
-              <a:lnSpc>
-                <a:spcPct val="150000"/>
-              </a:lnSpc>
-              <a:buFont typeface="Arial" pitchFamily="34" charset="0"/>
-              <a:buChar char="•"/>
-            </a:pPr>
-            <a:r>
-              <a:rPr lang="en-US" sz="2000" dirty="0" smtClean="0"/>
-              <a:t>Usher Android</a:t>
-            </a:r>
-          </a:p>
-        </p:txBody>
-      </p:sp>
-      <p:sp>
-        <p:nvSpPr>
-          <p:cNvPr id="5" name="TextBox 4"/>
-          <p:cNvSpPr txBox="1"/>
-          <p:nvPr/>
-        </p:nvSpPr>
-        <p:spPr>
-          <a:xfrm>
-            <a:off x="2514600" y="609600"/>
-            <a:ext cx="4038600" cy="584775"/>
-          </a:xfrm>
-          <a:prstGeom prst="rect">
-            <a:avLst/>
-          </a:prstGeom>
-          <a:noFill/>
-        </p:spPr>
-        <p:txBody>
-          <a:bodyPr wrap="square" rtlCol="0">
-            <a:spAutoFit/>
-          </a:bodyPr>
-          <a:lstStyle/>
-          <a:p>
-            <a:pPr algn="ctr"/>
-            <a:r>
-              <a:rPr lang="en-US" sz="3200" dirty="0" smtClean="0"/>
-              <a:t>Builds</a:t>
-            </a:r>
-            <a:endParaRPr lang="en-US" sz="3200" dirty="0"/>
+            <a:endParaRPr lang="en-US" dirty="0"/>
+          </a:p>
+          <a:p>
+            <a:pPr lvl="1"/>
+            <a:r>
+              <a:rPr lang="en-US" dirty="0" smtClean="0"/>
+              <a:t>Alert Backend</a:t>
+            </a:r>
+            <a:endParaRPr lang="en-US" dirty="0"/>
+          </a:p>
+          <a:p>
+            <a:pPr lvl="1"/>
+            <a:r>
+              <a:rPr lang="en-US" dirty="0" smtClean="0"/>
+              <a:t>Usher Web</a:t>
+            </a:r>
+            <a:endParaRPr lang="en-US" dirty="0"/>
+          </a:p>
+          <a:p>
+            <a:pPr lvl="1"/>
+            <a:endParaRPr lang="en-US" dirty="0" smtClean="0"/>
+          </a:p>
+          <a:p>
+            <a:pPr lvl="1"/>
+            <a:endParaRPr lang="en-US" dirty="0"/>
+          </a:p>
+          <a:p>
+            <a:endParaRPr lang="en-US" dirty="0"/>
           </a:p>
         </p:txBody>
       </p:sp>
     </p:spTree>
     <p:extLst>
       <p:ext uri="{BB962C8B-B14F-4D97-AF65-F5344CB8AC3E}">
-        <p14:creationId xmlns:p14="http://schemas.microsoft.com/office/powerpoint/2010/main" val="184851219"/>
+        <p14:creationId xmlns:p14="http://schemas.microsoft.com/office/powerpoint/2010/main" val="4069065774"/>
       </p:ext>
     </p:extLst>
   </p:cSld>
@@ -3239,10 +7031,585 @@
           <a:chExt cx="0" cy="0"/>
         </a:xfrm>
       </p:grpSpPr>
+      <p:sp>
+        <p:nvSpPr>
+          <p:cNvPr id="2" name="Title 1"/>
+          <p:cNvSpPr>
+            <a:spLocks noGrp="1"/>
+          </p:cNvSpPr>
+          <p:nvPr>
+            <p:ph type="title"/>
+          </p:nvPr>
+        </p:nvSpPr>
+        <p:spPr>
+          <a:xfrm>
+            <a:off x="457200" y="274638"/>
+            <a:ext cx="8229600" cy="792162"/>
+          </a:xfrm>
+        </p:spPr>
+        <p:txBody>
+          <a:bodyPr>
+            <a:normAutofit/>
+          </a:bodyPr>
+          <a:lstStyle/>
+          <a:p>
+            <a:r>
+              <a:rPr lang="en-US" sz="4000" dirty="0" smtClean="0"/>
+              <a:t>Build Status Page</a:t>
+            </a:r>
+            <a:endParaRPr lang="en-US" sz="4000" dirty="0"/>
+          </a:p>
+        </p:txBody>
+      </p:sp>
+      <p:sp>
+        <p:nvSpPr>
+          <p:cNvPr id="9" name="Content Placeholder 2"/>
+          <p:cNvSpPr>
+            <a:spLocks noGrp="1"/>
+          </p:cNvSpPr>
+          <p:nvPr>
+            <p:ph idx="1"/>
+          </p:nvPr>
+        </p:nvSpPr>
+        <p:spPr>
+          <a:xfrm>
+            <a:off x="457200" y="1371600"/>
+            <a:ext cx="8229600" cy="4525963"/>
+          </a:xfrm>
+        </p:spPr>
+        <p:txBody>
+          <a:bodyPr>
+            <a:normAutofit/>
+          </a:bodyPr>
+          <a:lstStyle/>
+          <a:p>
+            <a:pPr lvl="1">
+              <a:buFont typeface="Arial" pitchFamily="34" charset="0"/>
+              <a:buChar char="•"/>
+            </a:pPr>
+            <a:r>
+              <a:rPr lang="en-US" dirty="0" smtClean="0"/>
+              <a:t>Builds Creation </a:t>
+            </a:r>
+          </a:p>
+          <a:p>
+            <a:pPr lvl="1">
+              <a:buFont typeface="Arial" pitchFamily="34" charset="0"/>
+              <a:buChar char="•"/>
+            </a:pPr>
+            <a:r>
+              <a:rPr lang="en-US" dirty="0" smtClean="0"/>
+              <a:t>Deployment</a:t>
+            </a:r>
+          </a:p>
+          <a:p>
+            <a:pPr lvl="1">
+              <a:buFont typeface="Arial" pitchFamily="34" charset="0"/>
+              <a:buChar char="•"/>
+            </a:pPr>
+            <a:r>
+              <a:rPr lang="en-US" dirty="0" smtClean="0"/>
+              <a:t>View build/deploy/test status and history</a:t>
+            </a:r>
+          </a:p>
+          <a:p>
+            <a:pPr lvl="1">
+              <a:buFont typeface="Arial" pitchFamily="34" charset="0"/>
+              <a:buChar char="•"/>
+            </a:pPr>
+            <a:r>
+              <a:rPr lang="en-US" dirty="0" smtClean="0"/>
+              <a:t>Configure settings</a:t>
+            </a:r>
+          </a:p>
+          <a:p>
+            <a:pPr lvl="1">
+              <a:buFont typeface="Arial" pitchFamily="34" charset="0"/>
+              <a:buChar char="•"/>
+            </a:pPr>
+            <a:r>
+              <a:rPr lang="en-US" dirty="0" smtClean="0"/>
+              <a:t>Manage test URLs</a:t>
+            </a:r>
+          </a:p>
+          <a:p>
+            <a:pPr lvl="1">
+              <a:buFont typeface="Arial" pitchFamily="34" charset="0"/>
+              <a:buChar char="•"/>
+            </a:pPr>
+            <a:r>
+              <a:rPr lang="en-US" dirty="0" smtClean="0"/>
+              <a:t>Authentication</a:t>
+            </a:r>
+          </a:p>
+          <a:p>
+            <a:pPr lvl="1">
+              <a:buFont typeface="Arial" pitchFamily="34" charset="0"/>
+              <a:buChar char="•"/>
+            </a:pPr>
+            <a:r>
+              <a:rPr lang="en-US" dirty="0" smtClean="0"/>
+              <a:t>Subscribe </a:t>
+            </a:r>
+          </a:p>
+          <a:p>
+            <a:pPr lvl="1"/>
+            <a:endParaRPr lang="en-US" dirty="0" smtClean="0"/>
+          </a:p>
+          <a:p>
+            <a:pPr lvl="1"/>
+            <a:endParaRPr lang="en-US" dirty="0"/>
+          </a:p>
+          <a:p>
+            <a:endParaRPr lang="en-US" dirty="0"/>
+          </a:p>
+        </p:txBody>
+      </p:sp>
     </p:spTree>
     <p:extLst>
       <p:ext uri="{BB962C8B-B14F-4D97-AF65-F5344CB8AC3E}">
-        <p14:creationId xmlns:p14="http://schemas.microsoft.com/office/powerpoint/2010/main" val="1152972231"/>
+        <p14:creationId xmlns:p14="http://schemas.microsoft.com/office/powerpoint/2010/main" val="2805946593"/>
+      </p:ext>
+    </p:extLst>
+  </p:cSld>
+  <p:clrMapOvr>
+    <a:masterClrMapping/>
+  </p:clrMapOvr>
+</p:sld>
+</file>
+
+<file path=ppt/slides/slide3.xml><?xml version="1.0" encoding="utf-8"?>
+<p:sld xmlns:a="http://schemas.openxmlformats.org/drawingml/2006/main" xmlns:r="http://schemas.openxmlformats.org/officeDocument/2006/relationships" xmlns:p="http://schemas.openxmlformats.org/presentationml/2006/main">
+  <p:cSld>
+    <p:spTree>
+      <p:nvGrpSpPr>
+        <p:cNvPr id="1" name=""/>
+        <p:cNvGrpSpPr/>
+        <p:nvPr/>
+      </p:nvGrpSpPr>
+      <p:grpSpPr>
+        <a:xfrm>
+          <a:off x="0" y="0"/>
+          <a:ext cx="0" cy="0"/>
+          <a:chOff x="0" y="0"/>
+          <a:chExt cx="0" cy="0"/>
+        </a:xfrm>
+      </p:grpSpPr>
+      <p:sp>
+        <p:nvSpPr>
+          <p:cNvPr id="2" name="Title 1"/>
+          <p:cNvSpPr>
+            <a:spLocks noGrp="1"/>
+          </p:cNvSpPr>
+          <p:nvPr>
+            <p:ph type="title"/>
+          </p:nvPr>
+        </p:nvSpPr>
+        <p:spPr/>
+        <p:txBody>
+          <a:bodyPr/>
+          <a:lstStyle/>
+          <a:p>
+            <a:r>
+              <a:rPr lang="en-US" dirty="0" smtClean="0"/>
+              <a:t>Alert Ondemand Builds</a:t>
+            </a:r>
+            <a:endParaRPr lang="en-US" dirty="0"/>
+          </a:p>
+        </p:txBody>
+      </p:sp>
+      <p:sp>
+        <p:nvSpPr>
+          <p:cNvPr id="3" name="Content Placeholder 2"/>
+          <p:cNvSpPr>
+            <a:spLocks noGrp="1"/>
+          </p:cNvSpPr>
+          <p:nvPr>
+            <p:ph idx="1"/>
+          </p:nvPr>
+        </p:nvSpPr>
+        <p:spPr/>
+        <p:txBody>
+          <a:bodyPr>
+            <a:normAutofit/>
+          </a:bodyPr>
+          <a:lstStyle/>
+          <a:p>
+            <a:r>
+              <a:rPr lang="en-US" dirty="0" smtClean="0"/>
+              <a:t>Build creation (All-in-one build)</a:t>
+            </a:r>
+            <a:endParaRPr lang="en-US" sz="1800" dirty="0" smtClean="0"/>
+          </a:p>
+          <a:p>
+            <a:pPr lvl="1"/>
+            <a:r>
+              <a:rPr lang="en-US" sz="1800" dirty="0" smtClean="0"/>
+              <a:t>Same </a:t>
+            </a:r>
+            <a:r>
+              <a:rPr lang="en-US" sz="1800" dirty="0"/>
+              <a:t>build number to code, DB, settings, tests</a:t>
+            </a:r>
+          </a:p>
+          <a:p>
+            <a:pPr lvl="1"/>
+            <a:r>
+              <a:rPr lang="en-US" sz="1800" dirty="0"/>
+              <a:t>Pick up each components from different </a:t>
+            </a:r>
+            <a:r>
+              <a:rPr lang="en-US" sz="1800" dirty="0" smtClean="0"/>
+              <a:t>time</a:t>
+            </a:r>
+          </a:p>
+          <a:p>
+            <a:pPr lvl="1"/>
+            <a:r>
+              <a:rPr lang="en-US" sz="1800" dirty="0" smtClean="0"/>
+              <a:t>Create </a:t>
+            </a:r>
+            <a:r>
+              <a:rPr lang="en-US" sz="1800" dirty="0"/>
+              <a:t>build based on previous </a:t>
+            </a:r>
+            <a:r>
+              <a:rPr lang="en-US" sz="1800" dirty="0" smtClean="0"/>
+              <a:t>builds</a:t>
+            </a:r>
+          </a:p>
+          <a:p>
+            <a:r>
+              <a:rPr lang="en-US" dirty="0" smtClean="0"/>
+              <a:t>Deployment</a:t>
+            </a:r>
+            <a:endParaRPr lang="en-US" sz="1800" dirty="0"/>
+          </a:p>
+          <a:p>
+            <a:pPr lvl="1"/>
+            <a:r>
+              <a:rPr lang="en-US" sz="1800" dirty="0" smtClean="0"/>
+              <a:t>Deploy </a:t>
+            </a:r>
+            <a:r>
+              <a:rPr lang="en-US" sz="1800" dirty="0"/>
+              <a:t>builds</a:t>
+            </a:r>
+          </a:p>
+          <a:p>
+            <a:pPr lvl="1"/>
+            <a:r>
+              <a:rPr lang="en-US" sz="1800" dirty="0" smtClean="0"/>
+              <a:t>Send </a:t>
+            </a:r>
+            <a:r>
+              <a:rPr lang="en-US" sz="1800" dirty="0"/>
+              <a:t>deploy </a:t>
+            </a:r>
+            <a:r>
+              <a:rPr lang="en-US" sz="1800" dirty="0" smtClean="0"/>
+              <a:t>status </a:t>
+            </a:r>
+          </a:p>
+          <a:p>
+            <a:r>
+              <a:rPr lang="en-US" dirty="0" smtClean="0"/>
+              <a:t>Trigger tests</a:t>
+            </a:r>
+            <a:endParaRPr lang="en-US" sz="1800" dirty="0" smtClean="0"/>
+          </a:p>
+          <a:p>
+            <a:pPr lvl="1"/>
+            <a:r>
+              <a:rPr lang="en-US" sz="1800" dirty="0" smtClean="0"/>
+              <a:t>Auto/Manual </a:t>
+            </a:r>
+            <a:r>
+              <a:rPr lang="en-US" sz="1800" dirty="0"/>
+              <a:t>trigger tests</a:t>
+            </a:r>
+          </a:p>
+          <a:p>
+            <a:pPr lvl="1"/>
+            <a:r>
+              <a:rPr lang="en-US" sz="1800" dirty="0" smtClean="0"/>
+              <a:t>Send </a:t>
+            </a:r>
+            <a:r>
+              <a:rPr lang="en-US" sz="1800" dirty="0"/>
+              <a:t>test results</a:t>
+            </a:r>
+            <a:endParaRPr lang="en-US" dirty="0"/>
+          </a:p>
+          <a:p>
+            <a:pPr lvl="1"/>
+            <a:endParaRPr lang="en-US" sz="1800" dirty="0"/>
+          </a:p>
+          <a:p>
+            <a:pPr lvl="1"/>
+            <a:endParaRPr lang="en-US" dirty="0"/>
+          </a:p>
+          <a:p>
+            <a:endParaRPr lang="en-US" dirty="0"/>
+          </a:p>
+        </p:txBody>
+      </p:sp>
+    </p:spTree>
+    <p:extLst>
+      <p:ext uri="{BB962C8B-B14F-4D97-AF65-F5344CB8AC3E}">
+        <p14:creationId xmlns:p14="http://schemas.microsoft.com/office/powerpoint/2010/main" val="1678721405"/>
+      </p:ext>
+    </p:extLst>
+  </p:cSld>
+  <p:clrMapOvr>
+    <a:masterClrMapping/>
+  </p:clrMapOvr>
+</p:sld>
+</file>
+
+<file path=ppt/slides/slide4.xml><?xml version="1.0" encoding="utf-8"?>
+<p:sld xmlns:a="http://schemas.openxmlformats.org/drawingml/2006/main" xmlns:r="http://schemas.openxmlformats.org/officeDocument/2006/relationships" xmlns:p="http://schemas.openxmlformats.org/presentationml/2006/main">
+  <p:cSld>
+    <p:spTree>
+      <p:nvGrpSpPr>
+        <p:cNvPr id="1" name=""/>
+        <p:cNvGrpSpPr/>
+        <p:nvPr/>
+      </p:nvGrpSpPr>
+      <p:grpSpPr>
+        <a:xfrm>
+          <a:off x="0" y="0"/>
+          <a:ext cx="0" cy="0"/>
+          <a:chOff x="0" y="0"/>
+          <a:chExt cx="0" cy="0"/>
+        </a:xfrm>
+      </p:grpSpPr>
+      <p:sp>
+        <p:nvSpPr>
+          <p:cNvPr id="2" name="Title 1"/>
+          <p:cNvSpPr>
+            <a:spLocks noGrp="1"/>
+          </p:cNvSpPr>
+          <p:nvPr>
+            <p:ph type="title"/>
+          </p:nvPr>
+        </p:nvSpPr>
+        <p:spPr/>
+        <p:txBody>
+          <a:bodyPr/>
+          <a:lstStyle/>
+          <a:p>
+            <a:r>
+              <a:rPr lang="en-US" dirty="0" smtClean="0"/>
+              <a:t>Continuous Builds</a:t>
+            </a:r>
+            <a:endParaRPr lang="en-US" dirty="0"/>
+          </a:p>
+        </p:txBody>
+      </p:sp>
+      <p:sp>
+        <p:nvSpPr>
+          <p:cNvPr id="3" name="Content Placeholder 2"/>
+          <p:cNvSpPr>
+            <a:spLocks noGrp="1"/>
+          </p:cNvSpPr>
+          <p:nvPr>
+            <p:ph idx="1"/>
+          </p:nvPr>
+        </p:nvSpPr>
+        <p:spPr>
+          <a:xfrm>
+            <a:off x="457200" y="1600200"/>
+            <a:ext cx="8382000" cy="4525963"/>
+          </a:xfrm>
+        </p:spPr>
+        <p:txBody>
+          <a:bodyPr>
+            <a:normAutofit/>
+          </a:bodyPr>
+          <a:lstStyle/>
+          <a:p>
+            <a:r>
+              <a:rPr lang="en-US" dirty="0" smtClean="0"/>
+              <a:t>Trigger continuous builds</a:t>
+            </a:r>
+          </a:p>
+          <a:p>
+            <a:pPr lvl="1"/>
+            <a:r>
+              <a:rPr lang="en-US" sz="2400" dirty="0"/>
+              <a:t>Detect </a:t>
+            </a:r>
+            <a:r>
+              <a:rPr lang="en-US" sz="2400" dirty="0" smtClean="0"/>
+              <a:t>changes</a:t>
+            </a:r>
+          </a:p>
+          <a:p>
+            <a:r>
+              <a:rPr lang="en-US" dirty="0" smtClean="0"/>
+              <a:t>Deploy builds</a:t>
+            </a:r>
+            <a:endParaRPr lang="en-US" dirty="0"/>
+          </a:p>
+          <a:p>
+            <a:pPr lvl="1"/>
+            <a:r>
+              <a:rPr lang="en-US" sz="2400" dirty="0" smtClean="0"/>
+              <a:t>New environment for each run </a:t>
+            </a:r>
+            <a:endParaRPr lang="en-US" sz="2400" dirty="0"/>
+          </a:p>
+          <a:p>
+            <a:r>
+              <a:rPr lang="en-US" dirty="0" smtClean="0"/>
+              <a:t>Unit </a:t>
+            </a:r>
+            <a:r>
+              <a:rPr lang="en-US" dirty="0"/>
+              <a:t>test and sanity test for each </a:t>
+            </a:r>
+            <a:r>
+              <a:rPr lang="en-US" dirty="0" smtClean="0"/>
+              <a:t>check-in batch</a:t>
+            </a:r>
+            <a:endParaRPr lang="en-US" dirty="0"/>
+          </a:p>
+          <a:p>
+            <a:pPr lvl="1"/>
+            <a:r>
+              <a:rPr lang="en-US" sz="2400" dirty="0"/>
+              <a:t>Detect issues in early stage</a:t>
+            </a:r>
+          </a:p>
+          <a:p>
+            <a:pPr lvl="1"/>
+            <a:r>
+              <a:rPr lang="en-US" sz="2400" dirty="0"/>
+              <a:t>Get result within 20 </a:t>
+            </a:r>
+            <a:r>
+              <a:rPr lang="en-US" sz="2400" dirty="0" smtClean="0"/>
+              <a:t>minutes</a:t>
+            </a:r>
+          </a:p>
+          <a:p>
+            <a:pPr lvl="1"/>
+            <a:r>
+              <a:rPr lang="en-US" sz="2400" dirty="0" smtClean="0"/>
+              <a:t>Analyze test result and send email</a:t>
+            </a:r>
+            <a:endParaRPr lang="en-US" sz="2400" dirty="0"/>
+          </a:p>
+          <a:p>
+            <a:pPr lvl="1"/>
+            <a:r>
+              <a:rPr lang="en-US" sz="2400" dirty="0"/>
+              <a:t>Fix </a:t>
+            </a:r>
+            <a:r>
+              <a:rPr lang="en-US" sz="2400" dirty="0" smtClean="0"/>
+              <a:t>issues </a:t>
+            </a:r>
+            <a:endParaRPr lang="en-US" sz="2400" dirty="0"/>
+          </a:p>
+          <a:p>
+            <a:endParaRPr lang="en-US" dirty="0"/>
+          </a:p>
+        </p:txBody>
+      </p:sp>
+    </p:spTree>
+    <p:extLst>
+      <p:ext uri="{BB962C8B-B14F-4D97-AF65-F5344CB8AC3E}">
+        <p14:creationId xmlns:p14="http://schemas.microsoft.com/office/powerpoint/2010/main" val="1826830604"/>
+      </p:ext>
+    </p:extLst>
+  </p:cSld>
+  <p:clrMapOvr>
+    <a:masterClrMapping/>
+  </p:clrMapOvr>
+</p:sld>
+</file>
+
+<file path=ppt/slides/slide5.xml><?xml version="1.0" encoding="utf-8"?>
+<p:sld xmlns:a="http://schemas.openxmlformats.org/drawingml/2006/main" xmlns:r="http://schemas.openxmlformats.org/officeDocument/2006/relationships" xmlns:p="http://schemas.openxmlformats.org/presentationml/2006/main">
+  <p:cSld>
+    <p:spTree>
+      <p:nvGrpSpPr>
+        <p:cNvPr id="1" name=""/>
+        <p:cNvGrpSpPr/>
+        <p:nvPr/>
+      </p:nvGrpSpPr>
+      <p:grpSpPr>
+        <a:xfrm>
+          <a:off x="0" y="0"/>
+          <a:ext cx="0" cy="0"/>
+          <a:chOff x="0" y="0"/>
+          <a:chExt cx="0" cy="0"/>
+        </a:xfrm>
+      </p:grpSpPr>
+      <p:sp>
+        <p:nvSpPr>
+          <p:cNvPr id="2" name="Title 1"/>
+          <p:cNvSpPr>
+            <a:spLocks noGrp="1"/>
+          </p:cNvSpPr>
+          <p:nvPr>
+            <p:ph type="title"/>
+          </p:nvPr>
+        </p:nvSpPr>
+        <p:spPr/>
+        <p:txBody>
+          <a:bodyPr/>
+          <a:lstStyle/>
+          <a:p>
+            <a:r>
+              <a:rPr lang="en-US" dirty="0" smtClean="0"/>
+              <a:t>Future Plan</a:t>
+            </a:r>
+            <a:endParaRPr lang="en-US" dirty="0"/>
+          </a:p>
+        </p:txBody>
+      </p:sp>
+      <p:sp>
+        <p:nvSpPr>
+          <p:cNvPr id="3" name="Content Placeholder 2"/>
+          <p:cNvSpPr>
+            <a:spLocks noGrp="1"/>
+          </p:cNvSpPr>
+          <p:nvPr>
+            <p:ph idx="1"/>
+          </p:nvPr>
+        </p:nvSpPr>
+        <p:spPr/>
+        <p:txBody>
+          <a:bodyPr/>
+          <a:lstStyle/>
+          <a:p>
+            <a:r>
+              <a:rPr lang="en-US" dirty="0" smtClean="0"/>
+              <a:t>Improve the continuous builds</a:t>
+            </a:r>
+          </a:p>
+          <a:p>
+            <a:r>
+              <a:rPr lang="en-US" dirty="0" smtClean="0"/>
+              <a:t>Continuous builds on platform</a:t>
+            </a:r>
+          </a:p>
+          <a:p>
+            <a:r>
+              <a:rPr lang="en-US" dirty="0" smtClean="0"/>
+              <a:t>Tests’ feature coverage</a:t>
+            </a:r>
+            <a:endParaRPr lang="en-US" dirty="0"/>
+          </a:p>
+        </p:txBody>
+      </p:sp>
+    </p:spTree>
+    <p:extLst>
+      <p:ext uri="{BB962C8B-B14F-4D97-AF65-F5344CB8AC3E}">
+        <p14:creationId xmlns:p14="http://schemas.microsoft.com/office/powerpoint/2010/main" val="596507378"/>
       </p:ext>
     </p:extLst>
   </p:cSld>
@@ -3533,4 +7900,574 @@
   <a:objectDefaults/>
   <a:extraClrSchemeLst/>
 </a:theme>
+</file>
+
+<file path=ppt/theme/theme2.xml><?xml version="1.0" encoding="utf-8"?>
+<a:theme xmlns:a="http://schemas.openxmlformats.org/drawingml/2006/main" name="1_Office Theme">
+  <a:themeElements>
+    <a:clrScheme name="Office">
+      <a:dk1>
+        <a:sysClr val="windowText" lastClr="000000"/>
+      </a:dk1>
+      <a:lt1>
+        <a:sysClr val="window" lastClr="FFFFFF"/>
+      </a:lt1>
+      <a:dk2>
+        <a:srgbClr val="1F497D"/>
+      </a:dk2>
+      <a:lt2>
+        <a:srgbClr val="EEECE1"/>
+      </a:lt2>
+      <a:accent1>
+        <a:srgbClr val="4F81BD"/>
+      </a:accent1>
+      <a:accent2>
+        <a:srgbClr val="C0504D"/>
+      </a:accent2>
+      <a:accent3>
+        <a:srgbClr val="9BBB59"/>
+      </a:accent3>
+      <a:accent4>
+        <a:srgbClr val="8064A2"/>
+      </a:accent4>
+      <a:accent5>
+        <a:srgbClr val="4BACC6"/>
+      </a:accent5>
+      <a:accent6>
+        <a:srgbClr val="F79646"/>
+      </a:accent6>
+      <a:hlink>
+        <a:srgbClr val="0000FF"/>
+      </a:hlink>
+      <a:folHlink>
+        <a:srgbClr val="800080"/>
+      </a:folHlink>
+    </a:clrScheme>
+    <a:fontScheme name="Office">
+      <a:majorFont>
+        <a:latin typeface="Calibri"/>
+        <a:ea typeface=""/>
+        <a:cs typeface=""/>
+        <a:font script="Jpan" typeface="ＭＳ Ｐゴシック"/>
+        <a:font script="Hang" typeface="맑은 고딕"/>
+        <a:font script="Hans" typeface="宋体"/>
+        <a:font script="Hant" typeface="新細明體"/>
+        <a:font script="Arab" typeface="Times New Roman"/>
+        <a:font script="Hebr" typeface="Times New Roman"/>
+        <a:font script="Thai" typeface="Angsana New"/>
+        <a:font script="Ethi" typeface="Nyala"/>
+        <a:font script="Beng" typeface="Vrinda"/>
+        <a:font script="Gujr" typeface="Shruti"/>
+        <a:font script="Khmr" typeface="MoolBoran"/>
+        <a:font script="Knda" typeface="Tunga"/>
+        <a:font script="Guru" typeface="Raavi"/>
+        <a:font script="Cans" typeface="Euphemia"/>
+        <a:font script="Cher" typeface="Plantagenet Cherokee"/>
+        <a:font script="Yiii" typeface="Microsoft Yi Baiti"/>
+        <a:font script="Tibt" typeface="Microsoft Himalaya"/>
+        <a:font script="Thaa" typeface="MV Boli"/>
+        <a:font script="Deva" typeface="Mangal"/>
+        <a:font script="Telu" typeface="Gautami"/>
+        <a:font script="Taml" typeface="Latha"/>
+        <a:font script="Syrc" typeface="Estrangelo Edessa"/>
+        <a:font script="Orya" typeface="Kalinga"/>
+        <a:font script="Mlym" typeface="Kartika"/>
+        <a:font script="Laoo" typeface="DokChampa"/>
+        <a:font script="Sinh" typeface="Iskoola Pota"/>
+        <a:font script="Mong" typeface="Mongolian Baiti"/>
+        <a:font script="Viet" typeface="Times New Roman"/>
+        <a:font script="Uigh" typeface="Microsoft Uighur"/>
+        <a:font script="Geor" typeface="Sylfaen"/>
+      </a:majorFont>
+      <a:minorFont>
+        <a:latin typeface="Calibri"/>
+        <a:ea typeface=""/>
+        <a:cs typeface=""/>
+        <a:font script="Jpan" typeface="ＭＳ Ｐゴシック"/>
+        <a:font script="Hang" typeface="맑은 고딕"/>
+        <a:font script="Hans" typeface="宋体"/>
+        <a:font script="Hant" typeface="新細明體"/>
+        <a:font script="Arab" typeface="Arial"/>
+        <a:font script="Hebr" typeface="Arial"/>
+        <a:font script="Thai" typeface="Cordia New"/>
+        <a:font script="Ethi" typeface="Nyala"/>
+        <a:font script="Beng" typeface="Vrinda"/>
+        <a:font script="Gujr" typeface="Shruti"/>
+        <a:font script="Khmr" typeface="DaunPenh"/>
+        <a:font script="Knda" typeface="Tunga"/>
+        <a:font script="Guru" typeface="Raavi"/>
+        <a:font script="Cans" typeface="Euphemia"/>
+        <a:font script="Cher" typeface="Plantagenet Cherokee"/>
+        <a:font script="Yiii" typeface="Microsoft Yi Baiti"/>
+        <a:font script="Tibt" typeface="Microsoft Himalaya"/>
+        <a:font script="Thaa" typeface="MV Boli"/>
+        <a:font script="Deva" typeface="Mangal"/>
+        <a:font script="Telu" typeface="Gautami"/>
+        <a:font script="Taml" typeface="Latha"/>
+        <a:font script="Syrc" typeface="Estrangelo Edessa"/>
+        <a:font script="Orya" typeface="Kalinga"/>
+        <a:font script="Mlym" typeface="Kartika"/>
+        <a:font script="Laoo" typeface="DokChampa"/>
+        <a:font script="Sinh" typeface="Iskoola Pota"/>
+        <a:font script="Mong" typeface="Mongolian Baiti"/>
+        <a:font script="Viet" typeface="Arial"/>
+        <a:font script="Uigh" typeface="Microsoft Uighur"/>
+        <a:font script="Geor" typeface="Sylfaen"/>
+      </a:minorFont>
+    </a:fontScheme>
+    <a:fmtScheme name="Office">
+      <a:fillStyleLst>
+        <a:solidFill>
+          <a:schemeClr val="phClr"/>
+        </a:solidFill>
+        <a:gradFill rotWithShape="1">
+          <a:gsLst>
+            <a:gs pos="0">
+              <a:schemeClr val="phClr">
+                <a:tint val="50000"/>
+                <a:satMod val="300000"/>
+              </a:schemeClr>
+            </a:gs>
+            <a:gs pos="35000">
+              <a:schemeClr val="phClr">
+                <a:tint val="37000"/>
+                <a:satMod val="300000"/>
+              </a:schemeClr>
+            </a:gs>
+            <a:gs pos="100000">
+              <a:schemeClr val="phClr">
+                <a:tint val="15000"/>
+                <a:satMod val="350000"/>
+              </a:schemeClr>
+            </a:gs>
+          </a:gsLst>
+          <a:lin ang="16200000" scaled="1"/>
+        </a:gradFill>
+        <a:gradFill rotWithShape="1">
+          <a:gsLst>
+            <a:gs pos="0">
+              <a:schemeClr val="phClr">
+                <a:shade val="51000"/>
+                <a:satMod val="130000"/>
+              </a:schemeClr>
+            </a:gs>
+            <a:gs pos="80000">
+              <a:schemeClr val="phClr">
+                <a:shade val="93000"/>
+                <a:satMod val="130000"/>
+              </a:schemeClr>
+            </a:gs>
+            <a:gs pos="100000">
+              <a:schemeClr val="phClr">
+                <a:shade val="94000"/>
+                <a:satMod val="135000"/>
+              </a:schemeClr>
+            </a:gs>
+          </a:gsLst>
+          <a:lin ang="16200000" scaled="0"/>
+        </a:gradFill>
+      </a:fillStyleLst>
+      <a:lnStyleLst>
+        <a:ln w="9525" cap="flat" cmpd="sng" algn="ctr">
+          <a:solidFill>
+            <a:schemeClr val="phClr">
+              <a:shade val="95000"/>
+              <a:satMod val="105000"/>
+            </a:schemeClr>
+          </a:solidFill>
+          <a:prstDash val="solid"/>
+        </a:ln>
+        <a:ln w="25400" cap="flat" cmpd="sng" algn="ctr">
+          <a:solidFill>
+            <a:schemeClr val="phClr"/>
+          </a:solidFill>
+          <a:prstDash val="solid"/>
+        </a:ln>
+        <a:ln w="38100" cap="flat" cmpd="sng" algn="ctr">
+          <a:solidFill>
+            <a:schemeClr val="phClr"/>
+          </a:solidFill>
+          <a:prstDash val="solid"/>
+        </a:ln>
+      </a:lnStyleLst>
+      <a:effectStyleLst>
+        <a:effectStyle>
+          <a:effectLst>
+            <a:outerShdw blurRad="40000" dist="20000" dir="5400000" rotWithShape="0">
+              <a:srgbClr val="000000">
+                <a:alpha val="38000"/>
+              </a:srgbClr>
+            </a:outerShdw>
+          </a:effectLst>
+        </a:effectStyle>
+        <a:effectStyle>
+          <a:effectLst>
+            <a:outerShdw blurRad="40000" dist="23000" dir="5400000" rotWithShape="0">
+              <a:srgbClr val="000000">
+                <a:alpha val="35000"/>
+              </a:srgbClr>
+            </a:outerShdw>
+          </a:effectLst>
+        </a:effectStyle>
+        <a:effectStyle>
+          <a:effectLst>
+            <a:outerShdw blurRad="40000" dist="23000" dir="5400000" rotWithShape="0">
+              <a:srgbClr val="000000">
+                <a:alpha val="35000"/>
+              </a:srgbClr>
+            </a:outerShdw>
+          </a:effectLst>
+          <a:scene3d>
+            <a:camera prst="orthographicFront">
+              <a:rot lat="0" lon="0" rev="0"/>
+            </a:camera>
+            <a:lightRig rig="threePt" dir="t">
+              <a:rot lat="0" lon="0" rev="1200000"/>
+            </a:lightRig>
+          </a:scene3d>
+          <a:sp3d>
+            <a:bevelT w="63500" h="25400"/>
+          </a:sp3d>
+        </a:effectStyle>
+      </a:effectStyleLst>
+      <a:bgFillStyleLst>
+        <a:solidFill>
+          <a:schemeClr val="phClr"/>
+        </a:solidFill>
+        <a:gradFill rotWithShape="1">
+          <a:gsLst>
+            <a:gs pos="0">
+              <a:schemeClr val="phClr">
+                <a:tint val="40000"/>
+                <a:satMod val="350000"/>
+              </a:schemeClr>
+            </a:gs>
+            <a:gs pos="40000">
+              <a:schemeClr val="phClr">
+                <a:tint val="45000"/>
+                <a:shade val="99000"/>
+                <a:satMod val="350000"/>
+              </a:schemeClr>
+            </a:gs>
+            <a:gs pos="100000">
+              <a:schemeClr val="phClr">
+                <a:shade val="20000"/>
+                <a:satMod val="255000"/>
+              </a:schemeClr>
+            </a:gs>
+          </a:gsLst>
+          <a:path path="circle">
+            <a:fillToRect l="50000" t="-80000" r="50000" b="180000"/>
+          </a:path>
+        </a:gradFill>
+        <a:gradFill rotWithShape="1">
+          <a:gsLst>
+            <a:gs pos="0">
+              <a:schemeClr val="phClr">
+                <a:tint val="80000"/>
+                <a:satMod val="300000"/>
+              </a:schemeClr>
+            </a:gs>
+            <a:gs pos="100000">
+              <a:schemeClr val="phClr">
+                <a:shade val="30000"/>
+                <a:satMod val="200000"/>
+              </a:schemeClr>
+            </a:gs>
+          </a:gsLst>
+          <a:path path="circle">
+            <a:fillToRect l="50000" t="50000" r="50000" b="50000"/>
+          </a:path>
+        </a:gradFill>
+      </a:bgFillStyleLst>
+    </a:fmtScheme>
+  </a:themeElements>
+  <a:objectDefaults/>
+  <a:extraClrSchemeLst/>
+</a:theme>
+</file>
+
+<file path=ppt/theme/theme3.xml><?xml version="1.0" encoding="utf-8"?>
+<a:theme xmlns:a="http://schemas.openxmlformats.org/drawingml/2006/main" name="Office Theme">
+  <a:themeElements>
+    <a:clrScheme name="Office">
+      <a:dk1>
+        <a:sysClr val="windowText" lastClr="000000"/>
+      </a:dk1>
+      <a:lt1>
+        <a:sysClr val="window" lastClr="FFFFFF"/>
+      </a:lt1>
+      <a:dk2>
+        <a:srgbClr val="1F497D"/>
+      </a:dk2>
+      <a:lt2>
+        <a:srgbClr val="EEECE1"/>
+      </a:lt2>
+      <a:accent1>
+        <a:srgbClr val="4F81BD"/>
+      </a:accent1>
+      <a:accent2>
+        <a:srgbClr val="C0504D"/>
+      </a:accent2>
+      <a:accent3>
+        <a:srgbClr val="9BBB59"/>
+      </a:accent3>
+      <a:accent4>
+        <a:srgbClr val="8064A2"/>
+      </a:accent4>
+      <a:accent5>
+        <a:srgbClr val="4BACC6"/>
+      </a:accent5>
+      <a:accent6>
+        <a:srgbClr val="F79646"/>
+      </a:accent6>
+      <a:hlink>
+        <a:srgbClr val="0000FF"/>
+      </a:hlink>
+      <a:folHlink>
+        <a:srgbClr val="800080"/>
+      </a:folHlink>
+    </a:clrScheme>
+    <a:fontScheme name="Office">
+      <a:majorFont>
+        <a:latin typeface="Calibri"/>
+        <a:ea typeface=""/>
+        <a:cs typeface=""/>
+        <a:font script="Jpan" typeface="ＭＳ Ｐゴシック"/>
+        <a:font script="Hang" typeface="맑은 고딕"/>
+        <a:font script="Hans" typeface="宋体"/>
+        <a:font script="Hant" typeface="新細明體"/>
+        <a:font script="Arab" typeface="Times New Roman"/>
+        <a:font script="Hebr" typeface="Times New Roman"/>
+        <a:font script="Thai" typeface="Angsana New"/>
+        <a:font script="Ethi" typeface="Nyala"/>
+        <a:font script="Beng" typeface="Vrinda"/>
+        <a:font script="Gujr" typeface="Shruti"/>
+        <a:font script="Khmr" typeface="MoolBoran"/>
+        <a:font script="Knda" typeface="Tunga"/>
+        <a:font script="Guru" typeface="Raavi"/>
+        <a:font script="Cans" typeface="Euphemia"/>
+        <a:font script="Cher" typeface="Plantagenet Cherokee"/>
+        <a:font script="Yiii" typeface="Microsoft Yi Baiti"/>
+        <a:font script="Tibt" typeface="Microsoft Himalaya"/>
+        <a:font script="Thaa" typeface="MV Boli"/>
+        <a:font script="Deva" typeface="Mangal"/>
+        <a:font script="Telu" typeface="Gautami"/>
+        <a:font script="Taml" typeface="Latha"/>
+        <a:font script="Syrc" typeface="Estrangelo Edessa"/>
+        <a:font script="Orya" typeface="Kalinga"/>
+        <a:font script="Mlym" typeface="Kartika"/>
+        <a:font script="Laoo" typeface="DokChampa"/>
+        <a:font script="Sinh" typeface="Iskoola Pota"/>
+        <a:font script="Mong" typeface="Mongolian Baiti"/>
+        <a:font script="Viet" typeface="Times New Roman"/>
+        <a:font script="Uigh" typeface="Microsoft Uighur"/>
+        <a:font script="Geor" typeface="Sylfaen"/>
+      </a:majorFont>
+      <a:minorFont>
+        <a:latin typeface="Calibri"/>
+        <a:ea typeface=""/>
+        <a:cs typeface=""/>
+        <a:font script="Jpan" typeface="ＭＳ Ｐゴシック"/>
+        <a:font script="Hang" typeface="맑은 고딕"/>
+        <a:font script="Hans" typeface="宋体"/>
+        <a:font script="Hant" typeface="新細明體"/>
+        <a:font script="Arab" typeface="Arial"/>
+        <a:font script="Hebr" typeface="Arial"/>
+        <a:font script="Thai" typeface="Cordia New"/>
+        <a:font script="Ethi" typeface="Nyala"/>
+        <a:font script="Beng" typeface="Vrinda"/>
+        <a:font script="Gujr" typeface="Shruti"/>
+        <a:font script="Khmr" typeface="DaunPenh"/>
+        <a:font script="Knda" typeface="Tunga"/>
+        <a:font script="Guru" typeface="Raavi"/>
+        <a:font script="Cans" typeface="Euphemia"/>
+        <a:font script="Cher" typeface="Plantagenet Cherokee"/>
+        <a:font script="Yiii" typeface="Microsoft Yi Baiti"/>
+        <a:font script="Tibt" typeface="Microsoft Himalaya"/>
+        <a:font script="Thaa" typeface="MV Boli"/>
+        <a:font script="Deva" typeface="Mangal"/>
+        <a:font script="Telu" typeface="Gautami"/>
+        <a:font script="Taml" typeface="Latha"/>
+        <a:font script="Syrc" typeface="Estrangelo Edessa"/>
+        <a:font script="Orya" typeface="Kalinga"/>
+        <a:font script="Mlym" typeface="Kartika"/>
+        <a:font script="Laoo" typeface="DokChampa"/>
+        <a:font script="Sinh" typeface="Iskoola Pota"/>
+        <a:font script="Mong" typeface="Mongolian Baiti"/>
+        <a:font script="Viet" typeface="Arial"/>
+        <a:font script="Uigh" typeface="Microsoft Uighur"/>
+        <a:font script="Geor" typeface="Sylfaen"/>
+      </a:minorFont>
+    </a:fontScheme>
+    <a:fmtScheme name="Office">
+      <a:fillStyleLst>
+        <a:solidFill>
+          <a:schemeClr val="phClr"/>
+        </a:solidFill>
+        <a:gradFill rotWithShape="1">
+          <a:gsLst>
+            <a:gs pos="0">
+              <a:schemeClr val="phClr">
+                <a:tint val="50000"/>
+                <a:satMod val="300000"/>
+              </a:schemeClr>
+            </a:gs>
+            <a:gs pos="35000">
+              <a:schemeClr val="phClr">
+                <a:tint val="37000"/>
+                <a:satMod val="300000"/>
+              </a:schemeClr>
+            </a:gs>
+            <a:gs pos="100000">
+              <a:schemeClr val="phClr">
+                <a:tint val="15000"/>
+                <a:satMod val="350000"/>
+              </a:schemeClr>
+            </a:gs>
+          </a:gsLst>
+          <a:lin ang="16200000" scaled="1"/>
+        </a:gradFill>
+        <a:gradFill rotWithShape="1">
+          <a:gsLst>
+            <a:gs pos="0">
+              <a:schemeClr val="phClr">
+                <a:shade val="51000"/>
+                <a:satMod val="130000"/>
+              </a:schemeClr>
+            </a:gs>
+            <a:gs pos="80000">
+              <a:schemeClr val="phClr">
+                <a:shade val="93000"/>
+                <a:satMod val="130000"/>
+              </a:schemeClr>
+            </a:gs>
+            <a:gs pos="100000">
+              <a:schemeClr val="phClr">
+                <a:shade val="94000"/>
+                <a:satMod val="135000"/>
+              </a:schemeClr>
+            </a:gs>
+          </a:gsLst>
+          <a:lin ang="16200000" scaled="0"/>
+        </a:gradFill>
+      </a:fillStyleLst>
+      <a:lnStyleLst>
+        <a:ln w="9525" cap="flat" cmpd="sng" algn="ctr">
+          <a:solidFill>
+            <a:schemeClr val="phClr">
+              <a:shade val="95000"/>
+              <a:satMod val="105000"/>
+            </a:schemeClr>
+          </a:solidFill>
+          <a:prstDash val="solid"/>
+        </a:ln>
+        <a:ln w="25400" cap="flat" cmpd="sng" algn="ctr">
+          <a:solidFill>
+            <a:schemeClr val="phClr"/>
+          </a:solidFill>
+          <a:prstDash val="solid"/>
+        </a:ln>
+        <a:ln w="38100" cap="flat" cmpd="sng" algn="ctr">
+          <a:solidFill>
+            <a:schemeClr val="phClr"/>
+          </a:solidFill>
+          <a:prstDash val="solid"/>
+        </a:ln>
+      </a:lnStyleLst>
+      <a:effectStyleLst>
+        <a:effectStyle>
+          <a:effectLst>
+            <a:outerShdw blurRad="40000" dist="20000" dir="5400000" rotWithShape="0">
+              <a:srgbClr val="000000">
+                <a:alpha val="38000"/>
+              </a:srgbClr>
+            </a:outerShdw>
+          </a:effectLst>
+        </a:effectStyle>
+        <a:effectStyle>
+          <a:effectLst>
+            <a:outerShdw blurRad="40000" dist="23000" dir="5400000" rotWithShape="0">
+              <a:srgbClr val="000000">
+                <a:alpha val="35000"/>
+              </a:srgbClr>
+            </a:outerShdw>
+          </a:effectLst>
+        </a:effectStyle>
+        <a:effectStyle>
+          <a:effectLst>
+            <a:outerShdw blurRad="40000" dist="23000" dir="5400000" rotWithShape="0">
+              <a:srgbClr val="000000">
+                <a:alpha val="35000"/>
+              </a:srgbClr>
+            </a:outerShdw>
+          </a:effectLst>
+          <a:scene3d>
+            <a:camera prst="orthographicFront">
+              <a:rot lat="0" lon="0" rev="0"/>
+            </a:camera>
+            <a:lightRig rig="threePt" dir="t">
+              <a:rot lat="0" lon="0" rev="1200000"/>
+            </a:lightRig>
+          </a:scene3d>
+          <a:sp3d>
+            <a:bevelT w="63500" h="25400"/>
+          </a:sp3d>
+        </a:effectStyle>
+      </a:effectStyleLst>
+      <a:bgFillStyleLst>
+        <a:solidFill>
+          <a:schemeClr val="phClr"/>
+        </a:solidFill>
+        <a:gradFill rotWithShape="1">
+          <a:gsLst>
+            <a:gs pos="0">
+              <a:schemeClr val="phClr">
+                <a:tint val="40000"/>
+                <a:satMod val="350000"/>
+              </a:schemeClr>
+            </a:gs>
+            <a:gs pos="40000">
+              <a:schemeClr val="phClr">
+                <a:tint val="45000"/>
+                <a:shade val="99000"/>
+                <a:satMod val="350000"/>
+              </a:schemeClr>
+            </a:gs>
+            <a:gs pos="100000">
+              <a:schemeClr val="phClr">
+                <a:shade val="20000"/>
+                <a:satMod val="255000"/>
+              </a:schemeClr>
+            </a:gs>
+          </a:gsLst>
+          <a:path path="circle">
+            <a:fillToRect l="50000" t="-80000" r="50000" b="180000"/>
+          </a:path>
+        </a:gradFill>
+        <a:gradFill rotWithShape="1">
+          <a:gsLst>
+            <a:gs pos="0">
+              <a:schemeClr val="phClr">
+                <a:tint val="80000"/>
+                <a:satMod val="300000"/>
+              </a:schemeClr>
+            </a:gs>
+            <a:gs pos="100000">
+              <a:schemeClr val="phClr">
+                <a:shade val="30000"/>
+                <a:satMod val="200000"/>
+              </a:schemeClr>
+            </a:gs>
+          </a:gsLst>
+          <a:path path="circle">
+            <a:fillToRect l="50000" t="50000" r="50000" b="50000"/>
+          </a:path>
+        </a:gradFill>
+      </a:bgFillStyleLst>
+    </a:fmtScheme>
+  </a:themeElements>
+  <a:objectDefaults/>
+  <a:extraClrSchemeLst/>
+</a:theme>
 </file>